--- a/Saturday_Monday_Wednesday/Class_7_18_February_2019/Lecture.pptx
+++ b/Saturday_Monday_Wednesday/Class_7_18_February_2019/Lecture.pptx
@@ -46,7 +46,6 @@
     <p:sldId id="291" r:id="rId39"/>
     <p:sldId id="292" r:id="rId40"/>
     <p:sldId id="293" r:id="rId41"/>
-    <p:sldId id="294" r:id="rId42"/>
   </p:sldIdLst>
   <p:sldSz cx="10080625" cy="7559675"/>
   <p:notesSz cx="7559675" cy="10691812"/>
@@ -294,7 +293,7 @@
           <a:bodyPr lIns="0" rIns="0" tIns="0" bIns="0" anchor="b"/>
           <a:p>
             <a:pPr algn="r"/>
-            <a:fld id="{FAEABC46-94F6-432C-A689-D0FBB1107680}" type="slidenum">
+            <a:fld id="{B38F2127-852A-4F0E-A307-36DC55E01D8E}" type="slidenum">
               <a:rPr b="0" lang="en-US" sz="1400" spc="-1" strike="noStrike">
                 <a:solidFill>
                   <a:srgbClr val="000000"/>
@@ -329,6 +328,1183 @@
 </file>
 
 <file path=ppt/notesSlides/notesSlide1.xml><?xml version="1.0" encoding="utf-8"?>
+<p:notes xmlns:a="http://schemas.openxmlformats.org/drawingml/2006/main" xmlns:p="http://schemas.openxmlformats.org/presentationml/2006/main" xmlns:r="http://schemas.openxmlformats.org/officeDocument/2006/relationships" xmlns:p14="http://schemas.microsoft.com/office/powerpoint/2010/main" xmlns:p15="http://schemas.microsoft.com/office/powerpoint/2012/main" xmlns:mc="http://schemas.openxmlformats.org/markup-compatibility/2006">
+  <p:cSld>
+    <p:spTree>
+      <p:nvGrpSpPr>
+        <p:cNvPr id="1" name=""/>
+        <p:cNvGrpSpPr/>
+        <p:nvPr/>
+      </p:nvGrpSpPr>
+      <p:grpSpPr>
+        <a:xfrm>
+          <a:off x="0" y="0"/>
+          <a:ext cx="0" cy="0"/>
+          <a:chOff x="0" y="0"/>
+          <a:chExt cx="0" cy="0"/>
+        </a:xfrm>
+      </p:grpSpPr>
+      <p:sp>
+        <p:nvSpPr>
+          <p:cNvPr id="122" name="CustomShape 1"/>
+          <p:cNvSpPr/>
+          <p:nvPr/>
+        </p:nvSpPr>
+        <p:spPr>
+          <a:xfrm>
+            <a:off x="755640" y="5078520"/>
+            <a:ext cx="6045480" cy="4808880"/>
+          </a:xfrm>
+          <a:custGeom>
+            <a:avLst/>
+            <a:gdLst/>
+            <a:ahLst/>
+            <a:rect l="l" t="t" r="r" b="b"/>
+            <a:pathLst>
+              <a:path w="21600" h="21600">
+                <a:moveTo>
+                  <a:pt x="0" y="0"/>
+                </a:moveTo>
+                <a:lnTo>
+                  <a:pt x="21600" y="0"/>
+                </a:lnTo>
+                <a:lnTo>
+                  <a:pt x="21600" y="21600"/>
+                </a:lnTo>
+                <a:lnTo>
+                  <a:pt x="0" y="21600"/>
+                </a:lnTo>
+                <a:lnTo>
+                  <a:pt x="0" y="0"/>
+                </a:lnTo>
+                <a:close/>
+              </a:path>
+            </a:pathLst>
+          </a:custGeom>
+          <a:noFill/>
+          <a:ln>
+            <a:noFill/>
+          </a:ln>
+        </p:spPr>
+        <p:style>
+          <a:lnRef idx="0"/>
+          <a:fillRef idx="0"/>
+          <a:effectRef idx="0"/>
+          <a:fontRef idx="minor"/>
+        </p:style>
+      </p:sp>
+      <p:sp>
+        <p:nvSpPr>
+          <p:cNvPr id="123" name="PlaceHolder 2"/>
+          <p:cNvSpPr>
+            <a:spLocks noGrp="1"/>
+          </p:cNvSpPr>
+          <p:nvPr>
+            <p:ph type="body"/>
+          </p:nvPr>
+        </p:nvSpPr>
+        <p:spPr>
+          <a:xfrm>
+            <a:off x="756000" y="5078520"/>
+            <a:ext cx="6045840" cy="4809600"/>
+          </a:xfrm>
+          <a:prstGeom prst="rect">
+            <a:avLst/>
+          </a:prstGeom>
+        </p:spPr>
+        <p:txBody>
+          <a:bodyPr lIns="0" rIns="0" tIns="91440" bIns="91440"/>
+          <a:p>
+            <a:endParaRPr b="0" lang="en-US" sz="2000" spc="-1" strike="noStrike">
+              <a:solidFill>
+                <a:srgbClr val="000000"/>
+              </a:solidFill>
+              <a:uFill>
+                <a:solidFill>
+                  <a:srgbClr val="ffffff"/>
+                </a:solidFill>
+              </a:uFill>
+              <a:latin typeface="Arial"/>
+            </a:endParaRPr>
+          </a:p>
+        </p:txBody>
+      </p:sp>
+    </p:spTree>
+  </p:cSld>
+</p:notes>
+</file>
+
+<file path=ppt/notesSlides/notesSlide10.xml><?xml version="1.0" encoding="utf-8"?>
+<p:notes xmlns:a="http://schemas.openxmlformats.org/drawingml/2006/main" xmlns:p="http://schemas.openxmlformats.org/presentationml/2006/main" xmlns:r="http://schemas.openxmlformats.org/officeDocument/2006/relationships" xmlns:p14="http://schemas.microsoft.com/office/powerpoint/2010/main" xmlns:p15="http://schemas.microsoft.com/office/powerpoint/2012/main" xmlns:mc="http://schemas.openxmlformats.org/markup-compatibility/2006">
+  <p:cSld>
+    <p:spTree>
+      <p:nvGrpSpPr>
+        <p:cNvPr id="1" name=""/>
+        <p:cNvGrpSpPr/>
+        <p:nvPr/>
+      </p:nvGrpSpPr>
+      <p:grpSpPr>
+        <a:xfrm>
+          <a:off x="0" y="0"/>
+          <a:ext cx="0" cy="0"/>
+          <a:chOff x="0" y="0"/>
+          <a:chExt cx="0" cy="0"/>
+        </a:xfrm>
+      </p:grpSpPr>
+      <p:sp>
+        <p:nvSpPr>
+          <p:cNvPr id="140" name="CustomShape 1"/>
+          <p:cNvSpPr/>
+          <p:nvPr/>
+        </p:nvSpPr>
+        <p:spPr>
+          <a:xfrm>
+            <a:off x="755640" y="5078520"/>
+            <a:ext cx="6045480" cy="4808880"/>
+          </a:xfrm>
+          <a:custGeom>
+            <a:avLst/>
+            <a:gdLst/>
+            <a:ahLst/>
+            <a:rect l="l" t="t" r="r" b="b"/>
+            <a:pathLst>
+              <a:path w="21600" h="21600">
+                <a:moveTo>
+                  <a:pt x="0" y="0"/>
+                </a:moveTo>
+                <a:lnTo>
+                  <a:pt x="21600" y="0"/>
+                </a:lnTo>
+                <a:lnTo>
+                  <a:pt x="21600" y="21600"/>
+                </a:lnTo>
+                <a:lnTo>
+                  <a:pt x="0" y="21600"/>
+                </a:lnTo>
+                <a:lnTo>
+                  <a:pt x="0" y="0"/>
+                </a:lnTo>
+                <a:close/>
+              </a:path>
+            </a:pathLst>
+          </a:custGeom>
+          <a:noFill/>
+          <a:ln>
+            <a:noFill/>
+          </a:ln>
+        </p:spPr>
+        <p:style>
+          <a:lnRef idx="0"/>
+          <a:fillRef idx="0"/>
+          <a:effectRef idx="0"/>
+          <a:fontRef idx="minor"/>
+        </p:style>
+      </p:sp>
+      <p:sp>
+        <p:nvSpPr>
+          <p:cNvPr id="141" name="PlaceHolder 2"/>
+          <p:cNvSpPr>
+            <a:spLocks noGrp="1"/>
+          </p:cNvSpPr>
+          <p:nvPr>
+            <p:ph type="body"/>
+          </p:nvPr>
+        </p:nvSpPr>
+        <p:spPr>
+          <a:xfrm>
+            <a:off x="756000" y="5078520"/>
+            <a:ext cx="6045840" cy="4809600"/>
+          </a:xfrm>
+          <a:prstGeom prst="rect">
+            <a:avLst/>
+          </a:prstGeom>
+        </p:spPr>
+        <p:txBody>
+          <a:bodyPr lIns="0" rIns="0" tIns="91440" bIns="91440"/>
+          <a:p>
+            <a:endParaRPr b="0" lang="en-US" sz="2000" spc="-1" strike="noStrike">
+              <a:solidFill>
+                <a:srgbClr val="000000"/>
+              </a:solidFill>
+              <a:uFill>
+                <a:solidFill>
+                  <a:srgbClr val="ffffff"/>
+                </a:solidFill>
+              </a:uFill>
+              <a:latin typeface="Arial"/>
+            </a:endParaRPr>
+          </a:p>
+        </p:txBody>
+      </p:sp>
+    </p:spTree>
+  </p:cSld>
+</p:notes>
+</file>
+
+<file path=ppt/notesSlides/notesSlide11.xml><?xml version="1.0" encoding="utf-8"?>
+<p:notes xmlns:a="http://schemas.openxmlformats.org/drawingml/2006/main" xmlns:p="http://schemas.openxmlformats.org/presentationml/2006/main" xmlns:r="http://schemas.openxmlformats.org/officeDocument/2006/relationships" xmlns:p14="http://schemas.microsoft.com/office/powerpoint/2010/main" xmlns:p15="http://schemas.microsoft.com/office/powerpoint/2012/main" xmlns:mc="http://schemas.openxmlformats.org/markup-compatibility/2006">
+  <p:cSld>
+    <p:spTree>
+      <p:nvGrpSpPr>
+        <p:cNvPr id="1" name=""/>
+        <p:cNvGrpSpPr/>
+        <p:nvPr/>
+      </p:nvGrpSpPr>
+      <p:grpSpPr>
+        <a:xfrm>
+          <a:off x="0" y="0"/>
+          <a:ext cx="0" cy="0"/>
+          <a:chOff x="0" y="0"/>
+          <a:chExt cx="0" cy="0"/>
+        </a:xfrm>
+      </p:grpSpPr>
+      <p:sp>
+        <p:nvSpPr>
+          <p:cNvPr id="142" name="CustomShape 1"/>
+          <p:cNvSpPr/>
+          <p:nvPr/>
+        </p:nvSpPr>
+        <p:spPr>
+          <a:xfrm>
+            <a:off x="755640" y="5078520"/>
+            <a:ext cx="6045480" cy="4808880"/>
+          </a:xfrm>
+          <a:custGeom>
+            <a:avLst/>
+            <a:gdLst/>
+            <a:ahLst/>
+            <a:rect l="l" t="t" r="r" b="b"/>
+            <a:pathLst>
+              <a:path w="21600" h="21600">
+                <a:moveTo>
+                  <a:pt x="0" y="0"/>
+                </a:moveTo>
+                <a:lnTo>
+                  <a:pt x="21600" y="0"/>
+                </a:lnTo>
+                <a:lnTo>
+                  <a:pt x="21600" y="21600"/>
+                </a:lnTo>
+                <a:lnTo>
+                  <a:pt x="0" y="21600"/>
+                </a:lnTo>
+                <a:lnTo>
+                  <a:pt x="0" y="0"/>
+                </a:lnTo>
+                <a:close/>
+              </a:path>
+            </a:pathLst>
+          </a:custGeom>
+          <a:noFill/>
+          <a:ln>
+            <a:noFill/>
+          </a:ln>
+        </p:spPr>
+        <p:style>
+          <a:lnRef idx="0"/>
+          <a:fillRef idx="0"/>
+          <a:effectRef idx="0"/>
+          <a:fontRef idx="minor"/>
+        </p:style>
+      </p:sp>
+      <p:sp>
+        <p:nvSpPr>
+          <p:cNvPr id="143" name="PlaceHolder 2"/>
+          <p:cNvSpPr>
+            <a:spLocks noGrp="1"/>
+          </p:cNvSpPr>
+          <p:nvPr>
+            <p:ph type="body"/>
+          </p:nvPr>
+        </p:nvSpPr>
+        <p:spPr>
+          <a:xfrm>
+            <a:off x="756000" y="5078520"/>
+            <a:ext cx="6045840" cy="4809600"/>
+          </a:xfrm>
+          <a:prstGeom prst="rect">
+            <a:avLst/>
+          </a:prstGeom>
+        </p:spPr>
+        <p:txBody>
+          <a:bodyPr lIns="0" rIns="0" tIns="91440" bIns="91440"/>
+          <a:p>
+            <a:endParaRPr b="0" lang="en-US" sz="2000" spc="-1" strike="noStrike">
+              <a:solidFill>
+                <a:srgbClr val="000000"/>
+              </a:solidFill>
+              <a:uFill>
+                <a:solidFill>
+                  <a:srgbClr val="ffffff"/>
+                </a:solidFill>
+              </a:uFill>
+              <a:latin typeface="Arial"/>
+            </a:endParaRPr>
+          </a:p>
+        </p:txBody>
+      </p:sp>
+    </p:spTree>
+  </p:cSld>
+</p:notes>
+</file>
+
+<file path=ppt/notesSlides/notesSlide12.xml><?xml version="1.0" encoding="utf-8"?>
+<p:notes xmlns:a="http://schemas.openxmlformats.org/drawingml/2006/main" xmlns:p="http://schemas.openxmlformats.org/presentationml/2006/main" xmlns:r="http://schemas.openxmlformats.org/officeDocument/2006/relationships" xmlns:p14="http://schemas.microsoft.com/office/powerpoint/2010/main" xmlns:p15="http://schemas.microsoft.com/office/powerpoint/2012/main" xmlns:mc="http://schemas.openxmlformats.org/markup-compatibility/2006">
+  <p:cSld>
+    <p:spTree>
+      <p:nvGrpSpPr>
+        <p:cNvPr id="1" name=""/>
+        <p:cNvGrpSpPr/>
+        <p:nvPr/>
+      </p:nvGrpSpPr>
+      <p:grpSpPr>
+        <a:xfrm>
+          <a:off x="0" y="0"/>
+          <a:ext cx="0" cy="0"/>
+          <a:chOff x="0" y="0"/>
+          <a:chExt cx="0" cy="0"/>
+        </a:xfrm>
+      </p:grpSpPr>
+      <p:sp>
+        <p:nvSpPr>
+          <p:cNvPr id="144" name="CustomShape 1"/>
+          <p:cNvSpPr/>
+          <p:nvPr/>
+        </p:nvSpPr>
+        <p:spPr>
+          <a:xfrm>
+            <a:off x="755640" y="5078520"/>
+            <a:ext cx="6045480" cy="4808880"/>
+          </a:xfrm>
+          <a:custGeom>
+            <a:avLst/>
+            <a:gdLst/>
+            <a:ahLst/>
+            <a:rect l="l" t="t" r="r" b="b"/>
+            <a:pathLst>
+              <a:path w="21600" h="21600">
+                <a:moveTo>
+                  <a:pt x="0" y="0"/>
+                </a:moveTo>
+                <a:lnTo>
+                  <a:pt x="21600" y="0"/>
+                </a:lnTo>
+                <a:lnTo>
+                  <a:pt x="21600" y="21600"/>
+                </a:lnTo>
+                <a:lnTo>
+                  <a:pt x="0" y="21600"/>
+                </a:lnTo>
+                <a:lnTo>
+                  <a:pt x="0" y="0"/>
+                </a:lnTo>
+                <a:close/>
+              </a:path>
+            </a:pathLst>
+          </a:custGeom>
+          <a:noFill/>
+          <a:ln>
+            <a:noFill/>
+          </a:ln>
+        </p:spPr>
+        <p:style>
+          <a:lnRef idx="0"/>
+          <a:fillRef idx="0"/>
+          <a:effectRef idx="0"/>
+          <a:fontRef idx="minor"/>
+        </p:style>
+      </p:sp>
+      <p:sp>
+        <p:nvSpPr>
+          <p:cNvPr id="145" name="PlaceHolder 2"/>
+          <p:cNvSpPr>
+            <a:spLocks noGrp="1"/>
+          </p:cNvSpPr>
+          <p:nvPr>
+            <p:ph type="body"/>
+          </p:nvPr>
+        </p:nvSpPr>
+        <p:spPr>
+          <a:xfrm>
+            <a:off x="756000" y="5078520"/>
+            <a:ext cx="6045840" cy="4809600"/>
+          </a:xfrm>
+          <a:prstGeom prst="rect">
+            <a:avLst/>
+          </a:prstGeom>
+        </p:spPr>
+        <p:txBody>
+          <a:bodyPr lIns="0" rIns="0" tIns="91440" bIns="91440"/>
+          <a:p>
+            <a:endParaRPr b="0" lang="en-US" sz="2000" spc="-1" strike="noStrike">
+              <a:solidFill>
+                <a:srgbClr val="000000"/>
+              </a:solidFill>
+              <a:uFill>
+                <a:solidFill>
+                  <a:srgbClr val="ffffff"/>
+                </a:solidFill>
+              </a:uFill>
+              <a:latin typeface="Arial"/>
+            </a:endParaRPr>
+          </a:p>
+        </p:txBody>
+      </p:sp>
+    </p:spTree>
+  </p:cSld>
+</p:notes>
+</file>
+
+<file path=ppt/notesSlides/notesSlide13.xml><?xml version="1.0" encoding="utf-8"?>
+<p:notes xmlns:a="http://schemas.openxmlformats.org/drawingml/2006/main" xmlns:p="http://schemas.openxmlformats.org/presentationml/2006/main" xmlns:r="http://schemas.openxmlformats.org/officeDocument/2006/relationships" xmlns:p14="http://schemas.microsoft.com/office/powerpoint/2010/main" xmlns:p15="http://schemas.microsoft.com/office/powerpoint/2012/main" xmlns:mc="http://schemas.openxmlformats.org/markup-compatibility/2006">
+  <p:cSld>
+    <p:spTree>
+      <p:nvGrpSpPr>
+        <p:cNvPr id="1" name=""/>
+        <p:cNvGrpSpPr/>
+        <p:nvPr/>
+      </p:nvGrpSpPr>
+      <p:grpSpPr>
+        <a:xfrm>
+          <a:off x="0" y="0"/>
+          <a:ext cx="0" cy="0"/>
+          <a:chOff x="0" y="0"/>
+          <a:chExt cx="0" cy="0"/>
+        </a:xfrm>
+      </p:grpSpPr>
+      <p:sp>
+        <p:nvSpPr>
+          <p:cNvPr id="146" name="CustomShape 1"/>
+          <p:cNvSpPr/>
+          <p:nvPr/>
+        </p:nvSpPr>
+        <p:spPr>
+          <a:xfrm>
+            <a:off x="755640" y="5078520"/>
+            <a:ext cx="6045480" cy="4808880"/>
+          </a:xfrm>
+          <a:custGeom>
+            <a:avLst/>
+            <a:gdLst/>
+            <a:ahLst/>
+            <a:rect l="l" t="t" r="r" b="b"/>
+            <a:pathLst>
+              <a:path w="21600" h="21600">
+                <a:moveTo>
+                  <a:pt x="0" y="0"/>
+                </a:moveTo>
+                <a:lnTo>
+                  <a:pt x="21600" y="0"/>
+                </a:lnTo>
+                <a:lnTo>
+                  <a:pt x="21600" y="21600"/>
+                </a:lnTo>
+                <a:lnTo>
+                  <a:pt x="0" y="21600"/>
+                </a:lnTo>
+                <a:lnTo>
+                  <a:pt x="0" y="0"/>
+                </a:lnTo>
+                <a:close/>
+              </a:path>
+            </a:pathLst>
+          </a:custGeom>
+          <a:noFill/>
+          <a:ln>
+            <a:noFill/>
+          </a:ln>
+        </p:spPr>
+        <p:style>
+          <a:lnRef idx="0"/>
+          <a:fillRef idx="0"/>
+          <a:effectRef idx="0"/>
+          <a:fontRef idx="minor"/>
+        </p:style>
+      </p:sp>
+      <p:sp>
+        <p:nvSpPr>
+          <p:cNvPr id="147" name="PlaceHolder 2"/>
+          <p:cNvSpPr>
+            <a:spLocks noGrp="1"/>
+          </p:cNvSpPr>
+          <p:nvPr>
+            <p:ph type="body"/>
+          </p:nvPr>
+        </p:nvSpPr>
+        <p:spPr>
+          <a:xfrm>
+            <a:off x="756000" y="5078520"/>
+            <a:ext cx="6045840" cy="4809600"/>
+          </a:xfrm>
+          <a:prstGeom prst="rect">
+            <a:avLst/>
+          </a:prstGeom>
+        </p:spPr>
+        <p:txBody>
+          <a:bodyPr lIns="0" rIns="0" tIns="91440" bIns="91440"/>
+          <a:p>
+            <a:endParaRPr b="0" lang="en-US" sz="2000" spc="-1" strike="noStrike">
+              <a:solidFill>
+                <a:srgbClr val="000000"/>
+              </a:solidFill>
+              <a:uFill>
+                <a:solidFill>
+                  <a:srgbClr val="ffffff"/>
+                </a:solidFill>
+              </a:uFill>
+              <a:latin typeface="Arial"/>
+            </a:endParaRPr>
+          </a:p>
+        </p:txBody>
+      </p:sp>
+    </p:spTree>
+  </p:cSld>
+</p:notes>
+</file>
+
+<file path=ppt/notesSlides/notesSlide14.xml><?xml version="1.0" encoding="utf-8"?>
+<p:notes xmlns:a="http://schemas.openxmlformats.org/drawingml/2006/main" xmlns:p="http://schemas.openxmlformats.org/presentationml/2006/main" xmlns:r="http://schemas.openxmlformats.org/officeDocument/2006/relationships" xmlns:p14="http://schemas.microsoft.com/office/powerpoint/2010/main" xmlns:p15="http://schemas.microsoft.com/office/powerpoint/2012/main" xmlns:mc="http://schemas.openxmlformats.org/markup-compatibility/2006">
+  <p:cSld>
+    <p:spTree>
+      <p:nvGrpSpPr>
+        <p:cNvPr id="1" name=""/>
+        <p:cNvGrpSpPr/>
+        <p:nvPr/>
+      </p:nvGrpSpPr>
+      <p:grpSpPr>
+        <a:xfrm>
+          <a:off x="0" y="0"/>
+          <a:ext cx="0" cy="0"/>
+          <a:chOff x="0" y="0"/>
+          <a:chExt cx="0" cy="0"/>
+        </a:xfrm>
+      </p:grpSpPr>
+      <p:sp>
+        <p:nvSpPr>
+          <p:cNvPr id="148" name="CustomShape 1"/>
+          <p:cNvSpPr/>
+          <p:nvPr/>
+        </p:nvSpPr>
+        <p:spPr>
+          <a:xfrm>
+            <a:off x="755640" y="5078520"/>
+            <a:ext cx="6045480" cy="4808880"/>
+          </a:xfrm>
+          <a:custGeom>
+            <a:avLst/>
+            <a:gdLst/>
+            <a:ahLst/>
+            <a:rect l="l" t="t" r="r" b="b"/>
+            <a:pathLst>
+              <a:path w="21600" h="21600">
+                <a:moveTo>
+                  <a:pt x="0" y="0"/>
+                </a:moveTo>
+                <a:lnTo>
+                  <a:pt x="21600" y="0"/>
+                </a:lnTo>
+                <a:lnTo>
+                  <a:pt x="21600" y="21600"/>
+                </a:lnTo>
+                <a:lnTo>
+                  <a:pt x="0" y="21600"/>
+                </a:lnTo>
+                <a:lnTo>
+                  <a:pt x="0" y="0"/>
+                </a:lnTo>
+                <a:close/>
+              </a:path>
+            </a:pathLst>
+          </a:custGeom>
+          <a:noFill/>
+          <a:ln>
+            <a:noFill/>
+          </a:ln>
+        </p:spPr>
+        <p:style>
+          <a:lnRef idx="0"/>
+          <a:fillRef idx="0"/>
+          <a:effectRef idx="0"/>
+          <a:fontRef idx="minor"/>
+        </p:style>
+      </p:sp>
+      <p:sp>
+        <p:nvSpPr>
+          <p:cNvPr id="149" name="PlaceHolder 2"/>
+          <p:cNvSpPr>
+            <a:spLocks noGrp="1"/>
+          </p:cNvSpPr>
+          <p:nvPr>
+            <p:ph type="body"/>
+          </p:nvPr>
+        </p:nvSpPr>
+        <p:spPr>
+          <a:xfrm>
+            <a:off x="756000" y="5078520"/>
+            <a:ext cx="6045840" cy="4809600"/>
+          </a:xfrm>
+          <a:prstGeom prst="rect">
+            <a:avLst/>
+          </a:prstGeom>
+        </p:spPr>
+        <p:txBody>
+          <a:bodyPr lIns="0" rIns="0" tIns="91440" bIns="91440"/>
+          <a:p>
+            <a:endParaRPr b="0" lang="en-US" sz="2000" spc="-1" strike="noStrike">
+              <a:solidFill>
+                <a:srgbClr val="000000"/>
+              </a:solidFill>
+              <a:uFill>
+                <a:solidFill>
+                  <a:srgbClr val="ffffff"/>
+                </a:solidFill>
+              </a:uFill>
+              <a:latin typeface="Arial"/>
+            </a:endParaRPr>
+          </a:p>
+        </p:txBody>
+      </p:sp>
+    </p:spTree>
+  </p:cSld>
+</p:notes>
+</file>
+
+<file path=ppt/notesSlides/notesSlide15.xml><?xml version="1.0" encoding="utf-8"?>
+<p:notes xmlns:a="http://schemas.openxmlformats.org/drawingml/2006/main" xmlns:p="http://schemas.openxmlformats.org/presentationml/2006/main" xmlns:r="http://schemas.openxmlformats.org/officeDocument/2006/relationships" xmlns:p14="http://schemas.microsoft.com/office/powerpoint/2010/main" xmlns:p15="http://schemas.microsoft.com/office/powerpoint/2012/main" xmlns:mc="http://schemas.openxmlformats.org/markup-compatibility/2006">
+  <p:cSld>
+    <p:spTree>
+      <p:nvGrpSpPr>
+        <p:cNvPr id="1" name=""/>
+        <p:cNvGrpSpPr/>
+        <p:nvPr/>
+      </p:nvGrpSpPr>
+      <p:grpSpPr>
+        <a:xfrm>
+          <a:off x="0" y="0"/>
+          <a:ext cx="0" cy="0"/>
+          <a:chOff x="0" y="0"/>
+          <a:chExt cx="0" cy="0"/>
+        </a:xfrm>
+      </p:grpSpPr>
+      <p:sp>
+        <p:nvSpPr>
+          <p:cNvPr id="150" name="CustomShape 1"/>
+          <p:cNvSpPr/>
+          <p:nvPr/>
+        </p:nvSpPr>
+        <p:spPr>
+          <a:xfrm>
+            <a:off x="755640" y="5078520"/>
+            <a:ext cx="6045480" cy="4808880"/>
+          </a:xfrm>
+          <a:custGeom>
+            <a:avLst/>
+            <a:gdLst/>
+            <a:ahLst/>
+            <a:rect l="l" t="t" r="r" b="b"/>
+            <a:pathLst>
+              <a:path w="21600" h="21600">
+                <a:moveTo>
+                  <a:pt x="0" y="0"/>
+                </a:moveTo>
+                <a:lnTo>
+                  <a:pt x="21600" y="0"/>
+                </a:lnTo>
+                <a:lnTo>
+                  <a:pt x="21600" y="21600"/>
+                </a:lnTo>
+                <a:lnTo>
+                  <a:pt x="0" y="21600"/>
+                </a:lnTo>
+                <a:lnTo>
+                  <a:pt x="0" y="0"/>
+                </a:lnTo>
+                <a:close/>
+              </a:path>
+            </a:pathLst>
+          </a:custGeom>
+          <a:noFill/>
+          <a:ln>
+            <a:noFill/>
+          </a:ln>
+        </p:spPr>
+        <p:style>
+          <a:lnRef idx="0"/>
+          <a:fillRef idx="0"/>
+          <a:effectRef idx="0"/>
+          <a:fontRef idx="minor"/>
+        </p:style>
+      </p:sp>
+      <p:sp>
+        <p:nvSpPr>
+          <p:cNvPr id="151" name="PlaceHolder 2"/>
+          <p:cNvSpPr>
+            <a:spLocks noGrp="1"/>
+          </p:cNvSpPr>
+          <p:nvPr>
+            <p:ph type="body"/>
+          </p:nvPr>
+        </p:nvSpPr>
+        <p:spPr>
+          <a:xfrm>
+            <a:off x="756000" y="5078520"/>
+            <a:ext cx="6045840" cy="4809600"/>
+          </a:xfrm>
+          <a:prstGeom prst="rect">
+            <a:avLst/>
+          </a:prstGeom>
+        </p:spPr>
+        <p:txBody>
+          <a:bodyPr lIns="0" rIns="0" tIns="91440" bIns="91440"/>
+          <a:p>
+            <a:endParaRPr b="0" lang="en-US" sz="2000" spc="-1" strike="noStrike">
+              <a:solidFill>
+                <a:srgbClr val="000000"/>
+              </a:solidFill>
+              <a:uFill>
+                <a:solidFill>
+                  <a:srgbClr val="ffffff"/>
+                </a:solidFill>
+              </a:uFill>
+              <a:latin typeface="Arial"/>
+            </a:endParaRPr>
+          </a:p>
+        </p:txBody>
+      </p:sp>
+    </p:spTree>
+  </p:cSld>
+</p:notes>
+</file>
+
+<file path=ppt/notesSlides/notesSlide16.xml><?xml version="1.0" encoding="utf-8"?>
+<p:notes xmlns:a="http://schemas.openxmlformats.org/drawingml/2006/main" xmlns:p="http://schemas.openxmlformats.org/presentationml/2006/main" xmlns:r="http://schemas.openxmlformats.org/officeDocument/2006/relationships" xmlns:p14="http://schemas.microsoft.com/office/powerpoint/2010/main" xmlns:p15="http://schemas.microsoft.com/office/powerpoint/2012/main" xmlns:mc="http://schemas.openxmlformats.org/markup-compatibility/2006">
+  <p:cSld>
+    <p:spTree>
+      <p:nvGrpSpPr>
+        <p:cNvPr id="1" name=""/>
+        <p:cNvGrpSpPr/>
+        <p:nvPr/>
+      </p:nvGrpSpPr>
+      <p:grpSpPr>
+        <a:xfrm>
+          <a:off x="0" y="0"/>
+          <a:ext cx="0" cy="0"/>
+          <a:chOff x="0" y="0"/>
+          <a:chExt cx="0" cy="0"/>
+        </a:xfrm>
+      </p:grpSpPr>
+      <p:sp>
+        <p:nvSpPr>
+          <p:cNvPr id="152" name="CustomShape 1"/>
+          <p:cNvSpPr/>
+          <p:nvPr/>
+        </p:nvSpPr>
+        <p:spPr>
+          <a:xfrm>
+            <a:off x="755640" y="5078520"/>
+            <a:ext cx="6045480" cy="4808880"/>
+          </a:xfrm>
+          <a:custGeom>
+            <a:avLst/>
+            <a:gdLst/>
+            <a:ahLst/>
+            <a:rect l="l" t="t" r="r" b="b"/>
+            <a:pathLst>
+              <a:path w="21600" h="21600">
+                <a:moveTo>
+                  <a:pt x="0" y="0"/>
+                </a:moveTo>
+                <a:lnTo>
+                  <a:pt x="21600" y="0"/>
+                </a:lnTo>
+                <a:lnTo>
+                  <a:pt x="21600" y="21600"/>
+                </a:lnTo>
+                <a:lnTo>
+                  <a:pt x="0" y="21600"/>
+                </a:lnTo>
+                <a:lnTo>
+                  <a:pt x="0" y="0"/>
+                </a:lnTo>
+                <a:close/>
+              </a:path>
+            </a:pathLst>
+          </a:custGeom>
+          <a:noFill/>
+          <a:ln>
+            <a:noFill/>
+          </a:ln>
+        </p:spPr>
+        <p:style>
+          <a:lnRef idx="0"/>
+          <a:fillRef idx="0"/>
+          <a:effectRef idx="0"/>
+          <a:fontRef idx="minor"/>
+        </p:style>
+      </p:sp>
+      <p:sp>
+        <p:nvSpPr>
+          <p:cNvPr id="153" name="PlaceHolder 2"/>
+          <p:cNvSpPr>
+            <a:spLocks noGrp="1"/>
+          </p:cNvSpPr>
+          <p:nvPr>
+            <p:ph type="body"/>
+          </p:nvPr>
+        </p:nvSpPr>
+        <p:spPr>
+          <a:xfrm>
+            <a:off x="756000" y="5078520"/>
+            <a:ext cx="6045840" cy="4809600"/>
+          </a:xfrm>
+          <a:prstGeom prst="rect">
+            <a:avLst/>
+          </a:prstGeom>
+        </p:spPr>
+        <p:txBody>
+          <a:bodyPr lIns="0" rIns="0" tIns="91440" bIns="91440"/>
+          <a:p>
+            <a:endParaRPr b="0" lang="en-US" sz="2000" spc="-1" strike="noStrike">
+              <a:solidFill>
+                <a:srgbClr val="000000"/>
+              </a:solidFill>
+              <a:uFill>
+                <a:solidFill>
+                  <a:srgbClr val="ffffff"/>
+                </a:solidFill>
+              </a:uFill>
+              <a:latin typeface="Arial"/>
+            </a:endParaRPr>
+          </a:p>
+        </p:txBody>
+      </p:sp>
+    </p:spTree>
+  </p:cSld>
+</p:notes>
+</file>
+
+<file path=ppt/notesSlides/notesSlide17.xml><?xml version="1.0" encoding="utf-8"?>
+<p:notes xmlns:a="http://schemas.openxmlformats.org/drawingml/2006/main" xmlns:p="http://schemas.openxmlformats.org/presentationml/2006/main" xmlns:r="http://schemas.openxmlformats.org/officeDocument/2006/relationships" xmlns:p14="http://schemas.microsoft.com/office/powerpoint/2010/main" xmlns:p15="http://schemas.microsoft.com/office/powerpoint/2012/main" xmlns:mc="http://schemas.openxmlformats.org/markup-compatibility/2006">
+  <p:cSld>
+    <p:spTree>
+      <p:nvGrpSpPr>
+        <p:cNvPr id="1" name=""/>
+        <p:cNvGrpSpPr/>
+        <p:nvPr/>
+      </p:nvGrpSpPr>
+      <p:grpSpPr>
+        <a:xfrm>
+          <a:off x="0" y="0"/>
+          <a:ext cx="0" cy="0"/>
+          <a:chOff x="0" y="0"/>
+          <a:chExt cx="0" cy="0"/>
+        </a:xfrm>
+      </p:grpSpPr>
+      <p:sp>
+        <p:nvSpPr>
+          <p:cNvPr id="154" name="CustomShape 1"/>
+          <p:cNvSpPr/>
+          <p:nvPr/>
+        </p:nvSpPr>
+        <p:spPr>
+          <a:xfrm>
+            <a:off x="755640" y="5078520"/>
+            <a:ext cx="6045480" cy="4808880"/>
+          </a:xfrm>
+          <a:custGeom>
+            <a:avLst/>
+            <a:gdLst/>
+            <a:ahLst/>
+            <a:rect l="l" t="t" r="r" b="b"/>
+            <a:pathLst>
+              <a:path w="21600" h="21600">
+                <a:moveTo>
+                  <a:pt x="0" y="0"/>
+                </a:moveTo>
+                <a:lnTo>
+                  <a:pt x="21600" y="0"/>
+                </a:lnTo>
+                <a:lnTo>
+                  <a:pt x="21600" y="21600"/>
+                </a:lnTo>
+                <a:lnTo>
+                  <a:pt x="0" y="21600"/>
+                </a:lnTo>
+                <a:lnTo>
+                  <a:pt x="0" y="0"/>
+                </a:lnTo>
+                <a:close/>
+              </a:path>
+            </a:pathLst>
+          </a:custGeom>
+          <a:noFill/>
+          <a:ln>
+            <a:noFill/>
+          </a:ln>
+        </p:spPr>
+        <p:style>
+          <a:lnRef idx="0"/>
+          <a:fillRef idx="0"/>
+          <a:effectRef idx="0"/>
+          <a:fontRef idx="minor"/>
+        </p:style>
+      </p:sp>
+      <p:sp>
+        <p:nvSpPr>
+          <p:cNvPr id="155" name="PlaceHolder 2"/>
+          <p:cNvSpPr>
+            <a:spLocks noGrp="1"/>
+          </p:cNvSpPr>
+          <p:nvPr>
+            <p:ph type="body"/>
+          </p:nvPr>
+        </p:nvSpPr>
+        <p:spPr>
+          <a:xfrm>
+            <a:off x="756000" y="5078520"/>
+            <a:ext cx="6045840" cy="4809600"/>
+          </a:xfrm>
+          <a:prstGeom prst="rect">
+            <a:avLst/>
+          </a:prstGeom>
+        </p:spPr>
+        <p:txBody>
+          <a:bodyPr lIns="0" rIns="0" tIns="91440" bIns="91440"/>
+          <a:p>
+            <a:endParaRPr b="0" lang="en-US" sz="2000" spc="-1" strike="noStrike">
+              <a:solidFill>
+                <a:srgbClr val="000000"/>
+              </a:solidFill>
+              <a:uFill>
+                <a:solidFill>
+                  <a:srgbClr val="ffffff"/>
+                </a:solidFill>
+              </a:uFill>
+              <a:latin typeface="Arial"/>
+            </a:endParaRPr>
+          </a:p>
+        </p:txBody>
+      </p:sp>
+    </p:spTree>
+  </p:cSld>
+</p:notes>
+</file>
+
+<file path=ppt/notesSlides/notesSlide18.xml><?xml version="1.0" encoding="utf-8"?>
+<p:notes xmlns:a="http://schemas.openxmlformats.org/drawingml/2006/main" xmlns:p="http://schemas.openxmlformats.org/presentationml/2006/main" xmlns:r="http://schemas.openxmlformats.org/officeDocument/2006/relationships" xmlns:p14="http://schemas.microsoft.com/office/powerpoint/2010/main" xmlns:p15="http://schemas.microsoft.com/office/powerpoint/2012/main" xmlns:mc="http://schemas.openxmlformats.org/markup-compatibility/2006">
+  <p:cSld>
+    <p:spTree>
+      <p:nvGrpSpPr>
+        <p:cNvPr id="1" name=""/>
+        <p:cNvGrpSpPr/>
+        <p:nvPr/>
+      </p:nvGrpSpPr>
+      <p:grpSpPr>
+        <a:xfrm>
+          <a:off x="0" y="0"/>
+          <a:ext cx="0" cy="0"/>
+          <a:chOff x="0" y="0"/>
+          <a:chExt cx="0" cy="0"/>
+        </a:xfrm>
+      </p:grpSpPr>
+      <p:sp>
+        <p:nvSpPr>
+          <p:cNvPr id="156" name="CustomShape 1"/>
+          <p:cNvSpPr/>
+          <p:nvPr/>
+        </p:nvSpPr>
+        <p:spPr>
+          <a:xfrm>
+            <a:off x="755640" y="5078520"/>
+            <a:ext cx="6045480" cy="4808880"/>
+          </a:xfrm>
+          <a:custGeom>
+            <a:avLst/>
+            <a:gdLst/>
+            <a:ahLst/>
+            <a:rect l="l" t="t" r="r" b="b"/>
+            <a:pathLst>
+              <a:path w="21600" h="21600">
+                <a:moveTo>
+                  <a:pt x="0" y="0"/>
+                </a:moveTo>
+                <a:lnTo>
+                  <a:pt x="21600" y="0"/>
+                </a:lnTo>
+                <a:lnTo>
+                  <a:pt x="21600" y="21600"/>
+                </a:lnTo>
+                <a:lnTo>
+                  <a:pt x="0" y="21600"/>
+                </a:lnTo>
+                <a:lnTo>
+                  <a:pt x="0" y="0"/>
+                </a:lnTo>
+                <a:close/>
+              </a:path>
+            </a:pathLst>
+          </a:custGeom>
+          <a:noFill/>
+          <a:ln>
+            <a:noFill/>
+          </a:ln>
+        </p:spPr>
+        <p:style>
+          <a:lnRef idx="0"/>
+          <a:fillRef idx="0"/>
+          <a:effectRef idx="0"/>
+          <a:fontRef idx="minor"/>
+        </p:style>
+      </p:sp>
+      <p:sp>
+        <p:nvSpPr>
+          <p:cNvPr id="157" name="PlaceHolder 2"/>
+          <p:cNvSpPr>
+            <a:spLocks noGrp="1"/>
+          </p:cNvSpPr>
+          <p:nvPr>
+            <p:ph type="body"/>
+          </p:nvPr>
+        </p:nvSpPr>
+        <p:spPr>
+          <a:xfrm>
+            <a:off x="756000" y="5078520"/>
+            <a:ext cx="6045840" cy="4809600"/>
+          </a:xfrm>
+          <a:prstGeom prst="rect">
+            <a:avLst/>
+          </a:prstGeom>
+        </p:spPr>
+        <p:txBody>
+          <a:bodyPr lIns="0" rIns="0" tIns="91440" bIns="91440"/>
+          <a:p>
+            <a:endParaRPr b="0" lang="en-US" sz="2000" spc="-1" strike="noStrike">
+              <a:solidFill>
+                <a:srgbClr val="000000"/>
+              </a:solidFill>
+              <a:uFill>
+                <a:solidFill>
+                  <a:srgbClr val="ffffff"/>
+                </a:solidFill>
+              </a:uFill>
+              <a:latin typeface="Arial"/>
+            </a:endParaRPr>
+          </a:p>
+        </p:txBody>
+      </p:sp>
+    </p:spTree>
+  </p:cSld>
+</p:notes>
+</file>
+
+<file path=ppt/notesSlides/notesSlide19.xml><?xml version="1.0" encoding="utf-8"?>
+<p:notes xmlns:a="http://schemas.openxmlformats.org/drawingml/2006/main" xmlns:p="http://schemas.openxmlformats.org/presentationml/2006/main" xmlns:r="http://schemas.openxmlformats.org/officeDocument/2006/relationships" xmlns:p14="http://schemas.microsoft.com/office/powerpoint/2010/main" xmlns:p15="http://schemas.microsoft.com/office/powerpoint/2012/main" xmlns:mc="http://schemas.openxmlformats.org/markup-compatibility/2006">
+  <p:cSld>
+    <p:spTree>
+      <p:nvGrpSpPr>
+        <p:cNvPr id="1" name=""/>
+        <p:cNvGrpSpPr/>
+        <p:nvPr/>
+      </p:nvGrpSpPr>
+      <p:grpSpPr>
+        <a:xfrm>
+          <a:off x="0" y="0"/>
+          <a:ext cx="0" cy="0"/>
+          <a:chOff x="0" y="0"/>
+          <a:chExt cx="0" cy="0"/>
+        </a:xfrm>
+      </p:grpSpPr>
+      <p:sp>
+        <p:nvSpPr>
+          <p:cNvPr id="158" name="CustomShape 1"/>
+          <p:cNvSpPr/>
+          <p:nvPr/>
+        </p:nvSpPr>
+        <p:spPr>
+          <a:xfrm>
+            <a:off x="755640" y="5078520"/>
+            <a:ext cx="6045480" cy="4808880"/>
+          </a:xfrm>
+          <a:custGeom>
+            <a:avLst/>
+            <a:gdLst/>
+            <a:ahLst/>
+            <a:rect l="l" t="t" r="r" b="b"/>
+            <a:pathLst>
+              <a:path w="21600" h="21600">
+                <a:moveTo>
+                  <a:pt x="0" y="0"/>
+                </a:moveTo>
+                <a:lnTo>
+                  <a:pt x="21600" y="0"/>
+                </a:lnTo>
+                <a:lnTo>
+                  <a:pt x="21600" y="21600"/>
+                </a:lnTo>
+                <a:lnTo>
+                  <a:pt x="0" y="21600"/>
+                </a:lnTo>
+                <a:lnTo>
+                  <a:pt x="0" y="0"/>
+                </a:lnTo>
+                <a:close/>
+              </a:path>
+            </a:pathLst>
+          </a:custGeom>
+          <a:noFill/>
+          <a:ln>
+            <a:noFill/>
+          </a:ln>
+        </p:spPr>
+        <p:style>
+          <a:lnRef idx="0"/>
+          <a:fillRef idx="0"/>
+          <a:effectRef idx="0"/>
+          <a:fontRef idx="minor"/>
+        </p:style>
+      </p:sp>
+      <p:sp>
+        <p:nvSpPr>
+          <p:cNvPr id="159" name="PlaceHolder 2"/>
+          <p:cNvSpPr>
+            <a:spLocks noGrp="1"/>
+          </p:cNvSpPr>
+          <p:nvPr>
+            <p:ph type="body"/>
+          </p:nvPr>
+        </p:nvSpPr>
+        <p:spPr>
+          <a:xfrm>
+            <a:off x="756000" y="5078520"/>
+            <a:ext cx="6045840" cy="4809600"/>
+          </a:xfrm>
+          <a:prstGeom prst="rect">
+            <a:avLst/>
+          </a:prstGeom>
+        </p:spPr>
+        <p:txBody>
+          <a:bodyPr lIns="0" rIns="0" tIns="91440" bIns="91440"/>
+          <a:p>
+            <a:endParaRPr b="0" lang="en-US" sz="2000" spc="-1" strike="noStrike">
+              <a:solidFill>
+                <a:srgbClr val="000000"/>
+              </a:solidFill>
+              <a:uFill>
+                <a:solidFill>
+                  <a:srgbClr val="ffffff"/>
+                </a:solidFill>
+              </a:uFill>
+              <a:latin typeface="Arial"/>
+            </a:endParaRPr>
+          </a:p>
+        </p:txBody>
+      </p:sp>
+    </p:spTree>
+  </p:cSld>
+</p:notes>
+</file>
+
+<file path=ppt/notesSlides/notesSlide2.xml><?xml version="1.0" encoding="utf-8"?>
 <p:notes xmlns:a="http://schemas.openxmlformats.org/drawingml/2006/main" xmlns:p="http://schemas.openxmlformats.org/presentationml/2006/main" xmlns:r="http://schemas.openxmlformats.org/officeDocument/2006/relationships" xmlns:p14="http://schemas.microsoft.com/office/powerpoint/2010/main" xmlns:p15="http://schemas.microsoft.com/office/powerpoint/2012/main" xmlns:mc="http://schemas.openxmlformats.org/markup-compatibility/2006">
   <p:cSld>
     <p:spTree>
@@ -435,970 +1611,7 @@
 </p:notes>
 </file>
 
-<file path=ppt/notesSlides/notesSlide10.xml><?xml version="1.0" encoding="utf-8"?>
-<p:notes xmlns:a="http://schemas.openxmlformats.org/drawingml/2006/main" xmlns:p="http://schemas.openxmlformats.org/presentationml/2006/main" xmlns:r="http://schemas.openxmlformats.org/officeDocument/2006/relationships" xmlns:p14="http://schemas.microsoft.com/office/powerpoint/2010/main" xmlns:p15="http://schemas.microsoft.com/office/powerpoint/2012/main" xmlns:mc="http://schemas.openxmlformats.org/markup-compatibility/2006">
-  <p:cSld>
-    <p:spTree>
-      <p:nvGrpSpPr>
-        <p:cNvPr id="1" name=""/>
-        <p:cNvGrpSpPr/>
-        <p:nvPr/>
-      </p:nvGrpSpPr>
-      <p:grpSpPr>
-        <a:xfrm>
-          <a:off x="0" y="0"/>
-          <a:ext cx="0" cy="0"/>
-          <a:chOff x="0" y="0"/>
-          <a:chExt cx="0" cy="0"/>
-        </a:xfrm>
-      </p:grpSpPr>
-      <p:sp>
-        <p:nvSpPr>
-          <p:cNvPr id="142" name="CustomShape 1"/>
-          <p:cNvSpPr/>
-          <p:nvPr/>
-        </p:nvSpPr>
-        <p:spPr>
-          <a:xfrm>
-            <a:off x="755640" y="5078520"/>
-            <a:ext cx="6045480" cy="4808880"/>
-          </a:xfrm>
-          <a:custGeom>
-            <a:avLst/>
-            <a:gdLst/>
-            <a:ahLst/>
-            <a:rect l="l" t="t" r="r" b="b"/>
-            <a:pathLst>
-              <a:path w="21600" h="21600">
-                <a:moveTo>
-                  <a:pt x="0" y="0"/>
-                </a:moveTo>
-                <a:lnTo>
-                  <a:pt x="21600" y="0"/>
-                </a:lnTo>
-                <a:lnTo>
-                  <a:pt x="21600" y="21600"/>
-                </a:lnTo>
-                <a:lnTo>
-                  <a:pt x="0" y="21600"/>
-                </a:lnTo>
-                <a:lnTo>
-                  <a:pt x="0" y="0"/>
-                </a:lnTo>
-                <a:close/>
-              </a:path>
-            </a:pathLst>
-          </a:custGeom>
-          <a:noFill/>
-          <a:ln>
-            <a:noFill/>
-          </a:ln>
-        </p:spPr>
-        <p:style>
-          <a:lnRef idx="0"/>
-          <a:fillRef idx="0"/>
-          <a:effectRef idx="0"/>
-          <a:fontRef idx="minor"/>
-        </p:style>
-      </p:sp>
-      <p:sp>
-        <p:nvSpPr>
-          <p:cNvPr id="143" name="PlaceHolder 2"/>
-          <p:cNvSpPr>
-            <a:spLocks noGrp="1"/>
-          </p:cNvSpPr>
-          <p:nvPr>
-            <p:ph type="body"/>
-          </p:nvPr>
-        </p:nvSpPr>
-        <p:spPr>
-          <a:xfrm>
-            <a:off x="756000" y="5078520"/>
-            <a:ext cx="6045840" cy="4809600"/>
-          </a:xfrm>
-          <a:prstGeom prst="rect">
-            <a:avLst/>
-          </a:prstGeom>
-        </p:spPr>
-        <p:txBody>
-          <a:bodyPr lIns="0" rIns="0" tIns="91440" bIns="91440"/>
-          <a:p>
-            <a:endParaRPr b="0" lang="en-US" sz="2000" spc="-1" strike="noStrike">
-              <a:solidFill>
-                <a:srgbClr val="000000"/>
-              </a:solidFill>
-              <a:uFill>
-                <a:solidFill>
-                  <a:srgbClr val="ffffff"/>
-                </a:solidFill>
-              </a:uFill>
-              <a:latin typeface="Arial"/>
-            </a:endParaRPr>
-          </a:p>
-        </p:txBody>
-      </p:sp>
-    </p:spTree>
-  </p:cSld>
-</p:notes>
-</file>
-
-<file path=ppt/notesSlides/notesSlide11.xml><?xml version="1.0" encoding="utf-8"?>
-<p:notes xmlns:a="http://schemas.openxmlformats.org/drawingml/2006/main" xmlns:p="http://schemas.openxmlformats.org/presentationml/2006/main" xmlns:r="http://schemas.openxmlformats.org/officeDocument/2006/relationships" xmlns:p14="http://schemas.microsoft.com/office/powerpoint/2010/main" xmlns:p15="http://schemas.microsoft.com/office/powerpoint/2012/main" xmlns:mc="http://schemas.openxmlformats.org/markup-compatibility/2006">
-  <p:cSld>
-    <p:spTree>
-      <p:nvGrpSpPr>
-        <p:cNvPr id="1" name=""/>
-        <p:cNvGrpSpPr/>
-        <p:nvPr/>
-      </p:nvGrpSpPr>
-      <p:grpSpPr>
-        <a:xfrm>
-          <a:off x="0" y="0"/>
-          <a:ext cx="0" cy="0"/>
-          <a:chOff x="0" y="0"/>
-          <a:chExt cx="0" cy="0"/>
-        </a:xfrm>
-      </p:grpSpPr>
-      <p:sp>
-        <p:nvSpPr>
-          <p:cNvPr id="144" name="CustomShape 1"/>
-          <p:cNvSpPr/>
-          <p:nvPr/>
-        </p:nvSpPr>
-        <p:spPr>
-          <a:xfrm>
-            <a:off x="755640" y="5078520"/>
-            <a:ext cx="6045480" cy="4808880"/>
-          </a:xfrm>
-          <a:custGeom>
-            <a:avLst/>
-            <a:gdLst/>
-            <a:ahLst/>
-            <a:rect l="l" t="t" r="r" b="b"/>
-            <a:pathLst>
-              <a:path w="21600" h="21600">
-                <a:moveTo>
-                  <a:pt x="0" y="0"/>
-                </a:moveTo>
-                <a:lnTo>
-                  <a:pt x="21600" y="0"/>
-                </a:lnTo>
-                <a:lnTo>
-                  <a:pt x="21600" y="21600"/>
-                </a:lnTo>
-                <a:lnTo>
-                  <a:pt x="0" y="21600"/>
-                </a:lnTo>
-                <a:lnTo>
-                  <a:pt x="0" y="0"/>
-                </a:lnTo>
-                <a:close/>
-              </a:path>
-            </a:pathLst>
-          </a:custGeom>
-          <a:noFill/>
-          <a:ln>
-            <a:noFill/>
-          </a:ln>
-        </p:spPr>
-        <p:style>
-          <a:lnRef idx="0"/>
-          <a:fillRef idx="0"/>
-          <a:effectRef idx="0"/>
-          <a:fontRef idx="minor"/>
-        </p:style>
-      </p:sp>
-      <p:sp>
-        <p:nvSpPr>
-          <p:cNvPr id="145" name="PlaceHolder 2"/>
-          <p:cNvSpPr>
-            <a:spLocks noGrp="1"/>
-          </p:cNvSpPr>
-          <p:nvPr>
-            <p:ph type="body"/>
-          </p:nvPr>
-        </p:nvSpPr>
-        <p:spPr>
-          <a:xfrm>
-            <a:off x="756000" y="5078520"/>
-            <a:ext cx="6045840" cy="4809600"/>
-          </a:xfrm>
-          <a:prstGeom prst="rect">
-            <a:avLst/>
-          </a:prstGeom>
-        </p:spPr>
-        <p:txBody>
-          <a:bodyPr lIns="0" rIns="0" tIns="91440" bIns="91440"/>
-          <a:p>
-            <a:endParaRPr b="0" lang="en-US" sz="2000" spc="-1" strike="noStrike">
-              <a:solidFill>
-                <a:srgbClr val="000000"/>
-              </a:solidFill>
-              <a:uFill>
-                <a:solidFill>
-                  <a:srgbClr val="ffffff"/>
-                </a:solidFill>
-              </a:uFill>
-              <a:latin typeface="Arial"/>
-            </a:endParaRPr>
-          </a:p>
-        </p:txBody>
-      </p:sp>
-    </p:spTree>
-  </p:cSld>
-</p:notes>
-</file>
-
-<file path=ppt/notesSlides/notesSlide12.xml><?xml version="1.0" encoding="utf-8"?>
-<p:notes xmlns:a="http://schemas.openxmlformats.org/drawingml/2006/main" xmlns:p="http://schemas.openxmlformats.org/presentationml/2006/main" xmlns:r="http://schemas.openxmlformats.org/officeDocument/2006/relationships" xmlns:p14="http://schemas.microsoft.com/office/powerpoint/2010/main" xmlns:p15="http://schemas.microsoft.com/office/powerpoint/2012/main" xmlns:mc="http://schemas.openxmlformats.org/markup-compatibility/2006">
-  <p:cSld>
-    <p:spTree>
-      <p:nvGrpSpPr>
-        <p:cNvPr id="1" name=""/>
-        <p:cNvGrpSpPr/>
-        <p:nvPr/>
-      </p:nvGrpSpPr>
-      <p:grpSpPr>
-        <a:xfrm>
-          <a:off x="0" y="0"/>
-          <a:ext cx="0" cy="0"/>
-          <a:chOff x="0" y="0"/>
-          <a:chExt cx="0" cy="0"/>
-        </a:xfrm>
-      </p:grpSpPr>
-      <p:sp>
-        <p:nvSpPr>
-          <p:cNvPr id="146" name="CustomShape 1"/>
-          <p:cNvSpPr/>
-          <p:nvPr/>
-        </p:nvSpPr>
-        <p:spPr>
-          <a:xfrm>
-            <a:off x="755640" y="5078520"/>
-            <a:ext cx="6045480" cy="4808880"/>
-          </a:xfrm>
-          <a:custGeom>
-            <a:avLst/>
-            <a:gdLst/>
-            <a:ahLst/>
-            <a:rect l="l" t="t" r="r" b="b"/>
-            <a:pathLst>
-              <a:path w="21600" h="21600">
-                <a:moveTo>
-                  <a:pt x="0" y="0"/>
-                </a:moveTo>
-                <a:lnTo>
-                  <a:pt x="21600" y="0"/>
-                </a:lnTo>
-                <a:lnTo>
-                  <a:pt x="21600" y="21600"/>
-                </a:lnTo>
-                <a:lnTo>
-                  <a:pt x="0" y="21600"/>
-                </a:lnTo>
-                <a:lnTo>
-                  <a:pt x="0" y="0"/>
-                </a:lnTo>
-                <a:close/>
-              </a:path>
-            </a:pathLst>
-          </a:custGeom>
-          <a:noFill/>
-          <a:ln>
-            <a:noFill/>
-          </a:ln>
-        </p:spPr>
-        <p:style>
-          <a:lnRef idx="0"/>
-          <a:fillRef idx="0"/>
-          <a:effectRef idx="0"/>
-          <a:fontRef idx="minor"/>
-        </p:style>
-      </p:sp>
-      <p:sp>
-        <p:nvSpPr>
-          <p:cNvPr id="147" name="PlaceHolder 2"/>
-          <p:cNvSpPr>
-            <a:spLocks noGrp="1"/>
-          </p:cNvSpPr>
-          <p:nvPr>
-            <p:ph type="body"/>
-          </p:nvPr>
-        </p:nvSpPr>
-        <p:spPr>
-          <a:xfrm>
-            <a:off x="756000" y="5078520"/>
-            <a:ext cx="6045840" cy="4809600"/>
-          </a:xfrm>
-          <a:prstGeom prst="rect">
-            <a:avLst/>
-          </a:prstGeom>
-        </p:spPr>
-        <p:txBody>
-          <a:bodyPr lIns="0" rIns="0" tIns="91440" bIns="91440"/>
-          <a:p>
-            <a:endParaRPr b="0" lang="en-US" sz="2000" spc="-1" strike="noStrike">
-              <a:solidFill>
-                <a:srgbClr val="000000"/>
-              </a:solidFill>
-              <a:uFill>
-                <a:solidFill>
-                  <a:srgbClr val="ffffff"/>
-                </a:solidFill>
-              </a:uFill>
-              <a:latin typeface="Arial"/>
-            </a:endParaRPr>
-          </a:p>
-        </p:txBody>
-      </p:sp>
-    </p:spTree>
-  </p:cSld>
-</p:notes>
-</file>
-
-<file path=ppt/notesSlides/notesSlide13.xml><?xml version="1.0" encoding="utf-8"?>
-<p:notes xmlns:a="http://schemas.openxmlformats.org/drawingml/2006/main" xmlns:p="http://schemas.openxmlformats.org/presentationml/2006/main" xmlns:r="http://schemas.openxmlformats.org/officeDocument/2006/relationships" xmlns:p14="http://schemas.microsoft.com/office/powerpoint/2010/main" xmlns:p15="http://schemas.microsoft.com/office/powerpoint/2012/main" xmlns:mc="http://schemas.openxmlformats.org/markup-compatibility/2006">
-  <p:cSld>
-    <p:spTree>
-      <p:nvGrpSpPr>
-        <p:cNvPr id="1" name=""/>
-        <p:cNvGrpSpPr/>
-        <p:nvPr/>
-      </p:nvGrpSpPr>
-      <p:grpSpPr>
-        <a:xfrm>
-          <a:off x="0" y="0"/>
-          <a:ext cx="0" cy="0"/>
-          <a:chOff x="0" y="0"/>
-          <a:chExt cx="0" cy="0"/>
-        </a:xfrm>
-      </p:grpSpPr>
-      <p:sp>
-        <p:nvSpPr>
-          <p:cNvPr id="148" name="CustomShape 1"/>
-          <p:cNvSpPr/>
-          <p:nvPr/>
-        </p:nvSpPr>
-        <p:spPr>
-          <a:xfrm>
-            <a:off x="755640" y="5078520"/>
-            <a:ext cx="6045480" cy="4808880"/>
-          </a:xfrm>
-          <a:custGeom>
-            <a:avLst/>
-            <a:gdLst/>
-            <a:ahLst/>
-            <a:rect l="l" t="t" r="r" b="b"/>
-            <a:pathLst>
-              <a:path w="21600" h="21600">
-                <a:moveTo>
-                  <a:pt x="0" y="0"/>
-                </a:moveTo>
-                <a:lnTo>
-                  <a:pt x="21600" y="0"/>
-                </a:lnTo>
-                <a:lnTo>
-                  <a:pt x="21600" y="21600"/>
-                </a:lnTo>
-                <a:lnTo>
-                  <a:pt x="0" y="21600"/>
-                </a:lnTo>
-                <a:lnTo>
-                  <a:pt x="0" y="0"/>
-                </a:lnTo>
-                <a:close/>
-              </a:path>
-            </a:pathLst>
-          </a:custGeom>
-          <a:noFill/>
-          <a:ln>
-            <a:noFill/>
-          </a:ln>
-        </p:spPr>
-        <p:style>
-          <a:lnRef idx="0"/>
-          <a:fillRef idx="0"/>
-          <a:effectRef idx="0"/>
-          <a:fontRef idx="minor"/>
-        </p:style>
-      </p:sp>
-      <p:sp>
-        <p:nvSpPr>
-          <p:cNvPr id="149" name="PlaceHolder 2"/>
-          <p:cNvSpPr>
-            <a:spLocks noGrp="1"/>
-          </p:cNvSpPr>
-          <p:nvPr>
-            <p:ph type="body"/>
-          </p:nvPr>
-        </p:nvSpPr>
-        <p:spPr>
-          <a:xfrm>
-            <a:off x="756000" y="5078520"/>
-            <a:ext cx="6045840" cy="4809600"/>
-          </a:xfrm>
-          <a:prstGeom prst="rect">
-            <a:avLst/>
-          </a:prstGeom>
-        </p:spPr>
-        <p:txBody>
-          <a:bodyPr lIns="0" rIns="0" tIns="91440" bIns="91440"/>
-          <a:p>
-            <a:endParaRPr b="0" lang="en-US" sz="2000" spc="-1" strike="noStrike">
-              <a:solidFill>
-                <a:srgbClr val="000000"/>
-              </a:solidFill>
-              <a:uFill>
-                <a:solidFill>
-                  <a:srgbClr val="ffffff"/>
-                </a:solidFill>
-              </a:uFill>
-              <a:latin typeface="Arial"/>
-            </a:endParaRPr>
-          </a:p>
-        </p:txBody>
-      </p:sp>
-    </p:spTree>
-  </p:cSld>
-</p:notes>
-</file>
-
-<file path=ppt/notesSlides/notesSlide14.xml><?xml version="1.0" encoding="utf-8"?>
-<p:notes xmlns:a="http://schemas.openxmlformats.org/drawingml/2006/main" xmlns:p="http://schemas.openxmlformats.org/presentationml/2006/main" xmlns:r="http://schemas.openxmlformats.org/officeDocument/2006/relationships" xmlns:p14="http://schemas.microsoft.com/office/powerpoint/2010/main" xmlns:p15="http://schemas.microsoft.com/office/powerpoint/2012/main" xmlns:mc="http://schemas.openxmlformats.org/markup-compatibility/2006">
-  <p:cSld>
-    <p:spTree>
-      <p:nvGrpSpPr>
-        <p:cNvPr id="1" name=""/>
-        <p:cNvGrpSpPr/>
-        <p:nvPr/>
-      </p:nvGrpSpPr>
-      <p:grpSpPr>
-        <a:xfrm>
-          <a:off x="0" y="0"/>
-          <a:ext cx="0" cy="0"/>
-          <a:chOff x="0" y="0"/>
-          <a:chExt cx="0" cy="0"/>
-        </a:xfrm>
-      </p:grpSpPr>
-      <p:sp>
-        <p:nvSpPr>
-          <p:cNvPr id="150" name="CustomShape 1"/>
-          <p:cNvSpPr/>
-          <p:nvPr/>
-        </p:nvSpPr>
-        <p:spPr>
-          <a:xfrm>
-            <a:off x="755640" y="5078520"/>
-            <a:ext cx="6045480" cy="4808880"/>
-          </a:xfrm>
-          <a:custGeom>
-            <a:avLst/>
-            <a:gdLst/>
-            <a:ahLst/>
-            <a:rect l="l" t="t" r="r" b="b"/>
-            <a:pathLst>
-              <a:path w="21600" h="21600">
-                <a:moveTo>
-                  <a:pt x="0" y="0"/>
-                </a:moveTo>
-                <a:lnTo>
-                  <a:pt x="21600" y="0"/>
-                </a:lnTo>
-                <a:lnTo>
-                  <a:pt x="21600" y="21600"/>
-                </a:lnTo>
-                <a:lnTo>
-                  <a:pt x="0" y="21600"/>
-                </a:lnTo>
-                <a:lnTo>
-                  <a:pt x="0" y="0"/>
-                </a:lnTo>
-                <a:close/>
-              </a:path>
-            </a:pathLst>
-          </a:custGeom>
-          <a:noFill/>
-          <a:ln>
-            <a:noFill/>
-          </a:ln>
-        </p:spPr>
-        <p:style>
-          <a:lnRef idx="0"/>
-          <a:fillRef idx="0"/>
-          <a:effectRef idx="0"/>
-          <a:fontRef idx="minor"/>
-        </p:style>
-      </p:sp>
-      <p:sp>
-        <p:nvSpPr>
-          <p:cNvPr id="151" name="PlaceHolder 2"/>
-          <p:cNvSpPr>
-            <a:spLocks noGrp="1"/>
-          </p:cNvSpPr>
-          <p:nvPr>
-            <p:ph type="body"/>
-          </p:nvPr>
-        </p:nvSpPr>
-        <p:spPr>
-          <a:xfrm>
-            <a:off x="756000" y="5078520"/>
-            <a:ext cx="6045840" cy="4809600"/>
-          </a:xfrm>
-          <a:prstGeom prst="rect">
-            <a:avLst/>
-          </a:prstGeom>
-        </p:spPr>
-        <p:txBody>
-          <a:bodyPr lIns="0" rIns="0" tIns="91440" bIns="91440"/>
-          <a:p>
-            <a:endParaRPr b="0" lang="en-US" sz="2000" spc="-1" strike="noStrike">
-              <a:solidFill>
-                <a:srgbClr val="000000"/>
-              </a:solidFill>
-              <a:uFill>
-                <a:solidFill>
-                  <a:srgbClr val="ffffff"/>
-                </a:solidFill>
-              </a:uFill>
-              <a:latin typeface="Arial"/>
-            </a:endParaRPr>
-          </a:p>
-        </p:txBody>
-      </p:sp>
-    </p:spTree>
-  </p:cSld>
-</p:notes>
-</file>
-
-<file path=ppt/notesSlides/notesSlide15.xml><?xml version="1.0" encoding="utf-8"?>
-<p:notes xmlns:a="http://schemas.openxmlformats.org/drawingml/2006/main" xmlns:p="http://schemas.openxmlformats.org/presentationml/2006/main" xmlns:r="http://schemas.openxmlformats.org/officeDocument/2006/relationships" xmlns:p14="http://schemas.microsoft.com/office/powerpoint/2010/main" xmlns:p15="http://schemas.microsoft.com/office/powerpoint/2012/main" xmlns:mc="http://schemas.openxmlformats.org/markup-compatibility/2006">
-  <p:cSld>
-    <p:spTree>
-      <p:nvGrpSpPr>
-        <p:cNvPr id="1" name=""/>
-        <p:cNvGrpSpPr/>
-        <p:nvPr/>
-      </p:nvGrpSpPr>
-      <p:grpSpPr>
-        <a:xfrm>
-          <a:off x="0" y="0"/>
-          <a:ext cx="0" cy="0"/>
-          <a:chOff x="0" y="0"/>
-          <a:chExt cx="0" cy="0"/>
-        </a:xfrm>
-      </p:grpSpPr>
-      <p:sp>
-        <p:nvSpPr>
-          <p:cNvPr id="152" name="CustomShape 1"/>
-          <p:cNvSpPr/>
-          <p:nvPr/>
-        </p:nvSpPr>
-        <p:spPr>
-          <a:xfrm>
-            <a:off x="755640" y="5078520"/>
-            <a:ext cx="6045480" cy="4808880"/>
-          </a:xfrm>
-          <a:custGeom>
-            <a:avLst/>
-            <a:gdLst/>
-            <a:ahLst/>
-            <a:rect l="l" t="t" r="r" b="b"/>
-            <a:pathLst>
-              <a:path w="21600" h="21600">
-                <a:moveTo>
-                  <a:pt x="0" y="0"/>
-                </a:moveTo>
-                <a:lnTo>
-                  <a:pt x="21600" y="0"/>
-                </a:lnTo>
-                <a:lnTo>
-                  <a:pt x="21600" y="21600"/>
-                </a:lnTo>
-                <a:lnTo>
-                  <a:pt x="0" y="21600"/>
-                </a:lnTo>
-                <a:lnTo>
-                  <a:pt x="0" y="0"/>
-                </a:lnTo>
-                <a:close/>
-              </a:path>
-            </a:pathLst>
-          </a:custGeom>
-          <a:noFill/>
-          <a:ln>
-            <a:noFill/>
-          </a:ln>
-        </p:spPr>
-        <p:style>
-          <a:lnRef idx="0"/>
-          <a:fillRef idx="0"/>
-          <a:effectRef idx="0"/>
-          <a:fontRef idx="minor"/>
-        </p:style>
-      </p:sp>
-      <p:sp>
-        <p:nvSpPr>
-          <p:cNvPr id="153" name="PlaceHolder 2"/>
-          <p:cNvSpPr>
-            <a:spLocks noGrp="1"/>
-          </p:cNvSpPr>
-          <p:nvPr>
-            <p:ph type="body"/>
-          </p:nvPr>
-        </p:nvSpPr>
-        <p:spPr>
-          <a:xfrm>
-            <a:off x="756000" y="5078520"/>
-            <a:ext cx="6045840" cy="4809600"/>
-          </a:xfrm>
-          <a:prstGeom prst="rect">
-            <a:avLst/>
-          </a:prstGeom>
-        </p:spPr>
-        <p:txBody>
-          <a:bodyPr lIns="0" rIns="0" tIns="91440" bIns="91440"/>
-          <a:p>
-            <a:endParaRPr b="0" lang="en-US" sz="2000" spc="-1" strike="noStrike">
-              <a:solidFill>
-                <a:srgbClr val="000000"/>
-              </a:solidFill>
-              <a:uFill>
-                <a:solidFill>
-                  <a:srgbClr val="ffffff"/>
-                </a:solidFill>
-              </a:uFill>
-              <a:latin typeface="Arial"/>
-            </a:endParaRPr>
-          </a:p>
-        </p:txBody>
-      </p:sp>
-    </p:spTree>
-  </p:cSld>
-</p:notes>
-</file>
-
-<file path=ppt/notesSlides/notesSlide16.xml><?xml version="1.0" encoding="utf-8"?>
-<p:notes xmlns:a="http://schemas.openxmlformats.org/drawingml/2006/main" xmlns:p="http://schemas.openxmlformats.org/presentationml/2006/main" xmlns:r="http://schemas.openxmlformats.org/officeDocument/2006/relationships" xmlns:p14="http://schemas.microsoft.com/office/powerpoint/2010/main" xmlns:p15="http://schemas.microsoft.com/office/powerpoint/2012/main" xmlns:mc="http://schemas.openxmlformats.org/markup-compatibility/2006">
-  <p:cSld>
-    <p:spTree>
-      <p:nvGrpSpPr>
-        <p:cNvPr id="1" name=""/>
-        <p:cNvGrpSpPr/>
-        <p:nvPr/>
-      </p:nvGrpSpPr>
-      <p:grpSpPr>
-        <a:xfrm>
-          <a:off x="0" y="0"/>
-          <a:ext cx="0" cy="0"/>
-          <a:chOff x="0" y="0"/>
-          <a:chExt cx="0" cy="0"/>
-        </a:xfrm>
-      </p:grpSpPr>
-      <p:sp>
-        <p:nvSpPr>
-          <p:cNvPr id="154" name="CustomShape 1"/>
-          <p:cNvSpPr/>
-          <p:nvPr/>
-        </p:nvSpPr>
-        <p:spPr>
-          <a:xfrm>
-            <a:off x="755640" y="5078520"/>
-            <a:ext cx="6045480" cy="4808880"/>
-          </a:xfrm>
-          <a:custGeom>
-            <a:avLst/>
-            <a:gdLst/>
-            <a:ahLst/>
-            <a:rect l="l" t="t" r="r" b="b"/>
-            <a:pathLst>
-              <a:path w="21600" h="21600">
-                <a:moveTo>
-                  <a:pt x="0" y="0"/>
-                </a:moveTo>
-                <a:lnTo>
-                  <a:pt x="21600" y="0"/>
-                </a:lnTo>
-                <a:lnTo>
-                  <a:pt x="21600" y="21600"/>
-                </a:lnTo>
-                <a:lnTo>
-                  <a:pt x="0" y="21600"/>
-                </a:lnTo>
-                <a:lnTo>
-                  <a:pt x="0" y="0"/>
-                </a:lnTo>
-                <a:close/>
-              </a:path>
-            </a:pathLst>
-          </a:custGeom>
-          <a:noFill/>
-          <a:ln>
-            <a:noFill/>
-          </a:ln>
-        </p:spPr>
-        <p:style>
-          <a:lnRef idx="0"/>
-          <a:fillRef idx="0"/>
-          <a:effectRef idx="0"/>
-          <a:fontRef idx="minor"/>
-        </p:style>
-      </p:sp>
-      <p:sp>
-        <p:nvSpPr>
-          <p:cNvPr id="155" name="PlaceHolder 2"/>
-          <p:cNvSpPr>
-            <a:spLocks noGrp="1"/>
-          </p:cNvSpPr>
-          <p:nvPr>
-            <p:ph type="body"/>
-          </p:nvPr>
-        </p:nvSpPr>
-        <p:spPr>
-          <a:xfrm>
-            <a:off x="756000" y="5078520"/>
-            <a:ext cx="6045840" cy="4809600"/>
-          </a:xfrm>
-          <a:prstGeom prst="rect">
-            <a:avLst/>
-          </a:prstGeom>
-        </p:spPr>
-        <p:txBody>
-          <a:bodyPr lIns="0" rIns="0" tIns="91440" bIns="91440"/>
-          <a:p>
-            <a:endParaRPr b="0" lang="en-US" sz="2000" spc="-1" strike="noStrike">
-              <a:solidFill>
-                <a:srgbClr val="000000"/>
-              </a:solidFill>
-              <a:uFill>
-                <a:solidFill>
-                  <a:srgbClr val="ffffff"/>
-                </a:solidFill>
-              </a:uFill>
-              <a:latin typeface="Arial"/>
-            </a:endParaRPr>
-          </a:p>
-        </p:txBody>
-      </p:sp>
-    </p:spTree>
-  </p:cSld>
-</p:notes>
-</file>
-
-<file path=ppt/notesSlides/notesSlide17.xml><?xml version="1.0" encoding="utf-8"?>
-<p:notes xmlns:a="http://schemas.openxmlformats.org/drawingml/2006/main" xmlns:p="http://schemas.openxmlformats.org/presentationml/2006/main" xmlns:r="http://schemas.openxmlformats.org/officeDocument/2006/relationships" xmlns:p14="http://schemas.microsoft.com/office/powerpoint/2010/main" xmlns:p15="http://schemas.microsoft.com/office/powerpoint/2012/main" xmlns:mc="http://schemas.openxmlformats.org/markup-compatibility/2006">
-  <p:cSld>
-    <p:spTree>
-      <p:nvGrpSpPr>
-        <p:cNvPr id="1" name=""/>
-        <p:cNvGrpSpPr/>
-        <p:nvPr/>
-      </p:nvGrpSpPr>
-      <p:grpSpPr>
-        <a:xfrm>
-          <a:off x="0" y="0"/>
-          <a:ext cx="0" cy="0"/>
-          <a:chOff x="0" y="0"/>
-          <a:chExt cx="0" cy="0"/>
-        </a:xfrm>
-      </p:grpSpPr>
-      <p:sp>
-        <p:nvSpPr>
-          <p:cNvPr id="156" name="CustomShape 1"/>
-          <p:cNvSpPr/>
-          <p:nvPr/>
-        </p:nvSpPr>
-        <p:spPr>
-          <a:xfrm>
-            <a:off x="755640" y="5078520"/>
-            <a:ext cx="6045480" cy="4808880"/>
-          </a:xfrm>
-          <a:custGeom>
-            <a:avLst/>
-            <a:gdLst/>
-            <a:ahLst/>
-            <a:rect l="l" t="t" r="r" b="b"/>
-            <a:pathLst>
-              <a:path w="21600" h="21600">
-                <a:moveTo>
-                  <a:pt x="0" y="0"/>
-                </a:moveTo>
-                <a:lnTo>
-                  <a:pt x="21600" y="0"/>
-                </a:lnTo>
-                <a:lnTo>
-                  <a:pt x="21600" y="21600"/>
-                </a:lnTo>
-                <a:lnTo>
-                  <a:pt x="0" y="21600"/>
-                </a:lnTo>
-                <a:lnTo>
-                  <a:pt x="0" y="0"/>
-                </a:lnTo>
-                <a:close/>
-              </a:path>
-            </a:pathLst>
-          </a:custGeom>
-          <a:noFill/>
-          <a:ln>
-            <a:noFill/>
-          </a:ln>
-        </p:spPr>
-        <p:style>
-          <a:lnRef idx="0"/>
-          <a:fillRef idx="0"/>
-          <a:effectRef idx="0"/>
-          <a:fontRef idx="minor"/>
-        </p:style>
-      </p:sp>
-      <p:sp>
-        <p:nvSpPr>
-          <p:cNvPr id="157" name="PlaceHolder 2"/>
-          <p:cNvSpPr>
-            <a:spLocks noGrp="1"/>
-          </p:cNvSpPr>
-          <p:nvPr>
-            <p:ph type="body"/>
-          </p:nvPr>
-        </p:nvSpPr>
-        <p:spPr>
-          <a:xfrm>
-            <a:off x="756000" y="5078520"/>
-            <a:ext cx="6045840" cy="4809600"/>
-          </a:xfrm>
-          <a:prstGeom prst="rect">
-            <a:avLst/>
-          </a:prstGeom>
-        </p:spPr>
-        <p:txBody>
-          <a:bodyPr lIns="0" rIns="0" tIns="91440" bIns="91440"/>
-          <a:p>
-            <a:endParaRPr b="0" lang="en-US" sz="2000" spc="-1" strike="noStrike">
-              <a:solidFill>
-                <a:srgbClr val="000000"/>
-              </a:solidFill>
-              <a:uFill>
-                <a:solidFill>
-                  <a:srgbClr val="ffffff"/>
-                </a:solidFill>
-              </a:uFill>
-              <a:latin typeface="Arial"/>
-            </a:endParaRPr>
-          </a:p>
-        </p:txBody>
-      </p:sp>
-    </p:spTree>
-  </p:cSld>
-</p:notes>
-</file>
-
-<file path=ppt/notesSlides/notesSlide18.xml><?xml version="1.0" encoding="utf-8"?>
-<p:notes xmlns:a="http://schemas.openxmlformats.org/drawingml/2006/main" xmlns:p="http://schemas.openxmlformats.org/presentationml/2006/main" xmlns:r="http://schemas.openxmlformats.org/officeDocument/2006/relationships" xmlns:p14="http://schemas.microsoft.com/office/powerpoint/2010/main" xmlns:p15="http://schemas.microsoft.com/office/powerpoint/2012/main" xmlns:mc="http://schemas.openxmlformats.org/markup-compatibility/2006">
-  <p:cSld>
-    <p:spTree>
-      <p:nvGrpSpPr>
-        <p:cNvPr id="1" name=""/>
-        <p:cNvGrpSpPr/>
-        <p:nvPr/>
-      </p:nvGrpSpPr>
-      <p:grpSpPr>
-        <a:xfrm>
-          <a:off x="0" y="0"/>
-          <a:ext cx="0" cy="0"/>
-          <a:chOff x="0" y="0"/>
-          <a:chExt cx="0" cy="0"/>
-        </a:xfrm>
-      </p:grpSpPr>
-      <p:sp>
-        <p:nvSpPr>
-          <p:cNvPr id="158" name="CustomShape 1"/>
-          <p:cNvSpPr/>
-          <p:nvPr/>
-        </p:nvSpPr>
-        <p:spPr>
-          <a:xfrm>
-            <a:off x="755640" y="5078520"/>
-            <a:ext cx="6045480" cy="4808880"/>
-          </a:xfrm>
-          <a:custGeom>
-            <a:avLst/>
-            <a:gdLst/>
-            <a:ahLst/>
-            <a:rect l="l" t="t" r="r" b="b"/>
-            <a:pathLst>
-              <a:path w="21600" h="21600">
-                <a:moveTo>
-                  <a:pt x="0" y="0"/>
-                </a:moveTo>
-                <a:lnTo>
-                  <a:pt x="21600" y="0"/>
-                </a:lnTo>
-                <a:lnTo>
-                  <a:pt x="21600" y="21600"/>
-                </a:lnTo>
-                <a:lnTo>
-                  <a:pt x="0" y="21600"/>
-                </a:lnTo>
-                <a:lnTo>
-                  <a:pt x="0" y="0"/>
-                </a:lnTo>
-                <a:close/>
-              </a:path>
-            </a:pathLst>
-          </a:custGeom>
-          <a:noFill/>
-          <a:ln>
-            <a:noFill/>
-          </a:ln>
-        </p:spPr>
-        <p:style>
-          <a:lnRef idx="0"/>
-          <a:fillRef idx="0"/>
-          <a:effectRef idx="0"/>
-          <a:fontRef idx="minor"/>
-        </p:style>
-      </p:sp>
-      <p:sp>
-        <p:nvSpPr>
-          <p:cNvPr id="159" name="PlaceHolder 2"/>
-          <p:cNvSpPr>
-            <a:spLocks noGrp="1"/>
-          </p:cNvSpPr>
-          <p:nvPr>
-            <p:ph type="body"/>
-          </p:nvPr>
-        </p:nvSpPr>
-        <p:spPr>
-          <a:xfrm>
-            <a:off x="756000" y="5078520"/>
-            <a:ext cx="6045840" cy="4809600"/>
-          </a:xfrm>
-          <a:prstGeom prst="rect">
-            <a:avLst/>
-          </a:prstGeom>
-        </p:spPr>
-        <p:txBody>
-          <a:bodyPr lIns="0" rIns="0" tIns="91440" bIns="91440"/>
-          <a:p>
-            <a:endParaRPr b="0" lang="en-US" sz="2000" spc="-1" strike="noStrike">
-              <a:solidFill>
-                <a:srgbClr val="000000"/>
-              </a:solidFill>
-              <a:uFill>
-                <a:solidFill>
-                  <a:srgbClr val="ffffff"/>
-                </a:solidFill>
-              </a:uFill>
-              <a:latin typeface="Arial"/>
-            </a:endParaRPr>
-          </a:p>
-        </p:txBody>
-      </p:sp>
-    </p:spTree>
-  </p:cSld>
-</p:notes>
-</file>
-
-<file path=ppt/notesSlides/notesSlide19.xml><?xml version="1.0" encoding="utf-8"?>
+<file path=ppt/notesSlides/notesSlide20.xml><?xml version="1.0" encoding="utf-8"?>
 <p:notes xmlns:a="http://schemas.openxmlformats.org/drawingml/2006/main" xmlns:p="http://schemas.openxmlformats.org/presentationml/2006/main" xmlns:r="http://schemas.openxmlformats.org/officeDocument/2006/relationships" xmlns:p14="http://schemas.microsoft.com/office/powerpoint/2010/main" xmlns:p15="http://schemas.microsoft.com/office/powerpoint/2012/main" xmlns:mc="http://schemas.openxmlformats.org/markup-compatibility/2006">
   <p:cSld>
     <p:spTree>
@@ -1505,7 +1718,970 @@
 </p:notes>
 </file>
 
-<file path=ppt/notesSlides/notesSlide2.xml><?xml version="1.0" encoding="utf-8"?>
+<file path=ppt/notesSlides/notesSlide21.xml><?xml version="1.0" encoding="utf-8"?>
+<p:notes xmlns:a="http://schemas.openxmlformats.org/drawingml/2006/main" xmlns:p="http://schemas.openxmlformats.org/presentationml/2006/main" xmlns:r="http://schemas.openxmlformats.org/officeDocument/2006/relationships" xmlns:p14="http://schemas.microsoft.com/office/powerpoint/2010/main" xmlns:p15="http://schemas.microsoft.com/office/powerpoint/2012/main" xmlns:mc="http://schemas.openxmlformats.org/markup-compatibility/2006">
+  <p:cSld>
+    <p:spTree>
+      <p:nvGrpSpPr>
+        <p:cNvPr id="1" name=""/>
+        <p:cNvGrpSpPr/>
+        <p:nvPr/>
+      </p:nvGrpSpPr>
+      <p:grpSpPr>
+        <a:xfrm>
+          <a:off x="0" y="0"/>
+          <a:ext cx="0" cy="0"/>
+          <a:chOff x="0" y="0"/>
+          <a:chExt cx="0" cy="0"/>
+        </a:xfrm>
+      </p:grpSpPr>
+      <p:sp>
+        <p:nvSpPr>
+          <p:cNvPr id="162" name="CustomShape 1"/>
+          <p:cNvSpPr/>
+          <p:nvPr/>
+        </p:nvSpPr>
+        <p:spPr>
+          <a:xfrm>
+            <a:off x="755640" y="5078520"/>
+            <a:ext cx="6045480" cy="4808880"/>
+          </a:xfrm>
+          <a:custGeom>
+            <a:avLst/>
+            <a:gdLst/>
+            <a:ahLst/>
+            <a:rect l="l" t="t" r="r" b="b"/>
+            <a:pathLst>
+              <a:path w="21600" h="21600">
+                <a:moveTo>
+                  <a:pt x="0" y="0"/>
+                </a:moveTo>
+                <a:lnTo>
+                  <a:pt x="21600" y="0"/>
+                </a:lnTo>
+                <a:lnTo>
+                  <a:pt x="21600" y="21600"/>
+                </a:lnTo>
+                <a:lnTo>
+                  <a:pt x="0" y="21600"/>
+                </a:lnTo>
+                <a:lnTo>
+                  <a:pt x="0" y="0"/>
+                </a:lnTo>
+                <a:close/>
+              </a:path>
+            </a:pathLst>
+          </a:custGeom>
+          <a:noFill/>
+          <a:ln>
+            <a:noFill/>
+          </a:ln>
+        </p:spPr>
+        <p:style>
+          <a:lnRef idx="0"/>
+          <a:fillRef idx="0"/>
+          <a:effectRef idx="0"/>
+          <a:fontRef idx="minor"/>
+        </p:style>
+      </p:sp>
+      <p:sp>
+        <p:nvSpPr>
+          <p:cNvPr id="163" name="PlaceHolder 2"/>
+          <p:cNvSpPr>
+            <a:spLocks noGrp="1"/>
+          </p:cNvSpPr>
+          <p:nvPr>
+            <p:ph type="body"/>
+          </p:nvPr>
+        </p:nvSpPr>
+        <p:spPr>
+          <a:xfrm>
+            <a:off x="756000" y="5078520"/>
+            <a:ext cx="6045840" cy="4809600"/>
+          </a:xfrm>
+          <a:prstGeom prst="rect">
+            <a:avLst/>
+          </a:prstGeom>
+        </p:spPr>
+        <p:txBody>
+          <a:bodyPr lIns="0" rIns="0" tIns="91440" bIns="91440"/>
+          <a:p>
+            <a:endParaRPr b="0" lang="en-US" sz="2000" spc="-1" strike="noStrike">
+              <a:solidFill>
+                <a:srgbClr val="000000"/>
+              </a:solidFill>
+              <a:uFill>
+                <a:solidFill>
+                  <a:srgbClr val="ffffff"/>
+                </a:solidFill>
+              </a:uFill>
+              <a:latin typeface="Arial"/>
+            </a:endParaRPr>
+          </a:p>
+        </p:txBody>
+      </p:sp>
+    </p:spTree>
+  </p:cSld>
+</p:notes>
+</file>
+
+<file path=ppt/notesSlides/notesSlide22.xml><?xml version="1.0" encoding="utf-8"?>
+<p:notes xmlns:a="http://schemas.openxmlformats.org/drawingml/2006/main" xmlns:p="http://schemas.openxmlformats.org/presentationml/2006/main" xmlns:r="http://schemas.openxmlformats.org/officeDocument/2006/relationships" xmlns:p14="http://schemas.microsoft.com/office/powerpoint/2010/main" xmlns:p15="http://schemas.microsoft.com/office/powerpoint/2012/main" xmlns:mc="http://schemas.openxmlformats.org/markup-compatibility/2006">
+  <p:cSld>
+    <p:spTree>
+      <p:nvGrpSpPr>
+        <p:cNvPr id="1" name=""/>
+        <p:cNvGrpSpPr/>
+        <p:nvPr/>
+      </p:nvGrpSpPr>
+      <p:grpSpPr>
+        <a:xfrm>
+          <a:off x="0" y="0"/>
+          <a:ext cx="0" cy="0"/>
+          <a:chOff x="0" y="0"/>
+          <a:chExt cx="0" cy="0"/>
+        </a:xfrm>
+      </p:grpSpPr>
+      <p:sp>
+        <p:nvSpPr>
+          <p:cNvPr id="164" name="CustomShape 1"/>
+          <p:cNvSpPr/>
+          <p:nvPr/>
+        </p:nvSpPr>
+        <p:spPr>
+          <a:xfrm>
+            <a:off x="755640" y="5078520"/>
+            <a:ext cx="6045480" cy="4808880"/>
+          </a:xfrm>
+          <a:custGeom>
+            <a:avLst/>
+            <a:gdLst/>
+            <a:ahLst/>
+            <a:rect l="l" t="t" r="r" b="b"/>
+            <a:pathLst>
+              <a:path w="21600" h="21600">
+                <a:moveTo>
+                  <a:pt x="0" y="0"/>
+                </a:moveTo>
+                <a:lnTo>
+                  <a:pt x="21600" y="0"/>
+                </a:lnTo>
+                <a:lnTo>
+                  <a:pt x="21600" y="21600"/>
+                </a:lnTo>
+                <a:lnTo>
+                  <a:pt x="0" y="21600"/>
+                </a:lnTo>
+                <a:lnTo>
+                  <a:pt x="0" y="0"/>
+                </a:lnTo>
+                <a:close/>
+              </a:path>
+            </a:pathLst>
+          </a:custGeom>
+          <a:noFill/>
+          <a:ln>
+            <a:noFill/>
+          </a:ln>
+        </p:spPr>
+        <p:style>
+          <a:lnRef idx="0"/>
+          <a:fillRef idx="0"/>
+          <a:effectRef idx="0"/>
+          <a:fontRef idx="minor"/>
+        </p:style>
+      </p:sp>
+      <p:sp>
+        <p:nvSpPr>
+          <p:cNvPr id="165" name="PlaceHolder 2"/>
+          <p:cNvSpPr>
+            <a:spLocks noGrp="1"/>
+          </p:cNvSpPr>
+          <p:nvPr>
+            <p:ph type="body"/>
+          </p:nvPr>
+        </p:nvSpPr>
+        <p:spPr>
+          <a:xfrm>
+            <a:off x="756000" y="5078520"/>
+            <a:ext cx="6045840" cy="4809600"/>
+          </a:xfrm>
+          <a:prstGeom prst="rect">
+            <a:avLst/>
+          </a:prstGeom>
+        </p:spPr>
+        <p:txBody>
+          <a:bodyPr lIns="0" rIns="0" tIns="91440" bIns="91440"/>
+          <a:p>
+            <a:endParaRPr b="0" lang="en-US" sz="2000" spc="-1" strike="noStrike">
+              <a:solidFill>
+                <a:srgbClr val="000000"/>
+              </a:solidFill>
+              <a:uFill>
+                <a:solidFill>
+                  <a:srgbClr val="ffffff"/>
+                </a:solidFill>
+              </a:uFill>
+              <a:latin typeface="Arial"/>
+            </a:endParaRPr>
+          </a:p>
+        </p:txBody>
+      </p:sp>
+    </p:spTree>
+  </p:cSld>
+</p:notes>
+</file>
+
+<file path=ppt/notesSlides/notesSlide23.xml><?xml version="1.0" encoding="utf-8"?>
+<p:notes xmlns:a="http://schemas.openxmlformats.org/drawingml/2006/main" xmlns:p="http://schemas.openxmlformats.org/presentationml/2006/main" xmlns:r="http://schemas.openxmlformats.org/officeDocument/2006/relationships" xmlns:p14="http://schemas.microsoft.com/office/powerpoint/2010/main" xmlns:p15="http://schemas.microsoft.com/office/powerpoint/2012/main" xmlns:mc="http://schemas.openxmlformats.org/markup-compatibility/2006">
+  <p:cSld>
+    <p:spTree>
+      <p:nvGrpSpPr>
+        <p:cNvPr id="1" name=""/>
+        <p:cNvGrpSpPr/>
+        <p:nvPr/>
+      </p:nvGrpSpPr>
+      <p:grpSpPr>
+        <a:xfrm>
+          <a:off x="0" y="0"/>
+          <a:ext cx="0" cy="0"/>
+          <a:chOff x="0" y="0"/>
+          <a:chExt cx="0" cy="0"/>
+        </a:xfrm>
+      </p:grpSpPr>
+      <p:sp>
+        <p:nvSpPr>
+          <p:cNvPr id="166" name="CustomShape 1"/>
+          <p:cNvSpPr/>
+          <p:nvPr/>
+        </p:nvSpPr>
+        <p:spPr>
+          <a:xfrm>
+            <a:off x="755640" y="5078520"/>
+            <a:ext cx="6045480" cy="4808880"/>
+          </a:xfrm>
+          <a:custGeom>
+            <a:avLst/>
+            <a:gdLst/>
+            <a:ahLst/>
+            <a:rect l="l" t="t" r="r" b="b"/>
+            <a:pathLst>
+              <a:path w="21600" h="21600">
+                <a:moveTo>
+                  <a:pt x="0" y="0"/>
+                </a:moveTo>
+                <a:lnTo>
+                  <a:pt x="21600" y="0"/>
+                </a:lnTo>
+                <a:lnTo>
+                  <a:pt x="21600" y="21600"/>
+                </a:lnTo>
+                <a:lnTo>
+                  <a:pt x="0" y="21600"/>
+                </a:lnTo>
+                <a:lnTo>
+                  <a:pt x="0" y="0"/>
+                </a:lnTo>
+                <a:close/>
+              </a:path>
+            </a:pathLst>
+          </a:custGeom>
+          <a:noFill/>
+          <a:ln>
+            <a:noFill/>
+          </a:ln>
+        </p:spPr>
+        <p:style>
+          <a:lnRef idx="0"/>
+          <a:fillRef idx="0"/>
+          <a:effectRef idx="0"/>
+          <a:fontRef idx="minor"/>
+        </p:style>
+      </p:sp>
+      <p:sp>
+        <p:nvSpPr>
+          <p:cNvPr id="167" name="PlaceHolder 2"/>
+          <p:cNvSpPr>
+            <a:spLocks noGrp="1"/>
+          </p:cNvSpPr>
+          <p:nvPr>
+            <p:ph type="body"/>
+          </p:nvPr>
+        </p:nvSpPr>
+        <p:spPr>
+          <a:xfrm>
+            <a:off x="756000" y="5078520"/>
+            <a:ext cx="6045840" cy="4809600"/>
+          </a:xfrm>
+          <a:prstGeom prst="rect">
+            <a:avLst/>
+          </a:prstGeom>
+        </p:spPr>
+        <p:txBody>
+          <a:bodyPr lIns="0" rIns="0" tIns="91440" bIns="91440"/>
+          <a:p>
+            <a:endParaRPr b="0" lang="en-US" sz="2000" spc="-1" strike="noStrike">
+              <a:solidFill>
+                <a:srgbClr val="000000"/>
+              </a:solidFill>
+              <a:uFill>
+                <a:solidFill>
+                  <a:srgbClr val="ffffff"/>
+                </a:solidFill>
+              </a:uFill>
+              <a:latin typeface="Arial"/>
+            </a:endParaRPr>
+          </a:p>
+        </p:txBody>
+      </p:sp>
+    </p:spTree>
+  </p:cSld>
+</p:notes>
+</file>
+
+<file path=ppt/notesSlides/notesSlide24.xml><?xml version="1.0" encoding="utf-8"?>
+<p:notes xmlns:a="http://schemas.openxmlformats.org/drawingml/2006/main" xmlns:p="http://schemas.openxmlformats.org/presentationml/2006/main" xmlns:r="http://schemas.openxmlformats.org/officeDocument/2006/relationships" xmlns:p14="http://schemas.microsoft.com/office/powerpoint/2010/main" xmlns:p15="http://schemas.microsoft.com/office/powerpoint/2012/main" xmlns:mc="http://schemas.openxmlformats.org/markup-compatibility/2006">
+  <p:cSld>
+    <p:spTree>
+      <p:nvGrpSpPr>
+        <p:cNvPr id="1" name=""/>
+        <p:cNvGrpSpPr/>
+        <p:nvPr/>
+      </p:nvGrpSpPr>
+      <p:grpSpPr>
+        <a:xfrm>
+          <a:off x="0" y="0"/>
+          <a:ext cx="0" cy="0"/>
+          <a:chOff x="0" y="0"/>
+          <a:chExt cx="0" cy="0"/>
+        </a:xfrm>
+      </p:grpSpPr>
+      <p:sp>
+        <p:nvSpPr>
+          <p:cNvPr id="168" name="CustomShape 1"/>
+          <p:cNvSpPr/>
+          <p:nvPr/>
+        </p:nvSpPr>
+        <p:spPr>
+          <a:xfrm>
+            <a:off x="755640" y="5078520"/>
+            <a:ext cx="6045480" cy="4808880"/>
+          </a:xfrm>
+          <a:custGeom>
+            <a:avLst/>
+            <a:gdLst/>
+            <a:ahLst/>
+            <a:rect l="l" t="t" r="r" b="b"/>
+            <a:pathLst>
+              <a:path w="21600" h="21600">
+                <a:moveTo>
+                  <a:pt x="0" y="0"/>
+                </a:moveTo>
+                <a:lnTo>
+                  <a:pt x="21600" y="0"/>
+                </a:lnTo>
+                <a:lnTo>
+                  <a:pt x="21600" y="21600"/>
+                </a:lnTo>
+                <a:lnTo>
+                  <a:pt x="0" y="21600"/>
+                </a:lnTo>
+                <a:lnTo>
+                  <a:pt x="0" y="0"/>
+                </a:lnTo>
+                <a:close/>
+              </a:path>
+            </a:pathLst>
+          </a:custGeom>
+          <a:noFill/>
+          <a:ln>
+            <a:noFill/>
+          </a:ln>
+        </p:spPr>
+        <p:style>
+          <a:lnRef idx="0"/>
+          <a:fillRef idx="0"/>
+          <a:effectRef idx="0"/>
+          <a:fontRef idx="minor"/>
+        </p:style>
+      </p:sp>
+      <p:sp>
+        <p:nvSpPr>
+          <p:cNvPr id="169" name="PlaceHolder 2"/>
+          <p:cNvSpPr>
+            <a:spLocks noGrp="1"/>
+          </p:cNvSpPr>
+          <p:nvPr>
+            <p:ph type="body"/>
+          </p:nvPr>
+        </p:nvSpPr>
+        <p:spPr>
+          <a:xfrm>
+            <a:off x="756000" y="5078520"/>
+            <a:ext cx="6045840" cy="4809600"/>
+          </a:xfrm>
+          <a:prstGeom prst="rect">
+            <a:avLst/>
+          </a:prstGeom>
+        </p:spPr>
+        <p:txBody>
+          <a:bodyPr lIns="0" rIns="0" tIns="91440" bIns="91440"/>
+          <a:p>
+            <a:endParaRPr b="0" lang="en-US" sz="2000" spc="-1" strike="noStrike">
+              <a:solidFill>
+                <a:srgbClr val="000000"/>
+              </a:solidFill>
+              <a:uFill>
+                <a:solidFill>
+                  <a:srgbClr val="ffffff"/>
+                </a:solidFill>
+              </a:uFill>
+              <a:latin typeface="Arial"/>
+            </a:endParaRPr>
+          </a:p>
+        </p:txBody>
+      </p:sp>
+    </p:spTree>
+  </p:cSld>
+</p:notes>
+</file>
+
+<file path=ppt/notesSlides/notesSlide25.xml><?xml version="1.0" encoding="utf-8"?>
+<p:notes xmlns:a="http://schemas.openxmlformats.org/drawingml/2006/main" xmlns:p="http://schemas.openxmlformats.org/presentationml/2006/main" xmlns:r="http://schemas.openxmlformats.org/officeDocument/2006/relationships" xmlns:p14="http://schemas.microsoft.com/office/powerpoint/2010/main" xmlns:p15="http://schemas.microsoft.com/office/powerpoint/2012/main" xmlns:mc="http://schemas.openxmlformats.org/markup-compatibility/2006">
+  <p:cSld>
+    <p:spTree>
+      <p:nvGrpSpPr>
+        <p:cNvPr id="1" name=""/>
+        <p:cNvGrpSpPr/>
+        <p:nvPr/>
+      </p:nvGrpSpPr>
+      <p:grpSpPr>
+        <a:xfrm>
+          <a:off x="0" y="0"/>
+          <a:ext cx="0" cy="0"/>
+          <a:chOff x="0" y="0"/>
+          <a:chExt cx="0" cy="0"/>
+        </a:xfrm>
+      </p:grpSpPr>
+      <p:sp>
+        <p:nvSpPr>
+          <p:cNvPr id="170" name="CustomShape 1"/>
+          <p:cNvSpPr/>
+          <p:nvPr/>
+        </p:nvSpPr>
+        <p:spPr>
+          <a:xfrm>
+            <a:off x="755640" y="5078520"/>
+            <a:ext cx="6045480" cy="4808880"/>
+          </a:xfrm>
+          <a:custGeom>
+            <a:avLst/>
+            <a:gdLst/>
+            <a:ahLst/>
+            <a:rect l="l" t="t" r="r" b="b"/>
+            <a:pathLst>
+              <a:path w="21600" h="21600">
+                <a:moveTo>
+                  <a:pt x="0" y="0"/>
+                </a:moveTo>
+                <a:lnTo>
+                  <a:pt x="21600" y="0"/>
+                </a:lnTo>
+                <a:lnTo>
+                  <a:pt x="21600" y="21600"/>
+                </a:lnTo>
+                <a:lnTo>
+                  <a:pt x="0" y="21600"/>
+                </a:lnTo>
+                <a:lnTo>
+                  <a:pt x="0" y="0"/>
+                </a:lnTo>
+                <a:close/>
+              </a:path>
+            </a:pathLst>
+          </a:custGeom>
+          <a:noFill/>
+          <a:ln>
+            <a:noFill/>
+          </a:ln>
+        </p:spPr>
+        <p:style>
+          <a:lnRef idx="0"/>
+          <a:fillRef idx="0"/>
+          <a:effectRef idx="0"/>
+          <a:fontRef idx="minor"/>
+        </p:style>
+      </p:sp>
+      <p:sp>
+        <p:nvSpPr>
+          <p:cNvPr id="171" name="PlaceHolder 2"/>
+          <p:cNvSpPr>
+            <a:spLocks noGrp="1"/>
+          </p:cNvSpPr>
+          <p:nvPr>
+            <p:ph type="body"/>
+          </p:nvPr>
+        </p:nvSpPr>
+        <p:spPr>
+          <a:xfrm>
+            <a:off x="756000" y="5078520"/>
+            <a:ext cx="6045840" cy="4809600"/>
+          </a:xfrm>
+          <a:prstGeom prst="rect">
+            <a:avLst/>
+          </a:prstGeom>
+        </p:spPr>
+        <p:txBody>
+          <a:bodyPr lIns="0" rIns="0" tIns="91440" bIns="91440"/>
+          <a:p>
+            <a:endParaRPr b="0" lang="en-US" sz="2000" spc="-1" strike="noStrike">
+              <a:solidFill>
+                <a:srgbClr val="000000"/>
+              </a:solidFill>
+              <a:uFill>
+                <a:solidFill>
+                  <a:srgbClr val="ffffff"/>
+                </a:solidFill>
+              </a:uFill>
+              <a:latin typeface="Arial"/>
+            </a:endParaRPr>
+          </a:p>
+        </p:txBody>
+      </p:sp>
+    </p:spTree>
+  </p:cSld>
+</p:notes>
+</file>
+
+<file path=ppt/notesSlides/notesSlide26.xml><?xml version="1.0" encoding="utf-8"?>
+<p:notes xmlns:a="http://schemas.openxmlformats.org/drawingml/2006/main" xmlns:p="http://schemas.openxmlformats.org/presentationml/2006/main" xmlns:r="http://schemas.openxmlformats.org/officeDocument/2006/relationships" xmlns:p14="http://schemas.microsoft.com/office/powerpoint/2010/main" xmlns:p15="http://schemas.microsoft.com/office/powerpoint/2012/main" xmlns:mc="http://schemas.openxmlformats.org/markup-compatibility/2006">
+  <p:cSld>
+    <p:spTree>
+      <p:nvGrpSpPr>
+        <p:cNvPr id="1" name=""/>
+        <p:cNvGrpSpPr/>
+        <p:nvPr/>
+      </p:nvGrpSpPr>
+      <p:grpSpPr>
+        <a:xfrm>
+          <a:off x="0" y="0"/>
+          <a:ext cx="0" cy="0"/>
+          <a:chOff x="0" y="0"/>
+          <a:chExt cx="0" cy="0"/>
+        </a:xfrm>
+      </p:grpSpPr>
+      <p:sp>
+        <p:nvSpPr>
+          <p:cNvPr id="172" name="CustomShape 1"/>
+          <p:cNvSpPr/>
+          <p:nvPr/>
+        </p:nvSpPr>
+        <p:spPr>
+          <a:xfrm>
+            <a:off x="755640" y="5078520"/>
+            <a:ext cx="6045480" cy="4808880"/>
+          </a:xfrm>
+          <a:custGeom>
+            <a:avLst/>
+            <a:gdLst/>
+            <a:ahLst/>
+            <a:rect l="l" t="t" r="r" b="b"/>
+            <a:pathLst>
+              <a:path w="21600" h="21600">
+                <a:moveTo>
+                  <a:pt x="0" y="0"/>
+                </a:moveTo>
+                <a:lnTo>
+                  <a:pt x="21600" y="0"/>
+                </a:lnTo>
+                <a:lnTo>
+                  <a:pt x="21600" y="21600"/>
+                </a:lnTo>
+                <a:lnTo>
+                  <a:pt x="0" y="21600"/>
+                </a:lnTo>
+                <a:lnTo>
+                  <a:pt x="0" y="0"/>
+                </a:lnTo>
+                <a:close/>
+              </a:path>
+            </a:pathLst>
+          </a:custGeom>
+          <a:noFill/>
+          <a:ln>
+            <a:noFill/>
+          </a:ln>
+        </p:spPr>
+        <p:style>
+          <a:lnRef idx="0"/>
+          <a:fillRef idx="0"/>
+          <a:effectRef idx="0"/>
+          <a:fontRef idx="minor"/>
+        </p:style>
+      </p:sp>
+      <p:sp>
+        <p:nvSpPr>
+          <p:cNvPr id="173" name="PlaceHolder 2"/>
+          <p:cNvSpPr>
+            <a:spLocks noGrp="1"/>
+          </p:cNvSpPr>
+          <p:nvPr>
+            <p:ph type="body"/>
+          </p:nvPr>
+        </p:nvSpPr>
+        <p:spPr>
+          <a:xfrm>
+            <a:off x="756000" y="5078520"/>
+            <a:ext cx="6045840" cy="4809600"/>
+          </a:xfrm>
+          <a:prstGeom prst="rect">
+            <a:avLst/>
+          </a:prstGeom>
+        </p:spPr>
+        <p:txBody>
+          <a:bodyPr lIns="0" rIns="0" tIns="91440" bIns="91440"/>
+          <a:p>
+            <a:endParaRPr b="0" lang="en-US" sz="2000" spc="-1" strike="noStrike">
+              <a:solidFill>
+                <a:srgbClr val="000000"/>
+              </a:solidFill>
+              <a:uFill>
+                <a:solidFill>
+                  <a:srgbClr val="ffffff"/>
+                </a:solidFill>
+              </a:uFill>
+              <a:latin typeface="Arial"/>
+            </a:endParaRPr>
+          </a:p>
+        </p:txBody>
+      </p:sp>
+    </p:spTree>
+  </p:cSld>
+</p:notes>
+</file>
+
+<file path=ppt/notesSlides/notesSlide27.xml><?xml version="1.0" encoding="utf-8"?>
+<p:notes xmlns:a="http://schemas.openxmlformats.org/drawingml/2006/main" xmlns:p="http://schemas.openxmlformats.org/presentationml/2006/main" xmlns:r="http://schemas.openxmlformats.org/officeDocument/2006/relationships" xmlns:p14="http://schemas.microsoft.com/office/powerpoint/2010/main" xmlns:p15="http://schemas.microsoft.com/office/powerpoint/2012/main" xmlns:mc="http://schemas.openxmlformats.org/markup-compatibility/2006">
+  <p:cSld>
+    <p:spTree>
+      <p:nvGrpSpPr>
+        <p:cNvPr id="1" name=""/>
+        <p:cNvGrpSpPr/>
+        <p:nvPr/>
+      </p:nvGrpSpPr>
+      <p:grpSpPr>
+        <a:xfrm>
+          <a:off x="0" y="0"/>
+          <a:ext cx="0" cy="0"/>
+          <a:chOff x="0" y="0"/>
+          <a:chExt cx="0" cy="0"/>
+        </a:xfrm>
+      </p:grpSpPr>
+      <p:sp>
+        <p:nvSpPr>
+          <p:cNvPr id="174" name="CustomShape 1"/>
+          <p:cNvSpPr/>
+          <p:nvPr/>
+        </p:nvSpPr>
+        <p:spPr>
+          <a:xfrm>
+            <a:off x="755640" y="5078520"/>
+            <a:ext cx="6045480" cy="4808880"/>
+          </a:xfrm>
+          <a:custGeom>
+            <a:avLst/>
+            <a:gdLst/>
+            <a:ahLst/>
+            <a:rect l="l" t="t" r="r" b="b"/>
+            <a:pathLst>
+              <a:path w="21600" h="21600">
+                <a:moveTo>
+                  <a:pt x="0" y="0"/>
+                </a:moveTo>
+                <a:lnTo>
+                  <a:pt x="21600" y="0"/>
+                </a:lnTo>
+                <a:lnTo>
+                  <a:pt x="21600" y="21600"/>
+                </a:lnTo>
+                <a:lnTo>
+                  <a:pt x="0" y="21600"/>
+                </a:lnTo>
+                <a:lnTo>
+                  <a:pt x="0" y="0"/>
+                </a:lnTo>
+                <a:close/>
+              </a:path>
+            </a:pathLst>
+          </a:custGeom>
+          <a:noFill/>
+          <a:ln>
+            <a:noFill/>
+          </a:ln>
+        </p:spPr>
+        <p:style>
+          <a:lnRef idx="0"/>
+          <a:fillRef idx="0"/>
+          <a:effectRef idx="0"/>
+          <a:fontRef idx="minor"/>
+        </p:style>
+      </p:sp>
+      <p:sp>
+        <p:nvSpPr>
+          <p:cNvPr id="175" name="PlaceHolder 2"/>
+          <p:cNvSpPr>
+            <a:spLocks noGrp="1"/>
+          </p:cNvSpPr>
+          <p:nvPr>
+            <p:ph type="body"/>
+          </p:nvPr>
+        </p:nvSpPr>
+        <p:spPr>
+          <a:xfrm>
+            <a:off x="756000" y="5078520"/>
+            <a:ext cx="6045840" cy="4809600"/>
+          </a:xfrm>
+          <a:prstGeom prst="rect">
+            <a:avLst/>
+          </a:prstGeom>
+        </p:spPr>
+        <p:txBody>
+          <a:bodyPr lIns="0" rIns="0" tIns="91440" bIns="91440"/>
+          <a:p>
+            <a:endParaRPr b="0" lang="en-US" sz="2000" spc="-1" strike="noStrike">
+              <a:solidFill>
+                <a:srgbClr val="000000"/>
+              </a:solidFill>
+              <a:uFill>
+                <a:solidFill>
+                  <a:srgbClr val="ffffff"/>
+                </a:solidFill>
+              </a:uFill>
+              <a:latin typeface="Arial"/>
+            </a:endParaRPr>
+          </a:p>
+        </p:txBody>
+      </p:sp>
+    </p:spTree>
+  </p:cSld>
+</p:notes>
+</file>
+
+<file path=ppt/notesSlides/notesSlide28.xml><?xml version="1.0" encoding="utf-8"?>
+<p:notes xmlns:a="http://schemas.openxmlformats.org/drawingml/2006/main" xmlns:p="http://schemas.openxmlformats.org/presentationml/2006/main" xmlns:r="http://schemas.openxmlformats.org/officeDocument/2006/relationships" xmlns:p14="http://schemas.microsoft.com/office/powerpoint/2010/main" xmlns:p15="http://schemas.microsoft.com/office/powerpoint/2012/main" xmlns:mc="http://schemas.openxmlformats.org/markup-compatibility/2006">
+  <p:cSld>
+    <p:spTree>
+      <p:nvGrpSpPr>
+        <p:cNvPr id="1" name=""/>
+        <p:cNvGrpSpPr/>
+        <p:nvPr/>
+      </p:nvGrpSpPr>
+      <p:grpSpPr>
+        <a:xfrm>
+          <a:off x="0" y="0"/>
+          <a:ext cx="0" cy="0"/>
+          <a:chOff x="0" y="0"/>
+          <a:chExt cx="0" cy="0"/>
+        </a:xfrm>
+      </p:grpSpPr>
+      <p:sp>
+        <p:nvSpPr>
+          <p:cNvPr id="176" name="CustomShape 1"/>
+          <p:cNvSpPr/>
+          <p:nvPr/>
+        </p:nvSpPr>
+        <p:spPr>
+          <a:xfrm>
+            <a:off x="755640" y="5078520"/>
+            <a:ext cx="6045480" cy="4808880"/>
+          </a:xfrm>
+          <a:custGeom>
+            <a:avLst/>
+            <a:gdLst/>
+            <a:ahLst/>
+            <a:rect l="l" t="t" r="r" b="b"/>
+            <a:pathLst>
+              <a:path w="21600" h="21600">
+                <a:moveTo>
+                  <a:pt x="0" y="0"/>
+                </a:moveTo>
+                <a:lnTo>
+                  <a:pt x="21600" y="0"/>
+                </a:lnTo>
+                <a:lnTo>
+                  <a:pt x="21600" y="21600"/>
+                </a:lnTo>
+                <a:lnTo>
+                  <a:pt x="0" y="21600"/>
+                </a:lnTo>
+                <a:lnTo>
+                  <a:pt x="0" y="0"/>
+                </a:lnTo>
+                <a:close/>
+              </a:path>
+            </a:pathLst>
+          </a:custGeom>
+          <a:noFill/>
+          <a:ln>
+            <a:noFill/>
+          </a:ln>
+        </p:spPr>
+        <p:style>
+          <a:lnRef idx="0"/>
+          <a:fillRef idx="0"/>
+          <a:effectRef idx="0"/>
+          <a:fontRef idx="minor"/>
+        </p:style>
+      </p:sp>
+      <p:sp>
+        <p:nvSpPr>
+          <p:cNvPr id="177" name="PlaceHolder 2"/>
+          <p:cNvSpPr>
+            <a:spLocks noGrp="1"/>
+          </p:cNvSpPr>
+          <p:nvPr>
+            <p:ph type="body"/>
+          </p:nvPr>
+        </p:nvSpPr>
+        <p:spPr>
+          <a:xfrm>
+            <a:off x="756000" y="5078520"/>
+            <a:ext cx="6045840" cy="4809600"/>
+          </a:xfrm>
+          <a:prstGeom prst="rect">
+            <a:avLst/>
+          </a:prstGeom>
+        </p:spPr>
+        <p:txBody>
+          <a:bodyPr lIns="0" rIns="0" tIns="91440" bIns="91440"/>
+          <a:p>
+            <a:endParaRPr b="0" lang="en-US" sz="2000" spc="-1" strike="noStrike">
+              <a:solidFill>
+                <a:srgbClr val="000000"/>
+              </a:solidFill>
+              <a:uFill>
+                <a:solidFill>
+                  <a:srgbClr val="ffffff"/>
+                </a:solidFill>
+              </a:uFill>
+              <a:latin typeface="Arial"/>
+            </a:endParaRPr>
+          </a:p>
+        </p:txBody>
+      </p:sp>
+    </p:spTree>
+  </p:cSld>
+</p:notes>
+</file>
+
+<file path=ppt/notesSlides/notesSlide29.xml><?xml version="1.0" encoding="utf-8"?>
+<p:notes xmlns:a="http://schemas.openxmlformats.org/drawingml/2006/main" xmlns:p="http://schemas.openxmlformats.org/presentationml/2006/main" xmlns:r="http://schemas.openxmlformats.org/officeDocument/2006/relationships" xmlns:p14="http://schemas.microsoft.com/office/powerpoint/2010/main" xmlns:p15="http://schemas.microsoft.com/office/powerpoint/2012/main" xmlns:mc="http://schemas.openxmlformats.org/markup-compatibility/2006">
+  <p:cSld>
+    <p:spTree>
+      <p:nvGrpSpPr>
+        <p:cNvPr id="1" name=""/>
+        <p:cNvGrpSpPr/>
+        <p:nvPr/>
+      </p:nvGrpSpPr>
+      <p:grpSpPr>
+        <a:xfrm>
+          <a:off x="0" y="0"/>
+          <a:ext cx="0" cy="0"/>
+          <a:chOff x="0" y="0"/>
+          <a:chExt cx="0" cy="0"/>
+        </a:xfrm>
+      </p:grpSpPr>
+      <p:sp>
+        <p:nvSpPr>
+          <p:cNvPr id="178" name="CustomShape 1"/>
+          <p:cNvSpPr/>
+          <p:nvPr/>
+        </p:nvSpPr>
+        <p:spPr>
+          <a:xfrm>
+            <a:off x="755640" y="5078520"/>
+            <a:ext cx="6045480" cy="4808880"/>
+          </a:xfrm>
+          <a:custGeom>
+            <a:avLst/>
+            <a:gdLst/>
+            <a:ahLst/>
+            <a:rect l="l" t="t" r="r" b="b"/>
+            <a:pathLst>
+              <a:path w="21600" h="21600">
+                <a:moveTo>
+                  <a:pt x="0" y="0"/>
+                </a:moveTo>
+                <a:lnTo>
+                  <a:pt x="21600" y="0"/>
+                </a:lnTo>
+                <a:lnTo>
+                  <a:pt x="21600" y="21600"/>
+                </a:lnTo>
+                <a:lnTo>
+                  <a:pt x="0" y="21600"/>
+                </a:lnTo>
+                <a:lnTo>
+                  <a:pt x="0" y="0"/>
+                </a:lnTo>
+                <a:close/>
+              </a:path>
+            </a:pathLst>
+          </a:custGeom>
+          <a:noFill/>
+          <a:ln>
+            <a:noFill/>
+          </a:ln>
+        </p:spPr>
+        <p:style>
+          <a:lnRef idx="0"/>
+          <a:fillRef idx="0"/>
+          <a:effectRef idx="0"/>
+          <a:fontRef idx="minor"/>
+        </p:style>
+      </p:sp>
+      <p:sp>
+        <p:nvSpPr>
+          <p:cNvPr id="179" name="PlaceHolder 2"/>
+          <p:cNvSpPr>
+            <a:spLocks noGrp="1"/>
+          </p:cNvSpPr>
+          <p:nvPr>
+            <p:ph type="body"/>
+          </p:nvPr>
+        </p:nvSpPr>
+        <p:spPr>
+          <a:xfrm>
+            <a:off x="756000" y="5078520"/>
+            <a:ext cx="6045840" cy="4809600"/>
+          </a:xfrm>
+          <a:prstGeom prst="rect">
+            <a:avLst/>
+          </a:prstGeom>
+        </p:spPr>
+        <p:txBody>
+          <a:bodyPr lIns="0" rIns="0" tIns="91440" bIns="91440"/>
+          <a:p>
+            <a:endParaRPr b="0" lang="en-US" sz="2000" spc="-1" strike="noStrike">
+              <a:solidFill>
+                <a:srgbClr val="000000"/>
+              </a:solidFill>
+              <a:uFill>
+                <a:solidFill>
+                  <a:srgbClr val="ffffff"/>
+                </a:solidFill>
+              </a:uFill>
+              <a:latin typeface="Arial"/>
+            </a:endParaRPr>
+          </a:p>
+        </p:txBody>
+      </p:sp>
+    </p:spTree>
+  </p:cSld>
+</p:notes>
+</file>
+
+<file path=ppt/notesSlides/notesSlide3.xml><?xml version="1.0" encoding="utf-8"?>
 <p:notes xmlns:a="http://schemas.openxmlformats.org/drawingml/2006/main" xmlns:p="http://schemas.openxmlformats.org/presentationml/2006/main" xmlns:r="http://schemas.openxmlformats.org/officeDocument/2006/relationships" xmlns:p14="http://schemas.microsoft.com/office/powerpoint/2010/main" xmlns:p15="http://schemas.microsoft.com/office/powerpoint/2012/main" xmlns:mc="http://schemas.openxmlformats.org/markup-compatibility/2006">
   <p:cSld>
     <p:spTree>
@@ -1612,970 +2788,7 @@
 </p:notes>
 </file>
 
-<file path=ppt/notesSlides/notesSlide20.xml><?xml version="1.0" encoding="utf-8"?>
-<p:notes xmlns:a="http://schemas.openxmlformats.org/drawingml/2006/main" xmlns:p="http://schemas.openxmlformats.org/presentationml/2006/main" xmlns:r="http://schemas.openxmlformats.org/officeDocument/2006/relationships" xmlns:p14="http://schemas.microsoft.com/office/powerpoint/2010/main" xmlns:p15="http://schemas.microsoft.com/office/powerpoint/2012/main" xmlns:mc="http://schemas.openxmlformats.org/markup-compatibility/2006">
-  <p:cSld>
-    <p:spTree>
-      <p:nvGrpSpPr>
-        <p:cNvPr id="1" name=""/>
-        <p:cNvGrpSpPr/>
-        <p:nvPr/>
-      </p:nvGrpSpPr>
-      <p:grpSpPr>
-        <a:xfrm>
-          <a:off x="0" y="0"/>
-          <a:ext cx="0" cy="0"/>
-          <a:chOff x="0" y="0"/>
-          <a:chExt cx="0" cy="0"/>
-        </a:xfrm>
-      </p:grpSpPr>
-      <p:sp>
-        <p:nvSpPr>
-          <p:cNvPr id="162" name="CustomShape 1"/>
-          <p:cNvSpPr/>
-          <p:nvPr/>
-        </p:nvSpPr>
-        <p:spPr>
-          <a:xfrm>
-            <a:off x="755640" y="5078520"/>
-            <a:ext cx="6045480" cy="4808880"/>
-          </a:xfrm>
-          <a:custGeom>
-            <a:avLst/>
-            <a:gdLst/>
-            <a:ahLst/>
-            <a:rect l="l" t="t" r="r" b="b"/>
-            <a:pathLst>
-              <a:path w="21600" h="21600">
-                <a:moveTo>
-                  <a:pt x="0" y="0"/>
-                </a:moveTo>
-                <a:lnTo>
-                  <a:pt x="21600" y="0"/>
-                </a:lnTo>
-                <a:lnTo>
-                  <a:pt x="21600" y="21600"/>
-                </a:lnTo>
-                <a:lnTo>
-                  <a:pt x="0" y="21600"/>
-                </a:lnTo>
-                <a:lnTo>
-                  <a:pt x="0" y="0"/>
-                </a:lnTo>
-                <a:close/>
-              </a:path>
-            </a:pathLst>
-          </a:custGeom>
-          <a:noFill/>
-          <a:ln>
-            <a:noFill/>
-          </a:ln>
-        </p:spPr>
-        <p:style>
-          <a:lnRef idx="0"/>
-          <a:fillRef idx="0"/>
-          <a:effectRef idx="0"/>
-          <a:fontRef idx="minor"/>
-        </p:style>
-      </p:sp>
-      <p:sp>
-        <p:nvSpPr>
-          <p:cNvPr id="163" name="PlaceHolder 2"/>
-          <p:cNvSpPr>
-            <a:spLocks noGrp="1"/>
-          </p:cNvSpPr>
-          <p:nvPr>
-            <p:ph type="body"/>
-          </p:nvPr>
-        </p:nvSpPr>
-        <p:spPr>
-          <a:xfrm>
-            <a:off x="756000" y="5078520"/>
-            <a:ext cx="6045840" cy="4809600"/>
-          </a:xfrm>
-          <a:prstGeom prst="rect">
-            <a:avLst/>
-          </a:prstGeom>
-        </p:spPr>
-        <p:txBody>
-          <a:bodyPr lIns="0" rIns="0" tIns="91440" bIns="91440"/>
-          <a:p>
-            <a:endParaRPr b="0" lang="en-US" sz="2000" spc="-1" strike="noStrike">
-              <a:solidFill>
-                <a:srgbClr val="000000"/>
-              </a:solidFill>
-              <a:uFill>
-                <a:solidFill>
-                  <a:srgbClr val="ffffff"/>
-                </a:solidFill>
-              </a:uFill>
-              <a:latin typeface="Arial"/>
-            </a:endParaRPr>
-          </a:p>
-        </p:txBody>
-      </p:sp>
-    </p:spTree>
-  </p:cSld>
-</p:notes>
-</file>
-
-<file path=ppt/notesSlides/notesSlide21.xml><?xml version="1.0" encoding="utf-8"?>
-<p:notes xmlns:a="http://schemas.openxmlformats.org/drawingml/2006/main" xmlns:p="http://schemas.openxmlformats.org/presentationml/2006/main" xmlns:r="http://schemas.openxmlformats.org/officeDocument/2006/relationships" xmlns:p14="http://schemas.microsoft.com/office/powerpoint/2010/main" xmlns:p15="http://schemas.microsoft.com/office/powerpoint/2012/main" xmlns:mc="http://schemas.openxmlformats.org/markup-compatibility/2006">
-  <p:cSld>
-    <p:spTree>
-      <p:nvGrpSpPr>
-        <p:cNvPr id="1" name=""/>
-        <p:cNvGrpSpPr/>
-        <p:nvPr/>
-      </p:nvGrpSpPr>
-      <p:grpSpPr>
-        <a:xfrm>
-          <a:off x="0" y="0"/>
-          <a:ext cx="0" cy="0"/>
-          <a:chOff x="0" y="0"/>
-          <a:chExt cx="0" cy="0"/>
-        </a:xfrm>
-      </p:grpSpPr>
-      <p:sp>
-        <p:nvSpPr>
-          <p:cNvPr id="164" name="CustomShape 1"/>
-          <p:cNvSpPr/>
-          <p:nvPr/>
-        </p:nvSpPr>
-        <p:spPr>
-          <a:xfrm>
-            <a:off x="755640" y="5078520"/>
-            <a:ext cx="6045480" cy="4808880"/>
-          </a:xfrm>
-          <a:custGeom>
-            <a:avLst/>
-            <a:gdLst/>
-            <a:ahLst/>
-            <a:rect l="l" t="t" r="r" b="b"/>
-            <a:pathLst>
-              <a:path w="21600" h="21600">
-                <a:moveTo>
-                  <a:pt x="0" y="0"/>
-                </a:moveTo>
-                <a:lnTo>
-                  <a:pt x="21600" y="0"/>
-                </a:lnTo>
-                <a:lnTo>
-                  <a:pt x="21600" y="21600"/>
-                </a:lnTo>
-                <a:lnTo>
-                  <a:pt x="0" y="21600"/>
-                </a:lnTo>
-                <a:lnTo>
-                  <a:pt x="0" y="0"/>
-                </a:lnTo>
-                <a:close/>
-              </a:path>
-            </a:pathLst>
-          </a:custGeom>
-          <a:noFill/>
-          <a:ln>
-            <a:noFill/>
-          </a:ln>
-        </p:spPr>
-        <p:style>
-          <a:lnRef idx="0"/>
-          <a:fillRef idx="0"/>
-          <a:effectRef idx="0"/>
-          <a:fontRef idx="minor"/>
-        </p:style>
-      </p:sp>
-      <p:sp>
-        <p:nvSpPr>
-          <p:cNvPr id="165" name="PlaceHolder 2"/>
-          <p:cNvSpPr>
-            <a:spLocks noGrp="1"/>
-          </p:cNvSpPr>
-          <p:nvPr>
-            <p:ph type="body"/>
-          </p:nvPr>
-        </p:nvSpPr>
-        <p:spPr>
-          <a:xfrm>
-            <a:off x="756000" y="5078520"/>
-            <a:ext cx="6045840" cy="4809600"/>
-          </a:xfrm>
-          <a:prstGeom prst="rect">
-            <a:avLst/>
-          </a:prstGeom>
-        </p:spPr>
-        <p:txBody>
-          <a:bodyPr lIns="0" rIns="0" tIns="91440" bIns="91440"/>
-          <a:p>
-            <a:endParaRPr b="0" lang="en-US" sz="2000" spc="-1" strike="noStrike">
-              <a:solidFill>
-                <a:srgbClr val="000000"/>
-              </a:solidFill>
-              <a:uFill>
-                <a:solidFill>
-                  <a:srgbClr val="ffffff"/>
-                </a:solidFill>
-              </a:uFill>
-              <a:latin typeface="Arial"/>
-            </a:endParaRPr>
-          </a:p>
-        </p:txBody>
-      </p:sp>
-    </p:spTree>
-  </p:cSld>
-</p:notes>
-</file>
-
-<file path=ppt/notesSlides/notesSlide22.xml><?xml version="1.0" encoding="utf-8"?>
-<p:notes xmlns:a="http://schemas.openxmlformats.org/drawingml/2006/main" xmlns:p="http://schemas.openxmlformats.org/presentationml/2006/main" xmlns:r="http://schemas.openxmlformats.org/officeDocument/2006/relationships" xmlns:p14="http://schemas.microsoft.com/office/powerpoint/2010/main" xmlns:p15="http://schemas.microsoft.com/office/powerpoint/2012/main" xmlns:mc="http://schemas.openxmlformats.org/markup-compatibility/2006">
-  <p:cSld>
-    <p:spTree>
-      <p:nvGrpSpPr>
-        <p:cNvPr id="1" name=""/>
-        <p:cNvGrpSpPr/>
-        <p:nvPr/>
-      </p:nvGrpSpPr>
-      <p:grpSpPr>
-        <a:xfrm>
-          <a:off x="0" y="0"/>
-          <a:ext cx="0" cy="0"/>
-          <a:chOff x="0" y="0"/>
-          <a:chExt cx="0" cy="0"/>
-        </a:xfrm>
-      </p:grpSpPr>
-      <p:sp>
-        <p:nvSpPr>
-          <p:cNvPr id="166" name="CustomShape 1"/>
-          <p:cNvSpPr/>
-          <p:nvPr/>
-        </p:nvSpPr>
-        <p:spPr>
-          <a:xfrm>
-            <a:off x="755640" y="5078520"/>
-            <a:ext cx="6045480" cy="4808880"/>
-          </a:xfrm>
-          <a:custGeom>
-            <a:avLst/>
-            <a:gdLst/>
-            <a:ahLst/>
-            <a:rect l="l" t="t" r="r" b="b"/>
-            <a:pathLst>
-              <a:path w="21600" h="21600">
-                <a:moveTo>
-                  <a:pt x="0" y="0"/>
-                </a:moveTo>
-                <a:lnTo>
-                  <a:pt x="21600" y="0"/>
-                </a:lnTo>
-                <a:lnTo>
-                  <a:pt x="21600" y="21600"/>
-                </a:lnTo>
-                <a:lnTo>
-                  <a:pt x="0" y="21600"/>
-                </a:lnTo>
-                <a:lnTo>
-                  <a:pt x="0" y="0"/>
-                </a:lnTo>
-                <a:close/>
-              </a:path>
-            </a:pathLst>
-          </a:custGeom>
-          <a:noFill/>
-          <a:ln>
-            <a:noFill/>
-          </a:ln>
-        </p:spPr>
-        <p:style>
-          <a:lnRef idx="0"/>
-          <a:fillRef idx="0"/>
-          <a:effectRef idx="0"/>
-          <a:fontRef idx="minor"/>
-        </p:style>
-      </p:sp>
-      <p:sp>
-        <p:nvSpPr>
-          <p:cNvPr id="167" name="PlaceHolder 2"/>
-          <p:cNvSpPr>
-            <a:spLocks noGrp="1"/>
-          </p:cNvSpPr>
-          <p:nvPr>
-            <p:ph type="body"/>
-          </p:nvPr>
-        </p:nvSpPr>
-        <p:spPr>
-          <a:xfrm>
-            <a:off x="756000" y="5078520"/>
-            <a:ext cx="6045840" cy="4809600"/>
-          </a:xfrm>
-          <a:prstGeom prst="rect">
-            <a:avLst/>
-          </a:prstGeom>
-        </p:spPr>
-        <p:txBody>
-          <a:bodyPr lIns="0" rIns="0" tIns="91440" bIns="91440"/>
-          <a:p>
-            <a:endParaRPr b="0" lang="en-US" sz="2000" spc="-1" strike="noStrike">
-              <a:solidFill>
-                <a:srgbClr val="000000"/>
-              </a:solidFill>
-              <a:uFill>
-                <a:solidFill>
-                  <a:srgbClr val="ffffff"/>
-                </a:solidFill>
-              </a:uFill>
-              <a:latin typeface="Arial"/>
-            </a:endParaRPr>
-          </a:p>
-        </p:txBody>
-      </p:sp>
-    </p:spTree>
-  </p:cSld>
-</p:notes>
-</file>
-
-<file path=ppt/notesSlides/notesSlide23.xml><?xml version="1.0" encoding="utf-8"?>
-<p:notes xmlns:a="http://schemas.openxmlformats.org/drawingml/2006/main" xmlns:p="http://schemas.openxmlformats.org/presentationml/2006/main" xmlns:r="http://schemas.openxmlformats.org/officeDocument/2006/relationships" xmlns:p14="http://schemas.microsoft.com/office/powerpoint/2010/main" xmlns:p15="http://schemas.microsoft.com/office/powerpoint/2012/main" xmlns:mc="http://schemas.openxmlformats.org/markup-compatibility/2006">
-  <p:cSld>
-    <p:spTree>
-      <p:nvGrpSpPr>
-        <p:cNvPr id="1" name=""/>
-        <p:cNvGrpSpPr/>
-        <p:nvPr/>
-      </p:nvGrpSpPr>
-      <p:grpSpPr>
-        <a:xfrm>
-          <a:off x="0" y="0"/>
-          <a:ext cx="0" cy="0"/>
-          <a:chOff x="0" y="0"/>
-          <a:chExt cx="0" cy="0"/>
-        </a:xfrm>
-      </p:grpSpPr>
-      <p:sp>
-        <p:nvSpPr>
-          <p:cNvPr id="168" name="CustomShape 1"/>
-          <p:cNvSpPr/>
-          <p:nvPr/>
-        </p:nvSpPr>
-        <p:spPr>
-          <a:xfrm>
-            <a:off x="755640" y="5078520"/>
-            <a:ext cx="6045480" cy="4808880"/>
-          </a:xfrm>
-          <a:custGeom>
-            <a:avLst/>
-            <a:gdLst/>
-            <a:ahLst/>
-            <a:rect l="l" t="t" r="r" b="b"/>
-            <a:pathLst>
-              <a:path w="21600" h="21600">
-                <a:moveTo>
-                  <a:pt x="0" y="0"/>
-                </a:moveTo>
-                <a:lnTo>
-                  <a:pt x="21600" y="0"/>
-                </a:lnTo>
-                <a:lnTo>
-                  <a:pt x="21600" y="21600"/>
-                </a:lnTo>
-                <a:lnTo>
-                  <a:pt x="0" y="21600"/>
-                </a:lnTo>
-                <a:lnTo>
-                  <a:pt x="0" y="0"/>
-                </a:lnTo>
-                <a:close/>
-              </a:path>
-            </a:pathLst>
-          </a:custGeom>
-          <a:noFill/>
-          <a:ln>
-            <a:noFill/>
-          </a:ln>
-        </p:spPr>
-        <p:style>
-          <a:lnRef idx="0"/>
-          <a:fillRef idx="0"/>
-          <a:effectRef idx="0"/>
-          <a:fontRef idx="minor"/>
-        </p:style>
-      </p:sp>
-      <p:sp>
-        <p:nvSpPr>
-          <p:cNvPr id="169" name="PlaceHolder 2"/>
-          <p:cNvSpPr>
-            <a:spLocks noGrp="1"/>
-          </p:cNvSpPr>
-          <p:nvPr>
-            <p:ph type="body"/>
-          </p:nvPr>
-        </p:nvSpPr>
-        <p:spPr>
-          <a:xfrm>
-            <a:off x="756000" y="5078520"/>
-            <a:ext cx="6045840" cy="4809600"/>
-          </a:xfrm>
-          <a:prstGeom prst="rect">
-            <a:avLst/>
-          </a:prstGeom>
-        </p:spPr>
-        <p:txBody>
-          <a:bodyPr lIns="0" rIns="0" tIns="91440" bIns="91440"/>
-          <a:p>
-            <a:endParaRPr b="0" lang="en-US" sz="2000" spc="-1" strike="noStrike">
-              <a:solidFill>
-                <a:srgbClr val="000000"/>
-              </a:solidFill>
-              <a:uFill>
-                <a:solidFill>
-                  <a:srgbClr val="ffffff"/>
-                </a:solidFill>
-              </a:uFill>
-              <a:latin typeface="Arial"/>
-            </a:endParaRPr>
-          </a:p>
-        </p:txBody>
-      </p:sp>
-    </p:spTree>
-  </p:cSld>
-</p:notes>
-</file>
-
-<file path=ppt/notesSlides/notesSlide24.xml><?xml version="1.0" encoding="utf-8"?>
-<p:notes xmlns:a="http://schemas.openxmlformats.org/drawingml/2006/main" xmlns:p="http://schemas.openxmlformats.org/presentationml/2006/main" xmlns:r="http://schemas.openxmlformats.org/officeDocument/2006/relationships" xmlns:p14="http://schemas.microsoft.com/office/powerpoint/2010/main" xmlns:p15="http://schemas.microsoft.com/office/powerpoint/2012/main" xmlns:mc="http://schemas.openxmlformats.org/markup-compatibility/2006">
-  <p:cSld>
-    <p:spTree>
-      <p:nvGrpSpPr>
-        <p:cNvPr id="1" name=""/>
-        <p:cNvGrpSpPr/>
-        <p:nvPr/>
-      </p:nvGrpSpPr>
-      <p:grpSpPr>
-        <a:xfrm>
-          <a:off x="0" y="0"/>
-          <a:ext cx="0" cy="0"/>
-          <a:chOff x="0" y="0"/>
-          <a:chExt cx="0" cy="0"/>
-        </a:xfrm>
-      </p:grpSpPr>
-      <p:sp>
-        <p:nvSpPr>
-          <p:cNvPr id="170" name="CustomShape 1"/>
-          <p:cNvSpPr/>
-          <p:nvPr/>
-        </p:nvSpPr>
-        <p:spPr>
-          <a:xfrm>
-            <a:off x="755640" y="5078520"/>
-            <a:ext cx="6045480" cy="4808880"/>
-          </a:xfrm>
-          <a:custGeom>
-            <a:avLst/>
-            <a:gdLst/>
-            <a:ahLst/>
-            <a:rect l="l" t="t" r="r" b="b"/>
-            <a:pathLst>
-              <a:path w="21600" h="21600">
-                <a:moveTo>
-                  <a:pt x="0" y="0"/>
-                </a:moveTo>
-                <a:lnTo>
-                  <a:pt x="21600" y="0"/>
-                </a:lnTo>
-                <a:lnTo>
-                  <a:pt x="21600" y="21600"/>
-                </a:lnTo>
-                <a:lnTo>
-                  <a:pt x="0" y="21600"/>
-                </a:lnTo>
-                <a:lnTo>
-                  <a:pt x="0" y="0"/>
-                </a:lnTo>
-                <a:close/>
-              </a:path>
-            </a:pathLst>
-          </a:custGeom>
-          <a:noFill/>
-          <a:ln>
-            <a:noFill/>
-          </a:ln>
-        </p:spPr>
-        <p:style>
-          <a:lnRef idx="0"/>
-          <a:fillRef idx="0"/>
-          <a:effectRef idx="0"/>
-          <a:fontRef idx="minor"/>
-        </p:style>
-      </p:sp>
-      <p:sp>
-        <p:nvSpPr>
-          <p:cNvPr id="171" name="PlaceHolder 2"/>
-          <p:cNvSpPr>
-            <a:spLocks noGrp="1"/>
-          </p:cNvSpPr>
-          <p:nvPr>
-            <p:ph type="body"/>
-          </p:nvPr>
-        </p:nvSpPr>
-        <p:spPr>
-          <a:xfrm>
-            <a:off x="756000" y="5078520"/>
-            <a:ext cx="6045840" cy="4809600"/>
-          </a:xfrm>
-          <a:prstGeom prst="rect">
-            <a:avLst/>
-          </a:prstGeom>
-        </p:spPr>
-        <p:txBody>
-          <a:bodyPr lIns="0" rIns="0" tIns="91440" bIns="91440"/>
-          <a:p>
-            <a:endParaRPr b="0" lang="en-US" sz="2000" spc="-1" strike="noStrike">
-              <a:solidFill>
-                <a:srgbClr val="000000"/>
-              </a:solidFill>
-              <a:uFill>
-                <a:solidFill>
-                  <a:srgbClr val="ffffff"/>
-                </a:solidFill>
-              </a:uFill>
-              <a:latin typeface="Arial"/>
-            </a:endParaRPr>
-          </a:p>
-        </p:txBody>
-      </p:sp>
-    </p:spTree>
-  </p:cSld>
-</p:notes>
-</file>
-
-<file path=ppt/notesSlides/notesSlide25.xml><?xml version="1.0" encoding="utf-8"?>
-<p:notes xmlns:a="http://schemas.openxmlformats.org/drawingml/2006/main" xmlns:p="http://schemas.openxmlformats.org/presentationml/2006/main" xmlns:r="http://schemas.openxmlformats.org/officeDocument/2006/relationships" xmlns:p14="http://schemas.microsoft.com/office/powerpoint/2010/main" xmlns:p15="http://schemas.microsoft.com/office/powerpoint/2012/main" xmlns:mc="http://schemas.openxmlformats.org/markup-compatibility/2006">
-  <p:cSld>
-    <p:spTree>
-      <p:nvGrpSpPr>
-        <p:cNvPr id="1" name=""/>
-        <p:cNvGrpSpPr/>
-        <p:nvPr/>
-      </p:nvGrpSpPr>
-      <p:grpSpPr>
-        <a:xfrm>
-          <a:off x="0" y="0"/>
-          <a:ext cx="0" cy="0"/>
-          <a:chOff x="0" y="0"/>
-          <a:chExt cx="0" cy="0"/>
-        </a:xfrm>
-      </p:grpSpPr>
-      <p:sp>
-        <p:nvSpPr>
-          <p:cNvPr id="172" name="CustomShape 1"/>
-          <p:cNvSpPr/>
-          <p:nvPr/>
-        </p:nvSpPr>
-        <p:spPr>
-          <a:xfrm>
-            <a:off x="755640" y="5078520"/>
-            <a:ext cx="6045480" cy="4808880"/>
-          </a:xfrm>
-          <a:custGeom>
-            <a:avLst/>
-            <a:gdLst/>
-            <a:ahLst/>
-            <a:rect l="l" t="t" r="r" b="b"/>
-            <a:pathLst>
-              <a:path w="21600" h="21600">
-                <a:moveTo>
-                  <a:pt x="0" y="0"/>
-                </a:moveTo>
-                <a:lnTo>
-                  <a:pt x="21600" y="0"/>
-                </a:lnTo>
-                <a:lnTo>
-                  <a:pt x="21600" y="21600"/>
-                </a:lnTo>
-                <a:lnTo>
-                  <a:pt x="0" y="21600"/>
-                </a:lnTo>
-                <a:lnTo>
-                  <a:pt x="0" y="0"/>
-                </a:lnTo>
-                <a:close/>
-              </a:path>
-            </a:pathLst>
-          </a:custGeom>
-          <a:noFill/>
-          <a:ln>
-            <a:noFill/>
-          </a:ln>
-        </p:spPr>
-        <p:style>
-          <a:lnRef idx="0"/>
-          <a:fillRef idx="0"/>
-          <a:effectRef idx="0"/>
-          <a:fontRef idx="minor"/>
-        </p:style>
-      </p:sp>
-      <p:sp>
-        <p:nvSpPr>
-          <p:cNvPr id="173" name="PlaceHolder 2"/>
-          <p:cNvSpPr>
-            <a:spLocks noGrp="1"/>
-          </p:cNvSpPr>
-          <p:nvPr>
-            <p:ph type="body"/>
-          </p:nvPr>
-        </p:nvSpPr>
-        <p:spPr>
-          <a:xfrm>
-            <a:off x="756000" y="5078520"/>
-            <a:ext cx="6045840" cy="4809600"/>
-          </a:xfrm>
-          <a:prstGeom prst="rect">
-            <a:avLst/>
-          </a:prstGeom>
-        </p:spPr>
-        <p:txBody>
-          <a:bodyPr lIns="0" rIns="0" tIns="91440" bIns="91440"/>
-          <a:p>
-            <a:endParaRPr b="0" lang="en-US" sz="2000" spc="-1" strike="noStrike">
-              <a:solidFill>
-                <a:srgbClr val="000000"/>
-              </a:solidFill>
-              <a:uFill>
-                <a:solidFill>
-                  <a:srgbClr val="ffffff"/>
-                </a:solidFill>
-              </a:uFill>
-              <a:latin typeface="Arial"/>
-            </a:endParaRPr>
-          </a:p>
-        </p:txBody>
-      </p:sp>
-    </p:spTree>
-  </p:cSld>
-</p:notes>
-</file>
-
-<file path=ppt/notesSlides/notesSlide26.xml><?xml version="1.0" encoding="utf-8"?>
-<p:notes xmlns:a="http://schemas.openxmlformats.org/drawingml/2006/main" xmlns:p="http://schemas.openxmlformats.org/presentationml/2006/main" xmlns:r="http://schemas.openxmlformats.org/officeDocument/2006/relationships" xmlns:p14="http://schemas.microsoft.com/office/powerpoint/2010/main" xmlns:p15="http://schemas.microsoft.com/office/powerpoint/2012/main" xmlns:mc="http://schemas.openxmlformats.org/markup-compatibility/2006">
-  <p:cSld>
-    <p:spTree>
-      <p:nvGrpSpPr>
-        <p:cNvPr id="1" name=""/>
-        <p:cNvGrpSpPr/>
-        <p:nvPr/>
-      </p:nvGrpSpPr>
-      <p:grpSpPr>
-        <a:xfrm>
-          <a:off x="0" y="0"/>
-          <a:ext cx="0" cy="0"/>
-          <a:chOff x="0" y="0"/>
-          <a:chExt cx="0" cy="0"/>
-        </a:xfrm>
-      </p:grpSpPr>
-      <p:sp>
-        <p:nvSpPr>
-          <p:cNvPr id="174" name="CustomShape 1"/>
-          <p:cNvSpPr/>
-          <p:nvPr/>
-        </p:nvSpPr>
-        <p:spPr>
-          <a:xfrm>
-            <a:off x="755640" y="5078520"/>
-            <a:ext cx="6045480" cy="4808880"/>
-          </a:xfrm>
-          <a:custGeom>
-            <a:avLst/>
-            <a:gdLst/>
-            <a:ahLst/>
-            <a:rect l="l" t="t" r="r" b="b"/>
-            <a:pathLst>
-              <a:path w="21600" h="21600">
-                <a:moveTo>
-                  <a:pt x="0" y="0"/>
-                </a:moveTo>
-                <a:lnTo>
-                  <a:pt x="21600" y="0"/>
-                </a:lnTo>
-                <a:lnTo>
-                  <a:pt x="21600" y="21600"/>
-                </a:lnTo>
-                <a:lnTo>
-                  <a:pt x="0" y="21600"/>
-                </a:lnTo>
-                <a:lnTo>
-                  <a:pt x="0" y="0"/>
-                </a:lnTo>
-                <a:close/>
-              </a:path>
-            </a:pathLst>
-          </a:custGeom>
-          <a:noFill/>
-          <a:ln>
-            <a:noFill/>
-          </a:ln>
-        </p:spPr>
-        <p:style>
-          <a:lnRef idx="0"/>
-          <a:fillRef idx="0"/>
-          <a:effectRef idx="0"/>
-          <a:fontRef idx="minor"/>
-        </p:style>
-      </p:sp>
-      <p:sp>
-        <p:nvSpPr>
-          <p:cNvPr id="175" name="PlaceHolder 2"/>
-          <p:cNvSpPr>
-            <a:spLocks noGrp="1"/>
-          </p:cNvSpPr>
-          <p:nvPr>
-            <p:ph type="body"/>
-          </p:nvPr>
-        </p:nvSpPr>
-        <p:spPr>
-          <a:xfrm>
-            <a:off x="756000" y="5078520"/>
-            <a:ext cx="6045840" cy="4809600"/>
-          </a:xfrm>
-          <a:prstGeom prst="rect">
-            <a:avLst/>
-          </a:prstGeom>
-        </p:spPr>
-        <p:txBody>
-          <a:bodyPr lIns="0" rIns="0" tIns="91440" bIns="91440"/>
-          <a:p>
-            <a:endParaRPr b="0" lang="en-US" sz="2000" spc="-1" strike="noStrike">
-              <a:solidFill>
-                <a:srgbClr val="000000"/>
-              </a:solidFill>
-              <a:uFill>
-                <a:solidFill>
-                  <a:srgbClr val="ffffff"/>
-                </a:solidFill>
-              </a:uFill>
-              <a:latin typeface="Arial"/>
-            </a:endParaRPr>
-          </a:p>
-        </p:txBody>
-      </p:sp>
-    </p:spTree>
-  </p:cSld>
-</p:notes>
-</file>
-
-<file path=ppt/notesSlides/notesSlide27.xml><?xml version="1.0" encoding="utf-8"?>
-<p:notes xmlns:a="http://schemas.openxmlformats.org/drawingml/2006/main" xmlns:p="http://schemas.openxmlformats.org/presentationml/2006/main" xmlns:r="http://schemas.openxmlformats.org/officeDocument/2006/relationships" xmlns:p14="http://schemas.microsoft.com/office/powerpoint/2010/main" xmlns:p15="http://schemas.microsoft.com/office/powerpoint/2012/main" xmlns:mc="http://schemas.openxmlformats.org/markup-compatibility/2006">
-  <p:cSld>
-    <p:spTree>
-      <p:nvGrpSpPr>
-        <p:cNvPr id="1" name=""/>
-        <p:cNvGrpSpPr/>
-        <p:nvPr/>
-      </p:nvGrpSpPr>
-      <p:grpSpPr>
-        <a:xfrm>
-          <a:off x="0" y="0"/>
-          <a:ext cx="0" cy="0"/>
-          <a:chOff x="0" y="0"/>
-          <a:chExt cx="0" cy="0"/>
-        </a:xfrm>
-      </p:grpSpPr>
-      <p:sp>
-        <p:nvSpPr>
-          <p:cNvPr id="176" name="CustomShape 1"/>
-          <p:cNvSpPr/>
-          <p:nvPr/>
-        </p:nvSpPr>
-        <p:spPr>
-          <a:xfrm>
-            <a:off x="755640" y="5078520"/>
-            <a:ext cx="6045480" cy="4808880"/>
-          </a:xfrm>
-          <a:custGeom>
-            <a:avLst/>
-            <a:gdLst/>
-            <a:ahLst/>
-            <a:rect l="l" t="t" r="r" b="b"/>
-            <a:pathLst>
-              <a:path w="21600" h="21600">
-                <a:moveTo>
-                  <a:pt x="0" y="0"/>
-                </a:moveTo>
-                <a:lnTo>
-                  <a:pt x="21600" y="0"/>
-                </a:lnTo>
-                <a:lnTo>
-                  <a:pt x="21600" y="21600"/>
-                </a:lnTo>
-                <a:lnTo>
-                  <a:pt x="0" y="21600"/>
-                </a:lnTo>
-                <a:lnTo>
-                  <a:pt x="0" y="0"/>
-                </a:lnTo>
-                <a:close/>
-              </a:path>
-            </a:pathLst>
-          </a:custGeom>
-          <a:noFill/>
-          <a:ln>
-            <a:noFill/>
-          </a:ln>
-        </p:spPr>
-        <p:style>
-          <a:lnRef idx="0"/>
-          <a:fillRef idx="0"/>
-          <a:effectRef idx="0"/>
-          <a:fontRef idx="minor"/>
-        </p:style>
-      </p:sp>
-      <p:sp>
-        <p:nvSpPr>
-          <p:cNvPr id="177" name="PlaceHolder 2"/>
-          <p:cNvSpPr>
-            <a:spLocks noGrp="1"/>
-          </p:cNvSpPr>
-          <p:nvPr>
-            <p:ph type="body"/>
-          </p:nvPr>
-        </p:nvSpPr>
-        <p:spPr>
-          <a:xfrm>
-            <a:off x="756000" y="5078520"/>
-            <a:ext cx="6045840" cy="4809600"/>
-          </a:xfrm>
-          <a:prstGeom prst="rect">
-            <a:avLst/>
-          </a:prstGeom>
-        </p:spPr>
-        <p:txBody>
-          <a:bodyPr lIns="0" rIns="0" tIns="91440" bIns="91440"/>
-          <a:p>
-            <a:endParaRPr b="0" lang="en-US" sz="2000" spc="-1" strike="noStrike">
-              <a:solidFill>
-                <a:srgbClr val="000000"/>
-              </a:solidFill>
-              <a:uFill>
-                <a:solidFill>
-                  <a:srgbClr val="ffffff"/>
-                </a:solidFill>
-              </a:uFill>
-              <a:latin typeface="Arial"/>
-            </a:endParaRPr>
-          </a:p>
-        </p:txBody>
-      </p:sp>
-    </p:spTree>
-  </p:cSld>
-</p:notes>
-</file>
-
-<file path=ppt/notesSlides/notesSlide28.xml><?xml version="1.0" encoding="utf-8"?>
-<p:notes xmlns:a="http://schemas.openxmlformats.org/drawingml/2006/main" xmlns:p="http://schemas.openxmlformats.org/presentationml/2006/main" xmlns:r="http://schemas.openxmlformats.org/officeDocument/2006/relationships" xmlns:p14="http://schemas.microsoft.com/office/powerpoint/2010/main" xmlns:p15="http://schemas.microsoft.com/office/powerpoint/2012/main" xmlns:mc="http://schemas.openxmlformats.org/markup-compatibility/2006">
-  <p:cSld>
-    <p:spTree>
-      <p:nvGrpSpPr>
-        <p:cNvPr id="1" name=""/>
-        <p:cNvGrpSpPr/>
-        <p:nvPr/>
-      </p:nvGrpSpPr>
-      <p:grpSpPr>
-        <a:xfrm>
-          <a:off x="0" y="0"/>
-          <a:ext cx="0" cy="0"/>
-          <a:chOff x="0" y="0"/>
-          <a:chExt cx="0" cy="0"/>
-        </a:xfrm>
-      </p:grpSpPr>
-      <p:sp>
-        <p:nvSpPr>
-          <p:cNvPr id="178" name="CustomShape 1"/>
-          <p:cNvSpPr/>
-          <p:nvPr/>
-        </p:nvSpPr>
-        <p:spPr>
-          <a:xfrm>
-            <a:off x="755640" y="5078520"/>
-            <a:ext cx="6045480" cy="4808880"/>
-          </a:xfrm>
-          <a:custGeom>
-            <a:avLst/>
-            <a:gdLst/>
-            <a:ahLst/>
-            <a:rect l="l" t="t" r="r" b="b"/>
-            <a:pathLst>
-              <a:path w="21600" h="21600">
-                <a:moveTo>
-                  <a:pt x="0" y="0"/>
-                </a:moveTo>
-                <a:lnTo>
-                  <a:pt x="21600" y="0"/>
-                </a:lnTo>
-                <a:lnTo>
-                  <a:pt x="21600" y="21600"/>
-                </a:lnTo>
-                <a:lnTo>
-                  <a:pt x="0" y="21600"/>
-                </a:lnTo>
-                <a:lnTo>
-                  <a:pt x="0" y="0"/>
-                </a:lnTo>
-                <a:close/>
-              </a:path>
-            </a:pathLst>
-          </a:custGeom>
-          <a:noFill/>
-          <a:ln>
-            <a:noFill/>
-          </a:ln>
-        </p:spPr>
-        <p:style>
-          <a:lnRef idx="0"/>
-          <a:fillRef idx="0"/>
-          <a:effectRef idx="0"/>
-          <a:fontRef idx="minor"/>
-        </p:style>
-      </p:sp>
-      <p:sp>
-        <p:nvSpPr>
-          <p:cNvPr id="179" name="PlaceHolder 2"/>
-          <p:cNvSpPr>
-            <a:spLocks noGrp="1"/>
-          </p:cNvSpPr>
-          <p:nvPr>
-            <p:ph type="body"/>
-          </p:nvPr>
-        </p:nvSpPr>
-        <p:spPr>
-          <a:xfrm>
-            <a:off x="756000" y="5078520"/>
-            <a:ext cx="6045840" cy="4809600"/>
-          </a:xfrm>
-          <a:prstGeom prst="rect">
-            <a:avLst/>
-          </a:prstGeom>
-        </p:spPr>
-        <p:txBody>
-          <a:bodyPr lIns="0" rIns="0" tIns="91440" bIns="91440"/>
-          <a:p>
-            <a:endParaRPr b="0" lang="en-US" sz="2000" spc="-1" strike="noStrike">
-              <a:solidFill>
-                <a:srgbClr val="000000"/>
-              </a:solidFill>
-              <a:uFill>
-                <a:solidFill>
-                  <a:srgbClr val="ffffff"/>
-                </a:solidFill>
-              </a:uFill>
-              <a:latin typeface="Arial"/>
-            </a:endParaRPr>
-          </a:p>
-        </p:txBody>
-      </p:sp>
-    </p:spTree>
-  </p:cSld>
-</p:notes>
-</file>
-
-<file path=ppt/notesSlides/notesSlide29.xml><?xml version="1.0" encoding="utf-8"?>
+<file path=ppt/notesSlides/notesSlide30.xml><?xml version="1.0" encoding="utf-8"?>
 <p:notes xmlns:a="http://schemas.openxmlformats.org/drawingml/2006/main" xmlns:p="http://schemas.openxmlformats.org/presentationml/2006/main" xmlns:r="http://schemas.openxmlformats.org/officeDocument/2006/relationships" xmlns:p14="http://schemas.microsoft.com/office/powerpoint/2010/main" xmlns:p15="http://schemas.microsoft.com/office/powerpoint/2012/main" xmlns:mc="http://schemas.openxmlformats.org/markup-compatibility/2006">
   <p:cSld>
     <p:spTree>
@@ -2682,7 +2895,863 @@
 </p:notes>
 </file>
 
-<file path=ppt/notesSlides/notesSlide3.xml><?xml version="1.0" encoding="utf-8"?>
+<file path=ppt/notesSlides/notesSlide31.xml><?xml version="1.0" encoding="utf-8"?>
+<p:notes xmlns:a="http://schemas.openxmlformats.org/drawingml/2006/main" xmlns:p="http://schemas.openxmlformats.org/presentationml/2006/main" xmlns:r="http://schemas.openxmlformats.org/officeDocument/2006/relationships" xmlns:p14="http://schemas.microsoft.com/office/powerpoint/2010/main" xmlns:p15="http://schemas.microsoft.com/office/powerpoint/2012/main" xmlns:mc="http://schemas.openxmlformats.org/markup-compatibility/2006">
+  <p:cSld>
+    <p:spTree>
+      <p:nvGrpSpPr>
+        <p:cNvPr id="1" name=""/>
+        <p:cNvGrpSpPr/>
+        <p:nvPr/>
+      </p:nvGrpSpPr>
+      <p:grpSpPr>
+        <a:xfrm>
+          <a:off x="0" y="0"/>
+          <a:ext cx="0" cy="0"/>
+          <a:chOff x="0" y="0"/>
+          <a:chExt cx="0" cy="0"/>
+        </a:xfrm>
+      </p:grpSpPr>
+      <p:sp>
+        <p:nvSpPr>
+          <p:cNvPr id="182" name="CustomShape 1"/>
+          <p:cNvSpPr/>
+          <p:nvPr/>
+        </p:nvSpPr>
+        <p:spPr>
+          <a:xfrm>
+            <a:off x="755640" y="5078520"/>
+            <a:ext cx="6045480" cy="4808880"/>
+          </a:xfrm>
+          <a:custGeom>
+            <a:avLst/>
+            <a:gdLst/>
+            <a:ahLst/>
+            <a:rect l="l" t="t" r="r" b="b"/>
+            <a:pathLst>
+              <a:path w="21600" h="21600">
+                <a:moveTo>
+                  <a:pt x="0" y="0"/>
+                </a:moveTo>
+                <a:lnTo>
+                  <a:pt x="21600" y="0"/>
+                </a:lnTo>
+                <a:lnTo>
+                  <a:pt x="21600" y="21600"/>
+                </a:lnTo>
+                <a:lnTo>
+                  <a:pt x="0" y="21600"/>
+                </a:lnTo>
+                <a:lnTo>
+                  <a:pt x="0" y="0"/>
+                </a:lnTo>
+                <a:close/>
+              </a:path>
+            </a:pathLst>
+          </a:custGeom>
+          <a:noFill/>
+          <a:ln>
+            <a:noFill/>
+          </a:ln>
+        </p:spPr>
+        <p:style>
+          <a:lnRef idx="0"/>
+          <a:fillRef idx="0"/>
+          <a:effectRef idx="0"/>
+          <a:fontRef idx="minor"/>
+        </p:style>
+      </p:sp>
+      <p:sp>
+        <p:nvSpPr>
+          <p:cNvPr id="183" name="PlaceHolder 2"/>
+          <p:cNvSpPr>
+            <a:spLocks noGrp="1"/>
+          </p:cNvSpPr>
+          <p:nvPr>
+            <p:ph type="body"/>
+          </p:nvPr>
+        </p:nvSpPr>
+        <p:spPr>
+          <a:xfrm>
+            <a:off x="756000" y="5078520"/>
+            <a:ext cx="6045840" cy="4809600"/>
+          </a:xfrm>
+          <a:prstGeom prst="rect">
+            <a:avLst/>
+          </a:prstGeom>
+        </p:spPr>
+        <p:txBody>
+          <a:bodyPr lIns="0" rIns="0" tIns="91440" bIns="91440"/>
+          <a:p>
+            <a:endParaRPr b="0" lang="en-US" sz="2000" spc="-1" strike="noStrike">
+              <a:solidFill>
+                <a:srgbClr val="000000"/>
+              </a:solidFill>
+              <a:uFill>
+                <a:solidFill>
+                  <a:srgbClr val="ffffff"/>
+                </a:solidFill>
+              </a:uFill>
+              <a:latin typeface="Arial"/>
+            </a:endParaRPr>
+          </a:p>
+        </p:txBody>
+      </p:sp>
+    </p:spTree>
+  </p:cSld>
+</p:notes>
+</file>
+
+<file path=ppt/notesSlides/notesSlide32.xml><?xml version="1.0" encoding="utf-8"?>
+<p:notes xmlns:a="http://schemas.openxmlformats.org/drawingml/2006/main" xmlns:p="http://schemas.openxmlformats.org/presentationml/2006/main" xmlns:r="http://schemas.openxmlformats.org/officeDocument/2006/relationships" xmlns:p14="http://schemas.microsoft.com/office/powerpoint/2010/main" xmlns:p15="http://schemas.microsoft.com/office/powerpoint/2012/main" xmlns:mc="http://schemas.openxmlformats.org/markup-compatibility/2006">
+  <p:cSld>
+    <p:spTree>
+      <p:nvGrpSpPr>
+        <p:cNvPr id="1" name=""/>
+        <p:cNvGrpSpPr/>
+        <p:nvPr/>
+      </p:nvGrpSpPr>
+      <p:grpSpPr>
+        <a:xfrm>
+          <a:off x="0" y="0"/>
+          <a:ext cx="0" cy="0"/>
+          <a:chOff x="0" y="0"/>
+          <a:chExt cx="0" cy="0"/>
+        </a:xfrm>
+      </p:grpSpPr>
+      <p:sp>
+        <p:nvSpPr>
+          <p:cNvPr id="184" name="CustomShape 1"/>
+          <p:cNvSpPr/>
+          <p:nvPr/>
+        </p:nvSpPr>
+        <p:spPr>
+          <a:xfrm>
+            <a:off x="755640" y="5078520"/>
+            <a:ext cx="6045480" cy="4808880"/>
+          </a:xfrm>
+          <a:custGeom>
+            <a:avLst/>
+            <a:gdLst/>
+            <a:ahLst/>
+            <a:rect l="l" t="t" r="r" b="b"/>
+            <a:pathLst>
+              <a:path w="21600" h="21600">
+                <a:moveTo>
+                  <a:pt x="0" y="0"/>
+                </a:moveTo>
+                <a:lnTo>
+                  <a:pt x="21600" y="0"/>
+                </a:lnTo>
+                <a:lnTo>
+                  <a:pt x="21600" y="21600"/>
+                </a:lnTo>
+                <a:lnTo>
+                  <a:pt x="0" y="21600"/>
+                </a:lnTo>
+                <a:lnTo>
+                  <a:pt x="0" y="0"/>
+                </a:lnTo>
+                <a:close/>
+              </a:path>
+            </a:pathLst>
+          </a:custGeom>
+          <a:noFill/>
+          <a:ln>
+            <a:noFill/>
+          </a:ln>
+        </p:spPr>
+        <p:style>
+          <a:lnRef idx="0"/>
+          <a:fillRef idx="0"/>
+          <a:effectRef idx="0"/>
+          <a:fontRef idx="minor"/>
+        </p:style>
+      </p:sp>
+      <p:sp>
+        <p:nvSpPr>
+          <p:cNvPr id="185" name="PlaceHolder 2"/>
+          <p:cNvSpPr>
+            <a:spLocks noGrp="1"/>
+          </p:cNvSpPr>
+          <p:nvPr>
+            <p:ph type="body"/>
+          </p:nvPr>
+        </p:nvSpPr>
+        <p:spPr>
+          <a:xfrm>
+            <a:off x="756000" y="5078520"/>
+            <a:ext cx="6045840" cy="4809600"/>
+          </a:xfrm>
+          <a:prstGeom prst="rect">
+            <a:avLst/>
+          </a:prstGeom>
+        </p:spPr>
+        <p:txBody>
+          <a:bodyPr lIns="0" rIns="0" tIns="91440" bIns="91440"/>
+          <a:p>
+            <a:endParaRPr b="0" lang="en-US" sz="2000" spc="-1" strike="noStrike">
+              <a:solidFill>
+                <a:srgbClr val="000000"/>
+              </a:solidFill>
+              <a:uFill>
+                <a:solidFill>
+                  <a:srgbClr val="ffffff"/>
+                </a:solidFill>
+              </a:uFill>
+              <a:latin typeface="Arial"/>
+            </a:endParaRPr>
+          </a:p>
+        </p:txBody>
+      </p:sp>
+    </p:spTree>
+  </p:cSld>
+</p:notes>
+</file>
+
+<file path=ppt/notesSlides/notesSlide33.xml><?xml version="1.0" encoding="utf-8"?>
+<p:notes xmlns:a="http://schemas.openxmlformats.org/drawingml/2006/main" xmlns:p="http://schemas.openxmlformats.org/presentationml/2006/main" xmlns:r="http://schemas.openxmlformats.org/officeDocument/2006/relationships" xmlns:p14="http://schemas.microsoft.com/office/powerpoint/2010/main" xmlns:p15="http://schemas.microsoft.com/office/powerpoint/2012/main" xmlns:mc="http://schemas.openxmlformats.org/markup-compatibility/2006">
+  <p:cSld>
+    <p:spTree>
+      <p:nvGrpSpPr>
+        <p:cNvPr id="1" name=""/>
+        <p:cNvGrpSpPr/>
+        <p:nvPr/>
+      </p:nvGrpSpPr>
+      <p:grpSpPr>
+        <a:xfrm>
+          <a:off x="0" y="0"/>
+          <a:ext cx="0" cy="0"/>
+          <a:chOff x="0" y="0"/>
+          <a:chExt cx="0" cy="0"/>
+        </a:xfrm>
+      </p:grpSpPr>
+      <p:sp>
+        <p:nvSpPr>
+          <p:cNvPr id="186" name="CustomShape 1"/>
+          <p:cNvSpPr/>
+          <p:nvPr/>
+        </p:nvSpPr>
+        <p:spPr>
+          <a:xfrm>
+            <a:off x="755640" y="5078520"/>
+            <a:ext cx="6045480" cy="4808880"/>
+          </a:xfrm>
+          <a:custGeom>
+            <a:avLst/>
+            <a:gdLst/>
+            <a:ahLst/>
+            <a:rect l="l" t="t" r="r" b="b"/>
+            <a:pathLst>
+              <a:path w="21600" h="21600">
+                <a:moveTo>
+                  <a:pt x="0" y="0"/>
+                </a:moveTo>
+                <a:lnTo>
+                  <a:pt x="21600" y="0"/>
+                </a:lnTo>
+                <a:lnTo>
+                  <a:pt x="21600" y="21600"/>
+                </a:lnTo>
+                <a:lnTo>
+                  <a:pt x="0" y="21600"/>
+                </a:lnTo>
+                <a:lnTo>
+                  <a:pt x="0" y="0"/>
+                </a:lnTo>
+                <a:close/>
+              </a:path>
+            </a:pathLst>
+          </a:custGeom>
+          <a:noFill/>
+          <a:ln>
+            <a:noFill/>
+          </a:ln>
+        </p:spPr>
+        <p:style>
+          <a:lnRef idx="0"/>
+          <a:fillRef idx="0"/>
+          <a:effectRef idx="0"/>
+          <a:fontRef idx="minor"/>
+        </p:style>
+      </p:sp>
+      <p:sp>
+        <p:nvSpPr>
+          <p:cNvPr id="187" name="PlaceHolder 2"/>
+          <p:cNvSpPr>
+            <a:spLocks noGrp="1"/>
+          </p:cNvSpPr>
+          <p:nvPr>
+            <p:ph type="body"/>
+          </p:nvPr>
+        </p:nvSpPr>
+        <p:spPr>
+          <a:xfrm>
+            <a:off x="756000" y="5078520"/>
+            <a:ext cx="6045840" cy="4809600"/>
+          </a:xfrm>
+          <a:prstGeom prst="rect">
+            <a:avLst/>
+          </a:prstGeom>
+        </p:spPr>
+        <p:txBody>
+          <a:bodyPr lIns="0" rIns="0" tIns="91440" bIns="91440"/>
+          <a:p>
+            <a:endParaRPr b="0" lang="en-US" sz="2000" spc="-1" strike="noStrike">
+              <a:solidFill>
+                <a:srgbClr val="000000"/>
+              </a:solidFill>
+              <a:uFill>
+                <a:solidFill>
+                  <a:srgbClr val="ffffff"/>
+                </a:solidFill>
+              </a:uFill>
+              <a:latin typeface="Arial"/>
+            </a:endParaRPr>
+          </a:p>
+        </p:txBody>
+      </p:sp>
+    </p:spTree>
+  </p:cSld>
+</p:notes>
+</file>
+
+<file path=ppt/notesSlides/notesSlide34.xml><?xml version="1.0" encoding="utf-8"?>
+<p:notes xmlns:a="http://schemas.openxmlformats.org/drawingml/2006/main" xmlns:p="http://schemas.openxmlformats.org/presentationml/2006/main" xmlns:r="http://schemas.openxmlformats.org/officeDocument/2006/relationships" xmlns:p14="http://schemas.microsoft.com/office/powerpoint/2010/main" xmlns:p15="http://schemas.microsoft.com/office/powerpoint/2012/main" xmlns:mc="http://schemas.openxmlformats.org/markup-compatibility/2006">
+  <p:cSld>
+    <p:spTree>
+      <p:nvGrpSpPr>
+        <p:cNvPr id="1" name=""/>
+        <p:cNvGrpSpPr/>
+        <p:nvPr/>
+      </p:nvGrpSpPr>
+      <p:grpSpPr>
+        <a:xfrm>
+          <a:off x="0" y="0"/>
+          <a:ext cx="0" cy="0"/>
+          <a:chOff x="0" y="0"/>
+          <a:chExt cx="0" cy="0"/>
+        </a:xfrm>
+      </p:grpSpPr>
+      <p:sp>
+        <p:nvSpPr>
+          <p:cNvPr id="188" name="CustomShape 1"/>
+          <p:cNvSpPr/>
+          <p:nvPr/>
+        </p:nvSpPr>
+        <p:spPr>
+          <a:xfrm>
+            <a:off x="755640" y="5078520"/>
+            <a:ext cx="6045480" cy="4808880"/>
+          </a:xfrm>
+          <a:custGeom>
+            <a:avLst/>
+            <a:gdLst/>
+            <a:ahLst/>
+            <a:rect l="l" t="t" r="r" b="b"/>
+            <a:pathLst>
+              <a:path w="21600" h="21600">
+                <a:moveTo>
+                  <a:pt x="0" y="0"/>
+                </a:moveTo>
+                <a:lnTo>
+                  <a:pt x="21600" y="0"/>
+                </a:lnTo>
+                <a:lnTo>
+                  <a:pt x="21600" y="21600"/>
+                </a:lnTo>
+                <a:lnTo>
+                  <a:pt x="0" y="21600"/>
+                </a:lnTo>
+                <a:lnTo>
+                  <a:pt x="0" y="0"/>
+                </a:lnTo>
+                <a:close/>
+              </a:path>
+            </a:pathLst>
+          </a:custGeom>
+          <a:noFill/>
+          <a:ln>
+            <a:noFill/>
+          </a:ln>
+        </p:spPr>
+        <p:style>
+          <a:lnRef idx="0"/>
+          <a:fillRef idx="0"/>
+          <a:effectRef idx="0"/>
+          <a:fontRef idx="minor"/>
+        </p:style>
+      </p:sp>
+      <p:sp>
+        <p:nvSpPr>
+          <p:cNvPr id="189" name="PlaceHolder 2"/>
+          <p:cNvSpPr>
+            <a:spLocks noGrp="1"/>
+          </p:cNvSpPr>
+          <p:nvPr>
+            <p:ph type="body"/>
+          </p:nvPr>
+        </p:nvSpPr>
+        <p:spPr>
+          <a:xfrm>
+            <a:off x="756000" y="5078520"/>
+            <a:ext cx="6045840" cy="4809600"/>
+          </a:xfrm>
+          <a:prstGeom prst="rect">
+            <a:avLst/>
+          </a:prstGeom>
+        </p:spPr>
+        <p:txBody>
+          <a:bodyPr lIns="0" rIns="0" tIns="91440" bIns="91440"/>
+          <a:p>
+            <a:endParaRPr b="0" lang="en-US" sz="2000" spc="-1" strike="noStrike">
+              <a:solidFill>
+                <a:srgbClr val="000000"/>
+              </a:solidFill>
+              <a:uFill>
+                <a:solidFill>
+                  <a:srgbClr val="ffffff"/>
+                </a:solidFill>
+              </a:uFill>
+              <a:latin typeface="Arial"/>
+            </a:endParaRPr>
+          </a:p>
+        </p:txBody>
+      </p:sp>
+    </p:spTree>
+  </p:cSld>
+</p:notes>
+</file>
+
+<file path=ppt/notesSlides/notesSlide35.xml><?xml version="1.0" encoding="utf-8"?>
+<p:notes xmlns:a="http://schemas.openxmlformats.org/drawingml/2006/main" xmlns:p="http://schemas.openxmlformats.org/presentationml/2006/main" xmlns:r="http://schemas.openxmlformats.org/officeDocument/2006/relationships" xmlns:p14="http://schemas.microsoft.com/office/powerpoint/2010/main" xmlns:p15="http://schemas.microsoft.com/office/powerpoint/2012/main" xmlns:mc="http://schemas.openxmlformats.org/markup-compatibility/2006">
+  <p:cSld>
+    <p:spTree>
+      <p:nvGrpSpPr>
+        <p:cNvPr id="1" name=""/>
+        <p:cNvGrpSpPr/>
+        <p:nvPr/>
+      </p:nvGrpSpPr>
+      <p:grpSpPr>
+        <a:xfrm>
+          <a:off x="0" y="0"/>
+          <a:ext cx="0" cy="0"/>
+          <a:chOff x="0" y="0"/>
+          <a:chExt cx="0" cy="0"/>
+        </a:xfrm>
+      </p:grpSpPr>
+      <p:sp>
+        <p:nvSpPr>
+          <p:cNvPr id="190" name="CustomShape 1"/>
+          <p:cNvSpPr/>
+          <p:nvPr/>
+        </p:nvSpPr>
+        <p:spPr>
+          <a:xfrm>
+            <a:off x="755640" y="5078520"/>
+            <a:ext cx="6045480" cy="4808880"/>
+          </a:xfrm>
+          <a:custGeom>
+            <a:avLst/>
+            <a:gdLst/>
+            <a:ahLst/>
+            <a:rect l="l" t="t" r="r" b="b"/>
+            <a:pathLst>
+              <a:path w="21600" h="21600">
+                <a:moveTo>
+                  <a:pt x="0" y="0"/>
+                </a:moveTo>
+                <a:lnTo>
+                  <a:pt x="21600" y="0"/>
+                </a:lnTo>
+                <a:lnTo>
+                  <a:pt x="21600" y="21600"/>
+                </a:lnTo>
+                <a:lnTo>
+                  <a:pt x="0" y="21600"/>
+                </a:lnTo>
+                <a:lnTo>
+                  <a:pt x="0" y="0"/>
+                </a:lnTo>
+                <a:close/>
+              </a:path>
+            </a:pathLst>
+          </a:custGeom>
+          <a:noFill/>
+          <a:ln>
+            <a:noFill/>
+          </a:ln>
+        </p:spPr>
+        <p:style>
+          <a:lnRef idx="0"/>
+          <a:fillRef idx="0"/>
+          <a:effectRef idx="0"/>
+          <a:fontRef idx="minor"/>
+        </p:style>
+      </p:sp>
+      <p:sp>
+        <p:nvSpPr>
+          <p:cNvPr id="191" name="PlaceHolder 2"/>
+          <p:cNvSpPr>
+            <a:spLocks noGrp="1"/>
+          </p:cNvSpPr>
+          <p:nvPr>
+            <p:ph type="body"/>
+          </p:nvPr>
+        </p:nvSpPr>
+        <p:spPr>
+          <a:xfrm>
+            <a:off x="756000" y="5078520"/>
+            <a:ext cx="6045840" cy="4809600"/>
+          </a:xfrm>
+          <a:prstGeom prst="rect">
+            <a:avLst/>
+          </a:prstGeom>
+        </p:spPr>
+        <p:txBody>
+          <a:bodyPr lIns="0" rIns="0" tIns="91440" bIns="91440"/>
+          <a:p>
+            <a:endParaRPr b="0" lang="en-US" sz="2000" spc="-1" strike="noStrike">
+              <a:solidFill>
+                <a:srgbClr val="000000"/>
+              </a:solidFill>
+              <a:uFill>
+                <a:solidFill>
+                  <a:srgbClr val="ffffff"/>
+                </a:solidFill>
+              </a:uFill>
+              <a:latin typeface="Arial"/>
+            </a:endParaRPr>
+          </a:p>
+        </p:txBody>
+      </p:sp>
+    </p:spTree>
+  </p:cSld>
+</p:notes>
+</file>
+
+<file path=ppt/notesSlides/notesSlide36.xml><?xml version="1.0" encoding="utf-8"?>
+<p:notes xmlns:a="http://schemas.openxmlformats.org/drawingml/2006/main" xmlns:p="http://schemas.openxmlformats.org/presentationml/2006/main" xmlns:r="http://schemas.openxmlformats.org/officeDocument/2006/relationships" xmlns:p14="http://schemas.microsoft.com/office/powerpoint/2010/main" xmlns:p15="http://schemas.microsoft.com/office/powerpoint/2012/main" xmlns:mc="http://schemas.openxmlformats.org/markup-compatibility/2006">
+  <p:cSld>
+    <p:spTree>
+      <p:nvGrpSpPr>
+        <p:cNvPr id="1" name=""/>
+        <p:cNvGrpSpPr/>
+        <p:nvPr/>
+      </p:nvGrpSpPr>
+      <p:grpSpPr>
+        <a:xfrm>
+          <a:off x="0" y="0"/>
+          <a:ext cx="0" cy="0"/>
+          <a:chOff x="0" y="0"/>
+          <a:chExt cx="0" cy="0"/>
+        </a:xfrm>
+      </p:grpSpPr>
+      <p:sp>
+        <p:nvSpPr>
+          <p:cNvPr id="192" name="CustomShape 1"/>
+          <p:cNvSpPr/>
+          <p:nvPr/>
+        </p:nvSpPr>
+        <p:spPr>
+          <a:xfrm>
+            <a:off x="755640" y="5078520"/>
+            <a:ext cx="6045480" cy="4808880"/>
+          </a:xfrm>
+          <a:custGeom>
+            <a:avLst/>
+            <a:gdLst/>
+            <a:ahLst/>
+            <a:rect l="l" t="t" r="r" b="b"/>
+            <a:pathLst>
+              <a:path w="21600" h="21600">
+                <a:moveTo>
+                  <a:pt x="0" y="0"/>
+                </a:moveTo>
+                <a:lnTo>
+                  <a:pt x="21600" y="0"/>
+                </a:lnTo>
+                <a:lnTo>
+                  <a:pt x="21600" y="21600"/>
+                </a:lnTo>
+                <a:lnTo>
+                  <a:pt x="0" y="21600"/>
+                </a:lnTo>
+                <a:lnTo>
+                  <a:pt x="0" y="0"/>
+                </a:lnTo>
+                <a:close/>
+              </a:path>
+            </a:pathLst>
+          </a:custGeom>
+          <a:noFill/>
+          <a:ln>
+            <a:noFill/>
+          </a:ln>
+        </p:spPr>
+        <p:style>
+          <a:lnRef idx="0"/>
+          <a:fillRef idx="0"/>
+          <a:effectRef idx="0"/>
+          <a:fontRef idx="minor"/>
+        </p:style>
+      </p:sp>
+      <p:sp>
+        <p:nvSpPr>
+          <p:cNvPr id="193" name="PlaceHolder 2"/>
+          <p:cNvSpPr>
+            <a:spLocks noGrp="1"/>
+          </p:cNvSpPr>
+          <p:nvPr>
+            <p:ph type="body"/>
+          </p:nvPr>
+        </p:nvSpPr>
+        <p:spPr>
+          <a:xfrm>
+            <a:off x="756000" y="5078520"/>
+            <a:ext cx="6045840" cy="4809600"/>
+          </a:xfrm>
+          <a:prstGeom prst="rect">
+            <a:avLst/>
+          </a:prstGeom>
+        </p:spPr>
+        <p:txBody>
+          <a:bodyPr lIns="0" rIns="0" tIns="91440" bIns="91440"/>
+          <a:p>
+            <a:endParaRPr b="0" lang="en-US" sz="2000" spc="-1" strike="noStrike">
+              <a:solidFill>
+                <a:srgbClr val="000000"/>
+              </a:solidFill>
+              <a:uFill>
+                <a:solidFill>
+                  <a:srgbClr val="ffffff"/>
+                </a:solidFill>
+              </a:uFill>
+              <a:latin typeface="Arial"/>
+            </a:endParaRPr>
+          </a:p>
+        </p:txBody>
+      </p:sp>
+    </p:spTree>
+  </p:cSld>
+</p:notes>
+</file>
+
+<file path=ppt/notesSlides/notesSlide37.xml><?xml version="1.0" encoding="utf-8"?>
+<p:notes xmlns:a="http://schemas.openxmlformats.org/drawingml/2006/main" xmlns:p="http://schemas.openxmlformats.org/presentationml/2006/main" xmlns:r="http://schemas.openxmlformats.org/officeDocument/2006/relationships" xmlns:p14="http://schemas.microsoft.com/office/powerpoint/2010/main" xmlns:p15="http://schemas.microsoft.com/office/powerpoint/2012/main" xmlns:mc="http://schemas.openxmlformats.org/markup-compatibility/2006">
+  <p:cSld>
+    <p:spTree>
+      <p:nvGrpSpPr>
+        <p:cNvPr id="1" name=""/>
+        <p:cNvGrpSpPr/>
+        <p:nvPr/>
+      </p:nvGrpSpPr>
+      <p:grpSpPr>
+        <a:xfrm>
+          <a:off x="0" y="0"/>
+          <a:ext cx="0" cy="0"/>
+          <a:chOff x="0" y="0"/>
+          <a:chExt cx="0" cy="0"/>
+        </a:xfrm>
+      </p:grpSpPr>
+      <p:sp>
+        <p:nvSpPr>
+          <p:cNvPr id="194" name="CustomShape 1"/>
+          <p:cNvSpPr/>
+          <p:nvPr/>
+        </p:nvSpPr>
+        <p:spPr>
+          <a:xfrm>
+            <a:off x="755640" y="5078520"/>
+            <a:ext cx="6045480" cy="4808880"/>
+          </a:xfrm>
+          <a:custGeom>
+            <a:avLst/>
+            <a:gdLst/>
+            <a:ahLst/>
+            <a:rect l="l" t="t" r="r" b="b"/>
+            <a:pathLst>
+              <a:path w="21600" h="21600">
+                <a:moveTo>
+                  <a:pt x="0" y="0"/>
+                </a:moveTo>
+                <a:lnTo>
+                  <a:pt x="21600" y="0"/>
+                </a:lnTo>
+                <a:lnTo>
+                  <a:pt x="21600" y="21600"/>
+                </a:lnTo>
+                <a:lnTo>
+                  <a:pt x="0" y="21600"/>
+                </a:lnTo>
+                <a:lnTo>
+                  <a:pt x="0" y="0"/>
+                </a:lnTo>
+                <a:close/>
+              </a:path>
+            </a:pathLst>
+          </a:custGeom>
+          <a:noFill/>
+          <a:ln>
+            <a:noFill/>
+          </a:ln>
+        </p:spPr>
+        <p:style>
+          <a:lnRef idx="0"/>
+          <a:fillRef idx="0"/>
+          <a:effectRef idx="0"/>
+          <a:fontRef idx="minor"/>
+        </p:style>
+      </p:sp>
+      <p:sp>
+        <p:nvSpPr>
+          <p:cNvPr id="195" name="PlaceHolder 2"/>
+          <p:cNvSpPr>
+            <a:spLocks noGrp="1"/>
+          </p:cNvSpPr>
+          <p:nvPr>
+            <p:ph type="body"/>
+          </p:nvPr>
+        </p:nvSpPr>
+        <p:spPr>
+          <a:xfrm>
+            <a:off x="756000" y="5078520"/>
+            <a:ext cx="6045840" cy="4809600"/>
+          </a:xfrm>
+          <a:prstGeom prst="rect">
+            <a:avLst/>
+          </a:prstGeom>
+        </p:spPr>
+        <p:txBody>
+          <a:bodyPr lIns="0" rIns="0" tIns="91440" bIns="91440"/>
+          <a:p>
+            <a:endParaRPr b="0" lang="en-US" sz="2000" spc="-1" strike="noStrike">
+              <a:solidFill>
+                <a:srgbClr val="000000"/>
+              </a:solidFill>
+              <a:uFill>
+                <a:solidFill>
+                  <a:srgbClr val="ffffff"/>
+                </a:solidFill>
+              </a:uFill>
+              <a:latin typeface="Arial"/>
+            </a:endParaRPr>
+          </a:p>
+        </p:txBody>
+      </p:sp>
+    </p:spTree>
+  </p:cSld>
+</p:notes>
+</file>
+
+<file path=ppt/notesSlides/notesSlide38.xml><?xml version="1.0" encoding="utf-8"?>
+<p:notes xmlns:a="http://schemas.openxmlformats.org/drawingml/2006/main" xmlns:p="http://schemas.openxmlformats.org/presentationml/2006/main" xmlns:r="http://schemas.openxmlformats.org/officeDocument/2006/relationships" xmlns:p14="http://schemas.microsoft.com/office/powerpoint/2010/main" xmlns:p15="http://schemas.microsoft.com/office/powerpoint/2012/main" xmlns:mc="http://schemas.openxmlformats.org/markup-compatibility/2006">
+  <p:cSld>
+    <p:spTree>
+      <p:nvGrpSpPr>
+        <p:cNvPr id="1" name=""/>
+        <p:cNvGrpSpPr/>
+        <p:nvPr/>
+      </p:nvGrpSpPr>
+      <p:grpSpPr>
+        <a:xfrm>
+          <a:off x="0" y="0"/>
+          <a:ext cx="0" cy="0"/>
+          <a:chOff x="0" y="0"/>
+          <a:chExt cx="0" cy="0"/>
+        </a:xfrm>
+      </p:grpSpPr>
+      <p:sp>
+        <p:nvSpPr>
+          <p:cNvPr id="196" name="CustomShape 1"/>
+          <p:cNvSpPr/>
+          <p:nvPr/>
+        </p:nvSpPr>
+        <p:spPr>
+          <a:xfrm>
+            <a:off x="755640" y="5078520"/>
+            <a:ext cx="6045480" cy="4808880"/>
+          </a:xfrm>
+          <a:custGeom>
+            <a:avLst/>
+            <a:gdLst/>
+            <a:ahLst/>
+            <a:rect l="l" t="t" r="r" b="b"/>
+            <a:pathLst>
+              <a:path w="21600" h="21600">
+                <a:moveTo>
+                  <a:pt x="0" y="0"/>
+                </a:moveTo>
+                <a:lnTo>
+                  <a:pt x="21600" y="0"/>
+                </a:lnTo>
+                <a:lnTo>
+                  <a:pt x="21600" y="21600"/>
+                </a:lnTo>
+                <a:lnTo>
+                  <a:pt x="0" y="21600"/>
+                </a:lnTo>
+                <a:lnTo>
+                  <a:pt x="0" y="0"/>
+                </a:lnTo>
+                <a:close/>
+              </a:path>
+            </a:pathLst>
+          </a:custGeom>
+          <a:noFill/>
+          <a:ln>
+            <a:noFill/>
+          </a:ln>
+        </p:spPr>
+        <p:style>
+          <a:lnRef idx="0"/>
+          <a:fillRef idx="0"/>
+          <a:effectRef idx="0"/>
+          <a:fontRef idx="minor"/>
+        </p:style>
+      </p:sp>
+      <p:sp>
+        <p:nvSpPr>
+          <p:cNvPr id="197" name="PlaceHolder 2"/>
+          <p:cNvSpPr>
+            <a:spLocks noGrp="1"/>
+          </p:cNvSpPr>
+          <p:nvPr>
+            <p:ph type="body"/>
+          </p:nvPr>
+        </p:nvSpPr>
+        <p:spPr>
+          <a:xfrm>
+            <a:off x="756000" y="5078520"/>
+            <a:ext cx="6045840" cy="4809600"/>
+          </a:xfrm>
+          <a:prstGeom prst="rect">
+            <a:avLst/>
+          </a:prstGeom>
+        </p:spPr>
+        <p:txBody>
+          <a:bodyPr lIns="0" rIns="0" tIns="91440" bIns="91440"/>
+          <a:p>
+            <a:endParaRPr b="0" lang="en-US" sz="2000" spc="-1" strike="noStrike">
+              <a:solidFill>
+                <a:srgbClr val="000000"/>
+              </a:solidFill>
+              <a:uFill>
+                <a:solidFill>
+                  <a:srgbClr val="ffffff"/>
+                </a:solidFill>
+              </a:uFill>
+              <a:latin typeface="Arial"/>
+            </a:endParaRPr>
+          </a:p>
+        </p:txBody>
+      </p:sp>
+    </p:spTree>
+  </p:cSld>
+</p:notes>
+</file>
+
+<file path=ppt/notesSlides/notesSlide4.xml><?xml version="1.0" encoding="utf-8"?>
 <p:notes xmlns:a="http://schemas.openxmlformats.org/drawingml/2006/main" xmlns:p="http://schemas.openxmlformats.org/presentationml/2006/main" xmlns:r="http://schemas.openxmlformats.org/officeDocument/2006/relationships" xmlns:p14="http://schemas.microsoft.com/office/powerpoint/2010/main" xmlns:p15="http://schemas.microsoft.com/office/powerpoint/2012/main" xmlns:mc="http://schemas.openxmlformats.org/markup-compatibility/2006">
   <p:cSld>
     <p:spTree>
@@ -2789,1077 +3858,7 @@
 </p:notes>
 </file>
 
-<file path=ppt/notesSlides/notesSlide30.xml><?xml version="1.0" encoding="utf-8"?>
-<p:notes xmlns:a="http://schemas.openxmlformats.org/drawingml/2006/main" xmlns:p="http://schemas.openxmlformats.org/presentationml/2006/main" xmlns:r="http://schemas.openxmlformats.org/officeDocument/2006/relationships" xmlns:p14="http://schemas.microsoft.com/office/powerpoint/2010/main" xmlns:p15="http://schemas.microsoft.com/office/powerpoint/2012/main" xmlns:mc="http://schemas.openxmlformats.org/markup-compatibility/2006">
-  <p:cSld>
-    <p:spTree>
-      <p:nvGrpSpPr>
-        <p:cNvPr id="1" name=""/>
-        <p:cNvGrpSpPr/>
-        <p:nvPr/>
-      </p:nvGrpSpPr>
-      <p:grpSpPr>
-        <a:xfrm>
-          <a:off x="0" y="0"/>
-          <a:ext cx="0" cy="0"/>
-          <a:chOff x="0" y="0"/>
-          <a:chExt cx="0" cy="0"/>
-        </a:xfrm>
-      </p:grpSpPr>
-      <p:sp>
-        <p:nvSpPr>
-          <p:cNvPr id="182" name="CustomShape 1"/>
-          <p:cNvSpPr/>
-          <p:nvPr/>
-        </p:nvSpPr>
-        <p:spPr>
-          <a:xfrm>
-            <a:off x="755640" y="5078520"/>
-            <a:ext cx="6045480" cy="4808880"/>
-          </a:xfrm>
-          <a:custGeom>
-            <a:avLst/>
-            <a:gdLst/>
-            <a:ahLst/>
-            <a:rect l="l" t="t" r="r" b="b"/>
-            <a:pathLst>
-              <a:path w="21600" h="21600">
-                <a:moveTo>
-                  <a:pt x="0" y="0"/>
-                </a:moveTo>
-                <a:lnTo>
-                  <a:pt x="21600" y="0"/>
-                </a:lnTo>
-                <a:lnTo>
-                  <a:pt x="21600" y="21600"/>
-                </a:lnTo>
-                <a:lnTo>
-                  <a:pt x="0" y="21600"/>
-                </a:lnTo>
-                <a:lnTo>
-                  <a:pt x="0" y="0"/>
-                </a:lnTo>
-                <a:close/>
-              </a:path>
-            </a:pathLst>
-          </a:custGeom>
-          <a:noFill/>
-          <a:ln>
-            <a:noFill/>
-          </a:ln>
-        </p:spPr>
-        <p:style>
-          <a:lnRef idx="0"/>
-          <a:fillRef idx="0"/>
-          <a:effectRef idx="0"/>
-          <a:fontRef idx="minor"/>
-        </p:style>
-      </p:sp>
-      <p:sp>
-        <p:nvSpPr>
-          <p:cNvPr id="183" name="PlaceHolder 2"/>
-          <p:cNvSpPr>
-            <a:spLocks noGrp="1"/>
-          </p:cNvSpPr>
-          <p:nvPr>
-            <p:ph type="body"/>
-          </p:nvPr>
-        </p:nvSpPr>
-        <p:spPr>
-          <a:xfrm>
-            <a:off x="756000" y="5078520"/>
-            <a:ext cx="6045840" cy="4809600"/>
-          </a:xfrm>
-          <a:prstGeom prst="rect">
-            <a:avLst/>
-          </a:prstGeom>
-        </p:spPr>
-        <p:txBody>
-          <a:bodyPr lIns="0" rIns="0" tIns="91440" bIns="91440"/>
-          <a:p>
-            <a:endParaRPr b="0" lang="en-US" sz="2000" spc="-1" strike="noStrike">
-              <a:solidFill>
-                <a:srgbClr val="000000"/>
-              </a:solidFill>
-              <a:uFill>
-                <a:solidFill>
-                  <a:srgbClr val="ffffff"/>
-                </a:solidFill>
-              </a:uFill>
-              <a:latin typeface="Arial"/>
-            </a:endParaRPr>
-          </a:p>
-        </p:txBody>
-      </p:sp>
-    </p:spTree>
-  </p:cSld>
-</p:notes>
-</file>
-
-<file path=ppt/notesSlides/notesSlide31.xml><?xml version="1.0" encoding="utf-8"?>
-<p:notes xmlns:a="http://schemas.openxmlformats.org/drawingml/2006/main" xmlns:p="http://schemas.openxmlformats.org/presentationml/2006/main" xmlns:r="http://schemas.openxmlformats.org/officeDocument/2006/relationships" xmlns:p14="http://schemas.microsoft.com/office/powerpoint/2010/main" xmlns:p15="http://schemas.microsoft.com/office/powerpoint/2012/main" xmlns:mc="http://schemas.openxmlformats.org/markup-compatibility/2006">
-  <p:cSld>
-    <p:spTree>
-      <p:nvGrpSpPr>
-        <p:cNvPr id="1" name=""/>
-        <p:cNvGrpSpPr/>
-        <p:nvPr/>
-      </p:nvGrpSpPr>
-      <p:grpSpPr>
-        <a:xfrm>
-          <a:off x="0" y="0"/>
-          <a:ext cx="0" cy="0"/>
-          <a:chOff x="0" y="0"/>
-          <a:chExt cx="0" cy="0"/>
-        </a:xfrm>
-      </p:grpSpPr>
-      <p:sp>
-        <p:nvSpPr>
-          <p:cNvPr id="184" name="CustomShape 1"/>
-          <p:cNvSpPr/>
-          <p:nvPr/>
-        </p:nvSpPr>
-        <p:spPr>
-          <a:xfrm>
-            <a:off x="755640" y="5078520"/>
-            <a:ext cx="6045480" cy="4808880"/>
-          </a:xfrm>
-          <a:custGeom>
-            <a:avLst/>
-            <a:gdLst/>
-            <a:ahLst/>
-            <a:rect l="l" t="t" r="r" b="b"/>
-            <a:pathLst>
-              <a:path w="21600" h="21600">
-                <a:moveTo>
-                  <a:pt x="0" y="0"/>
-                </a:moveTo>
-                <a:lnTo>
-                  <a:pt x="21600" y="0"/>
-                </a:lnTo>
-                <a:lnTo>
-                  <a:pt x="21600" y="21600"/>
-                </a:lnTo>
-                <a:lnTo>
-                  <a:pt x="0" y="21600"/>
-                </a:lnTo>
-                <a:lnTo>
-                  <a:pt x="0" y="0"/>
-                </a:lnTo>
-                <a:close/>
-              </a:path>
-            </a:pathLst>
-          </a:custGeom>
-          <a:noFill/>
-          <a:ln>
-            <a:noFill/>
-          </a:ln>
-        </p:spPr>
-        <p:style>
-          <a:lnRef idx="0"/>
-          <a:fillRef idx="0"/>
-          <a:effectRef idx="0"/>
-          <a:fontRef idx="minor"/>
-        </p:style>
-      </p:sp>
-      <p:sp>
-        <p:nvSpPr>
-          <p:cNvPr id="185" name="PlaceHolder 2"/>
-          <p:cNvSpPr>
-            <a:spLocks noGrp="1"/>
-          </p:cNvSpPr>
-          <p:nvPr>
-            <p:ph type="body"/>
-          </p:nvPr>
-        </p:nvSpPr>
-        <p:spPr>
-          <a:xfrm>
-            <a:off x="756000" y="5078520"/>
-            <a:ext cx="6045840" cy="4809600"/>
-          </a:xfrm>
-          <a:prstGeom prst="rect">
-            <a:avLst/>
-          </a:prstGeom>
-        </p:spPr>
-        <p:txBody>
-          <a:bodyPr lIns="0" rIns="0" tIns="91440" bIns="91440"/>
-          <a:p>
-            <a:endParaRPr b="0" lang="en-US" sz="2000" spc="-1" strike="noStrike">
-              <a:solidFill>
-                <a:srgbClr val="000000"/>
-              </a:solidFill>
-              <a:uFill>
-                <a:solidFill>
-                  <a:srgbClr val="ffffff"/>
-                </a:solidFill>
-              </a:uFill>
-              <a:latin typeface="Arial"/>
-            </a:endParaRPr>
-          </a:p>
-        </p:txBody>
-      </p:sp>
-    </p:spTree>
-  </p:cSld>
-</p:notes>
-</file>
-
-<file path=ppt/notesSlides/notesSlide32.xml><?xml version="1.0" encoding="utf-8"?>
-<p:notes xmlns:a="http://schemas.openxmlformats.org/drawingml/2006/main" xmlns:p="http://schemas.openxmlformats.org/presentationml/2006/main" xmlns:r="http://schemas.openxmlformats.org/officeDocument/2006/relationships" xmlns:p14="http://schemas.microsoft.com/office/powerpoint/2010/main" xmlns:p15="http://schemas.microsoft.com/office/powerpoint/2012/main" xmlns:mc="http://schemas.openxmlformats.org/markup-compatibility/2006">
-  <p:cSld>
-    <p:spTree>
-      <p:nvGrpSpPr>
-        <p:cNvPr id="1" name=""/>
-        <p:cNvGrpSpPr/>
-        <p:nvPr/>
-      </p:nvGrpSpPr>
-      <p:grpSpPr>
-        <a:xfrm>
-          <a:off x="0" y="0"/>
-          <a:ext cx="0" cy="0"/>
-          <a:chOff x="0" y="0"/>
-          <a:chExt cx="0" cy="0"/>
-        </a:xfrm>
-      </p:grpSpPr>
-      <p:sp>
-        <p:nvSpPr>
-          <p:cNvPr id="186" name="CustomShape 1"/>
-          <p:cNvSpPr/>
-          <p:nvPr/>
-        </p:nvSpPr>
-        <p:spPr>
-          <a:xfrm>
-            <a:off x="755640" y="5078520"/>
-            <a:ext cx="6045480" cy="4808880"/>
-          </a:xfrm>
-          <a:custGeom>
-            <a:avLst/>
-            <a:gdLst/>
-            <a:ahLst/>
-            <a:rect l="l" t="t" r="r" b="b"/>
-            <a:pathLst>
-              <a:path w="21600" h="21600">
-                <a:moveTo>
-                  <a:pt x="0" y="0"/>
-                </a:moveTo>
-                <a:lnTo>
-                  <a:pt x="21600" y="0"/>
-                </a:lnTo>
-                <a:lnTo>
-                  <a:pt x="21600" y="21600"/>
-                </a:lnTo>
-                <a:lnTo>
-                  <a:pt x="0" y="21600"/>
-                </a:lnTo>
-                <a:lnTo>
-                  <a:pt x="0" y="0"/>
-                </a:lnTo>
-                <a:close/>
-              </a:path>
-            </a:pathLst>
-          </a:custGeom>
-          <a:noFill/>
-          <a:ln>
-            <a:noFill/>
-          </a:ln>
-        </p:spPr>
-        <p:style>
-          <a:lnRef idx="0"/>
-          <a:fillRef idx="0"/>
-          <a:effectRef idx="0"/>
-          <a:fontRef idx="minor"/>
-        </p:style>
-      </p:sp>
-      <p:sp>
-        <p:nvSpPr>
-          <p:cNvPr id="187" name="PlaceHolder 2"/>
-          <p:cNvSpPr>
-            <a:spLocks noGrp="1"/>
-          </p:cNvSpPr>
-          <p:nvPr>
-            <p:ph type="body"/>
-          </p:nvPr>
-        </p:nvSpPr>
-        <p:spPr>
-          <a:xfrm>
-            <a:off x="756000" y="5078520"/>
-            <a:ext cx="6045840" cy="4809600"/>
-          </a:xfrm>
-          <a:prstGeom prst="rect">
-            <a:avLst/>
-          </a:prstGeom>
-        </p:spPr>
-        <p:txBody>
-          <a:bodyPr lIns="0" rIns="0" tIns="91440" bIns="91440"/>
-          <a:p>
-            <a:endParaRPr b="0" lang="en-US" sz="2000" spc="-1" strike="noStrike">
-              <a:solidFill>
-                <a:srgbClr val="000000"/>
-              </a:solidFill>
-              <a:uFill>
-                <a:solidFill>
-                  <a:srgbClr val="ffffff"/>
-                </a:solidFill>
-              </a:uFill>
-              <a:latin typeface="Arial"/>
-            </a:endParaRPr>
-          </a:p>
-        </p:txBody>
-      </p:sp>
-    </p:spTree>
-  </p:cSld>
-</p:notes>
-</file>
-
-<file path=ppt/notesSlides/notesSlide33.xml><?xml version="1.0" encoding="utf-8"?>
-<p:notes xmlns:a="http://schemas.openxmlformats.org/drawingml/2006/main" xmlns:p="http://schemas.openxmlformats.org/presentationml/2006/main" xmlns:r="http://schemas.openxmlformats.org/officeDocument/2006/relationships" xmlns:p14="http://schemas.microsoft.com/office/powerpoint/2010/main" xmlns:p15="http://schemas.microsoft.com/office/powerpoint/2012/main" xmlns:mc="http://schemas.openxmlformats.org/markup-compatibility/2006">
-  <p:cSld>
-    <p:spTree>
-      <p:nvGrpSpPr>
-        <p:cNvPr id="1" name=""/>
-        <p:cNvGrpSpPr/>
-        <p:nvPr/>
-      </p:nvGrpSpPr>
-      <p:grpSpPr>
-        <a:xfrm>
-          <a:off x="0" y="0"/>
-          <a:ext cx="0" cy="0"/>
-          <a:chOff x="0" y="0"/>
-          <a:chExt cx="0" cy="0"/>
-        </a:xfrm>
-      </p:grpSpPr>
-      <p:sp>
-        <p:nvSpPr>
-          <p:cNvPr id="188" name="CustomShape 1"/>
-          <p:cNvSpPr/>
-          <p:nvPr/>
-        </p:nvSpPr>
-        <p:spPr>
-          <a:xfrm>
-            <a:off x="755640" y="5078520"/>
-            <a:ext cx="6045480" cy="4808880"/>
-          </a:xfrm>
-          <a:custGeom>
-            <a:avLst/>
-            <a:gdLst/>
-            <a:ahLst/>
-            <a:rect l="l" t="t" r="r" b="b"/>
-            <a:pathLst>
-              <a:path w="21600" h="21600">
-                <a:moveTo>
-                  <a:pt x="0" y="0"/>
-                </a:moveTo>
-                <a:lnTo>
-                  <a:pt x="21600" y="0"/>
-                </a:lnTo>
-                <a:lnTo>
-                  <a:pt x="21600" y="21600"/>
-                </a:lnTo>
-                <a:lnTo>
-                  <a:pt x="0" y="21600"/>
-                </a:lnTo>
-                <a:lnTo>
-                  <a:pt x="0" y="0"/>
-                </a:lnTo>
-                <a:close/>
-              </a:path>
-            </a:pathLst>
-          </a:custGeom>
-          <a:noFill/>
-          <a:ln>
-            <a:noFill/>
-          </a:ln>
-        </p:spPr>
-        <p:style>
-          <a:lnRef idx="0"/>
-          <a:fillRef idx="0"/>
-          <a:effectRef idx="0"/>
-          <a:fontRef idx="minor"/>
-        </p:style>
-      </p:sp>
-      <p:sp>
-        <p:nvSpPr>
-          <p:cNvPr id="189" name="PlaceHolder 2"/>
-          <p:cNvSpPr>
-            <a:spLocks noGrp="1"/>
-          </p:cNvSpPr>
-          <p:nvPr>
-            <p:ph type="body"/>
-          </p:nvPr>
-        </p:nvSpPr>
-        <p:spPr>
-          <a:xfrm>
-            <a:off x="756000" y="5078520"/>
-            <a:ext cx="6045840" cy="4809600"/>
-          </a:xfrm>
-          <a:prstGeom prst="rect">
-            <a:avLst/>
-          </a:prstGeom>
-        </p:spPr>
-        <p:txBody>
-          <a:bodyPr lIns="0" rIns="0" tIns="91440" bIns="91440"/>
-          <a:p>
-            <a:endParaRPr b="0" lang="en-US" sz="2000" spc="-1" strike="noStrike">
-              <a:solidFill>
-                <a:srgbClr val="000000"/>
-              </a:solidFill>
-              <a:uFill>
-                <a:solidFill>
-                  <a:srgbClr val="ffffff"/>
-                </a:solidFill>
-              </a:uFill>
-              <a:latin typeface="Arial"/>
-            </a:endParaRPr>
-          </a:p>
-        </p:txBody>
-      </p:sp>
-    </p:spTree>
-  </p:cSld>
-</p:notes>
-</file>
-
-<file path=ppt/notesSlides/notesSlide34.xml><?xml version="1.0" encoding="utf-8"?>
-<p:notes xmlns:a="http://schemas.openxmlformats.org/drawingml/2006/main" xmlns:p="http://schemas.openxmlformats.org/presentationml/2006/main" xmlns:r="http://schemas.openxmlformats.org/officeDocument/2006/relationships" xmlns:p14="http://schemas.microsoft.com/office/powerpoint/2010/main" xmlns:p15="http://schemas.microsoft.com/office/powerpoint/2012/main" xmlns:mc="http://schemas.openxmlformats.org/markup-compatibility/2006">
-  <p:cSld>
-    <p:spTree>
-      <p:nvGrpSpPr>
-        <p:cNvPr id="1" name=""/>
-        <p:cNvGrpSpPr/>
-        <p:nvPr/>
-      </p:nvGrpSpPr>
-      <p:grpSpPr>
-        <a:xfrm>
-          <a:off x="0" y="0"/>
-          <a:ext cx="0" cy="0"/>
-          <a:chOff x="0" y="0"/>
-          <a:chExt cx="0" cy="0"/>
-        </a:xfrm>
-      </p:grpSpPr>
-      <p:sp>
-        <p:nvSpPr>
-          <p:cNvPr id="190" name="CustomShape 1"/>
-          <p:cNvSpPr/>
-          <p:nvPr/>
-        </p:nvSpPr>
-        <p:spPr>
-          <a:xfrm>
-            <a:off x="755640" y="5078520"/>
-            <a:ext cx="6045480" cy="4808880"/>
-          </a:xfrm>
-          <a:custGeom>
-            <a:avLst/>
-            <a:gdLst/>
-            <a:ahLst/>
-            <a:rect l="l" t="t" r="r" b="b"/>
-            <a:pathLst>
-              <a:path w="21600" h="21600">
-                <a:moveTo>
-                  <a:pt x="0" y="0"/>
-                </a:moveTo>
-                <a:lnTo>
-                  <a:pt x="21600" y="0"/>
-                </a:lnTo>
-                <a:lnTo>
-                  <a:pt x="21600" y="21600"/>
-                </a:lnTo>
-                <a:lnTo>
-                  <a:pt x="0" y="21600"/>
-                </a:lnTo>
-                <a:lnTo>
-                  <a:pt x="0" y="0"/>
-                </a:lnTo>
-                <a:close/>
-              </a:path>
-            </a:pathLst>
-          </a:custGeom>
-          <a:noFill/>
-          <a:ln>
-            <a:noFill/>
-          </a:ln>
-        </p:spPr>
-        <p:style>
-          <a:lnRef idx="0"/>
-          <a:fillRef idx="0"/>
-          <a:effectRef idx="0"/>
-          <a:fontRef idx="minor"/>
-        </p:style>
-      </p:sp>
-      <p:sp>
-        <p:nvSpPr>
-          <p:cNvPr id="191" name="PlaceHolder 2"/>
-          <p:cNvSpPr>
-            <a:spLocks noGrp="1"/>
-          </p:cNvSpPr>
-          <p:nvPr>
-            <p:ph type="body"/>
-          </p:nvPr>
-        </p:nvSpPr>
-        <p:spPr>
-          <a:xfrm>
-            <a:off x="756000" y="5078520"/>
-            <a:ext cx="6045840" cy="4809600"/>
-          </a:xfrm>
-          <a:prstGeom prst="rect">
-            <a:avLst/>
-          </a:prstGeom>
-        </p:spPr>
-        <p:txBody>
-          <a:bodyPr lIns="0" rIns="0" tIns="91440" bIns="91440"/>
-          <a:p>
-            <a:endParaRPr b="0" lang="en-US" sz="2000" spc="-1" strike="noStrike">
-              <a:solidFill>
-                <a:srgbClr val="000000"/>
-              </a:solidFill>
-              <a:uFill>
-                <a:solidFill>
-                  <a:srgbClr val="ffffff"/>
-                </a:solidFill>
-              </a:uFill>
-              <a:latin typeface="Arial"/>
-            </a:endParaRPr>
-          </a:p>
-        </p:txBody>
-      </p:sp>
-    </p:spTree>
-  </p:cSld>
-</p:notes>
-</file>
-
-<file path=ppt/notesSlides/notesSlide35.xml><?xml version="1.0" encoding="utf-8"?>
-<p:notes xmlns:a="http://schemas.openxmlformats.org/drawingml/2006/main" xmlns:p="http://schemas.openxmlformats.org/presentationml/2006/main" xmlns:r="http://schemas.openxmlformats.org/officeDocument/2006/relationships" xmlns:p14="http://schemas.microsoft.com/office/powerpoint/2010/main" xmlns:p15="http://schemas.microsoft.com/office/powerpoint/2012/main" xmlns:mc="http://schemas.openxmlformats.org/markup-compatibility/2006">
-  <p:cSld>
-    <p:spTree>
-      <p:nvGrpSpPr>
-        <p:cNvPr id="1" name=""/>
-        <p:cNvGrpSpPr/>
-        <p:nvPr/>
-      </p:nvGrpSpPr>
-      <p:grpSpPr>
-        <a:xfrm>
-          <a:off x="0" y="0"/>
-          <a:ext cx="0" cy="0"/>
-          <a:chOff x="0" y="0"/>
-          <a:chExt cx="0" cy="0"/>
-        </a:xfrm>
-      </p:grpSpPr>
-      <p:sp>
-        <p:nvSpPr>
-          <p:cNvPr id="192" name="CustomShape 1"/>
-          <p:cNvSpPr/>
-          <p:nvPr/>
-        </p:nvSpPr>
-        <p:spPr>
-          <a:xfrm>
-            <a:off x="755640" y="5078520"/>
-            <a:ext cx="6045480" cy="4808880"/>
-          </a:xfrm>
-          <a:custGeom>
-            <a:avLst/>
-            <a:gdLst/>
-            <a:ahLst/>
-            <a:rect l="l" t="t" r="r" b="b"/>
-            <a:pathLst>
-              <a:path w="21600" h="21600">
-                <a:moveTo>
-                  <a:pt x="0" y="0"/>
-                </a:moveTo>
-                <a:lnTo>
-                  <a:pt x="21600" y="0"/>
-                </a:lnTo>
-                <a:lnTo>
-                  <a:pt x="21600" y="21600"/>
-                </a:lnTo>
-                <a:lnTo>
-                  <a:pt x="0" y="21600"/>
-                </a:lnTo>
-                <a:lnTo>
-                  <a:pt x="0" y="0"/>
-                </a:lnTo>
-                <a:close/>
-              </a:path>
-            </a:pathLst>
-          </a:custGeom>
-          <a:noFill/>
-          <a:ln>
-            <a:noFill/>
-          </a:ln>
-        </p:spPr>
-        <p:style>
-          <a:lnRef idx="0"/>
-          <a:fillRef idx="0"/>
-          <a:effectRef idx="0"/>
-          <a:fontRef idx="minor"/>
-        </p:style>
-      </p:sp>
-      <p:sp>
-        <p:nvSpPr>
-          <p:cNvPr id="193" name="PlaceHolder 2"/>
-          <p:cNvSpPr>
-            <a:spLocks noGrp="1"/>
-          </p:cNvSpPr>
-          <p:nvPr>
-            <p:ph type="body"/>
-          </p:nvPr>
-        </p:nvSpPr>
-        <p:spPr>
-          <a:xfrm>
-            <a:off x="756000" y="5078520"/>
-            <a:ext cx="6045840" cy="4809600"/>
-          </a:xfrm>
-          <a:prstGeom prst="rect">
-            <a:avLst/>
-          </a:prstGeom>
-        </p:spPr>
-        <p:txBody>
-          <a:bodyPr lIns="0" rIns="0" tIns="91440" bIns="91440"/>
-          <a:p>
-            <a:endParaRPr b="0" lang="en-US" sz="2000" spc="-1" strike="noStrike">
-              <a:solidFill>
-                <a:srgbClr val="000000"/>
-              </a:solidFill>
-              <a:uFill>
-                <a:solidFill>
-                  <a:srgbClr val="ffffff"/>
-                </a:solidFill>
-              </a:uFill>
-              <a:latin typeface="Arial"/>
-            </a:endParaRPr>
-          </a:p>
-        </p:txBody>
-      </p:sp>
-    </p:spTree>
-  </p:cSld>
-</p:notes>
-</file>
-
-<file path=ppt/notesSlides/notesSlide36.xml><?xml version="1.0" encoding="utf-8"?>
-<p:notes xmlns:a="http://schemas.openxmlformats.org/drawingml/2006/main" xmlns:p="http://schemas.openxmlformats.org/presentationml/2006/main" xmlns:r="http://schemas.openxmlformats.org/officeDocument/2006/relationships" xmlns:p14="http://schemas.microsoft.com/office/powerpoint/2010/main" xmlns:p15="http://schemas.microsoft.com/office/powerpoint/2012/main" xmlns:mc="http://schemas.openxmlformats.org/markup-compatibility/2006">
-  <p:cSld>
-    <p:spTree>
-      <p:nvGrpSpPr>
-        <p:cNvPr id="1" name=""/>
-        <p:cNvGrpSpPr/>
-        <p:nvPr/>
-      </p:nvGrpSpPr>
-      <p:grpSpPr>
-        <a:xfrm>
-          <a:off x="0" y="0"/>
-          <a:ext cx="0" cy="0"/>
-          <a:chOff x="0" y="0"/>
-          <a:chExt cx="0" cy="0"/>
-        </a:xfrm>
-      </p:grpSpPr>
-      <p:sp>
-        <p:nvSpPr>
-          <p:cNvPr id="194" name="CustomShape 1"/>
-          <p:cNvSpPr/>
-          <p:nvPr/>
-        </p:nvSpPr>
-        <p:spPr>
-          <a:xfrm>
-            <a:off x="755640" y="5078520"/>
-            <a:ext cx="6045480" cy="4808880"/>
-          </a:xfrm>
-          <a:custGeom>
-            <a:avLst/>
-            <a:gdLst/>
-            <a:ahLst/>
-            <a:rect l="l" t="t" r="r" b="b"/>
-            <a:pathLst>
-              <a:path w="21600" h="21600">
-                <a:moveTo>
-                  <a:pt x="0" y="0"/>
-                </a:moveTo>
-                <a:lnTo>
-                  <a:pt x="21600" y="0"/>
-                </a:lnTo>
-                <a:lnTo>
-                  <a:pt x="21600" y="21600"/>
-                </a:lnTo>
-                <a:lnTo>
-                  <a:pt x="0" y="21600"/>
-                </a:lnTo>
-                <a:lnTo>
-                  <a:pt x="0" y="0"/>
-                </a:lnTo>
-                <a:close/>
-              </a:path>
-            </a:pathLst>
-          </a:custGeom>
-          <a:noFill/>
-          <a:ln>
-            <a:noFill/>
-          </a:ln>
-        </p:spPr>
-        <p:style>
-          <a:lnRef idx="0"/>
-          <a:fillRef idx="0"/>
-          <a:effectRef idx="0"/>
-          <a:fontRef idx="minor"/>
-        </p:style>
-      </p:sp>
-      <p:sp>
-        <p:nvSpPr>
-          <p:cNvPr id="195" name="PlaceHolder 2"/>
-          <p:cNvSpPr>
-            <a:spLocks noGrp="1"/>
-          </p:cNvSpPr>
-          <p:nvPr>
-            <p:ph type="body"/>
-          </p:nvPr>
-        </p:nvSpPr>
-        <p:spPr>
-          <a:xfrm>
-            <a:off x="756000" y="5078520"/>
-            <a:ext cx="6045840" cy="4809600"/>
-          </a:xfrm>
-          <a:prstGeom prst="rect">
-            <a:avLst/>
-          </a:prstGeom>
-        </p:spPr>
-        <p:txBody>
-          <a:bodyPr lIns="0" rIns="0" tIns="91440" bIns="91440"/>
-          <a:p>
-            <a:endParaRPr b="0" lang="en-US" sz="2000" spc="-1" strike="noStrike">
-              <a:solidFill>
-                <a:srgbClr val="000000"/>
-              </a:solidFill>
-              <a:uFill>
-                <a:solidFill>
-                  <a:srgbClr val="ffffff"/>
-                </a:solidFill>
-              </a:uFill>
-              <a:latin typeface="Arial"/>
-            </a:endParaRPr>
-          </a:p>
-        </p:txBody>
-      </p:sp>
-    </p:spTree>
-  </p:cSld>
-</p:notes>
-</file>
-
-<file path=ppt/notesSlides/notesSlide37.xml><?xml version="1.0" encoding="utf-8"?>
-<p:notes xmlns:a="http://schemas.openxmlformats.org/drawingml/2006/main" xmlns:p="http://schemas.openxmlformats.org/presentationml/2006/main" xmlns:r="http://schemas.openxmlformats.org/officeDocument/2006/relationships" xmlns:p14="http://schemas.microsoft.com/office/powerpoint/2010/main" xmlns:p15="http://schemas.microsoft.com/office/powerpoint/2012/main" xmlns:mc="http://schemas.openxmlformats.org/markup-compatibility/2006">
-  <p:cSld>
-    <p:spTree>
-      <p:nvGrpSpPr>
-        <p:cNvPr id="1" name=""/>
-        <p:cNvGrpSpPr/>
-        <p:nvPr/>
-      </p:nvGrpSpPr>
-      <p:grpSpPr>
-        <a:xfrm>
-          <a:off x="0" y="0"/>
-          <a:ext cx="0" cy="0"/>
-          <a:chOff x="0" y="0"/>
-          <a:chExt cx="0" cy="0"/>
-        </a:xfrm>
-      </p:grpSpPr>
-      <p:sp>
-        <p:nvSpPr>
-          <p:cNvPr id="196" name="CustomShape 1"/>
-          <p:cNvSpPr/>
-          <p:nvPr/>
-        </p:nvSpPr>
-        <p:spPr>
-          <a:xfrm>
-            <a:off x="755640" y="5078520"/>
-            <a:ext cx="6045480" cy="4808880"/>
-          </a:xfrm>
-          <a:custGeom>
-            <a:avLst/>
-            <a:gdLst/>
-            <a:ahLst/>
-            <a:rect l="l" t="t" r="r" b="b"/>
-            <a:pathLst>
-              <a:path w="21600" h="21600">
-                <a:moveTo>
-                  <a:pt x="0" y="0"/>
-                </a:moveTo>
-                <a:lnTo>
-                  <a:pt x="21600" y="0"/>
-                </a:lnTo>
-                <a:lnTo>
-                  <a:pt x="21600" y="21600"/>
-                </a:lnTo>
-                <a:lnTo>
-                  <a:pt x="0" y="21600"/>
-                </a:lnTo>
-                <a:lnTo>
-                  <a:pt x="0" y="0"/>
-                </a:lnTo>
-                <a:close/>
-              </a:path>
-            </a:pathLst>
-          </a:custGeom>
-          <a:noFill/>
-          <a:ln>
-            <a:noFill/>
-          </a:ln>
-        </p:spPr>
-        <p:style>
-          <a:lnRef idx="0"/>
-          <a:fillRef idx="0"/>
-          <a:effectRef idx="0"/>
-          <a:fontRef idx="minor"/>
-        </p:style>
-      </p:sp>
-      <p:sp>
-        <p:nvSpPr>
-          <p:cNvPr id="197" name="PlaceHolder 2"/>
-          <p:cNvSpPr>
-            <a:spLocks noGrp="1"/>
-          </p:cNvSpPr>
-          <p:nvPr>
-            <p:ph type="body"/>
-          </p:nvPr>
-        </p:nvSpPr>
-        <p:spPr>
-          <a:xfrm>
-            <a:off x="756000" y="5078520"/>
-            <a:ext cx="6045840" cy="4809600"/>
-          </a:xfrm>
-          <a:prstGeom prst="rect">
-            <a:avLst/>
-          </a:prstGeom>
-        </p:spPr>
-        <p:txBody>
-          <a:bodyPr lIns="0" rIns="0" tIns="91440" bIns="91440"/>
-          <a:p>
-            <a:endParaRPr b="0" lang="en-US" sz="2000" spc="-1" strike="noStrike">
-              <a:solidFill>
-                <a:srgbClr val="000000"/>
-              </a:solidFill>
-              <a:uFill>
-                <a:solidFill>
-                  <a:srgbClr val="ffffff"/>
-                </a:solidFill>
-              </a:uFill>
-              <a:latin typeface="Arial"/>
-            </a:endParaRPr>
-          </a:p>
-        </p:txBody>
-      </p:sp>
-    </p:spTree>
-  </p:cSld>
-</p:notes>
-</file>
-
-<file path=ppt/notesSlides/notesSlide38.xml><?xml version="1.0" encoding="utf-8"?>
-<p:notes xmlns:a="http://schemas.openxmlformats.org/drawingml/2006/main" xmlns:p="http://schemas.openxmlformats.org/presentationml/2006/main" xmlns:r="http://schemas.openxmlformats.org/officeDocument/2006/relationships" xmlns:p14="http://schemas.microsoft.com/office/powerpoint/2010/main" xmlns:p15="http://schemas.microsoft.com/office/powerpoint/2012/main" xmlns:mc="http://schemas.openxmlformats.org/markup-compatibility/2006">
-  <p:cSld>
-    <p:spTree>
-      <p:nvGrpSpPr>
-        <p:cNvPr id="1" name=""/>
-        <p:cNvGrpSpPr/>
-        <p:nvPr/>
-      </p:nvGrpSpPr>
-      <p:grpSpPr>
-        <a:xfrm>
-          <a:off x="0" y="0"/>
-          <a:ext cx="0" cy="0"/>
-          <a:chOff x="0" y="0"/>
-          <a:chExt cx="0" cy="0"/>
-        </a:xfrm>
-      </p:grpSpPr>
-      <p:sp>
-        <p:nvSpPr>
-          <p:cNvPr id="198" name="CustomShape 1"/>
-          <p:cNvSpPr/>
-          <p:nvPr/>
-        </p:nvSpPr>
-        <p:spPr>
-          <a:xfrm>
-            <a:off x="755640" y="5078520"/>
-            <a:ext cx="6045480" cy="4808880"/>
-          </a:xfrm>
-          <a:custGeom>
-            <a:avLst/>
-            <a:gdLst/>
-            <a:ahLst/>
-            <a:rect l="l" t="t" r="r" b="b"/>
-            <a:pathLst>
-              <a:path w="21600" h="21600">
-                <a:moveTo>
-                  <a:pt x="0" y="0"/>
-                </a:moveTo>
-                <a:lnTo>
-                  <a:pt x="21600" y="0"/>
-                </a:lnTo>
-                <a:lnTo>
-                  <a:pt x="21600" y="21600"/>
-                </a:lnTo>
-                <a:lnTo>
-                  <a:pt x="0" y="21600"/>
-                </a:lnTo>
-                <a:lnTo>
-                  <a:pt x="0" y="0"/>
-                </a:lnTo>
-                <a:close/>
-              </a:path>
-            </a:pathLst>
-          </a:custGeom>
-          <a:noFill/>
-          <a:ln>
-            <a:noFill/>
-          </a:ln>
-        </p:spPr>
-        <p:style>
-          <a:lnRef idx="0"/>
-          <a:fillRef idx="0"/>
-          <a:effectRef idx="0"/>
-          <a:fontRef idx="minor"/>
-        </p:style>
-      </p:sp>
-      <p:sp>
-        <p:nvSpPr>
-          <p:cNvPr id="199" name="PlaceHolder 2"/>
-          <p:cNvSpPr>
-            <a:spLocks noGrp="1"/>
-          </p:cNvSpPr>
-          <p:nvPr>
-            <p:ph type="body"/>
-          </p:nvPr>
-        </p:nvSpPr>
-        <p:spPr>
-          <a:xfrm>
-            <a:off x="756000" y="5078520"/>
-            <a:ext cx="6045840" cy="4809600"/>
-          </a:xfrm>
-          <a:prstGeom prst="rect">
-            <a:avLst/>
-          </a:prstGeom>
-        </p:spPr>
-        <p:txBody>
-          <a:bodyPr lIns="0" rIns="0" tIns="91440" bIns="91440"/>
-          <a:p>
-            <a:endParaRPr b="0" lang="en-US" sz="2000" spc="-1" strike="noStrike">
-              <a:solidFill>
-                <a:srgbClr val="000000"/>
-              </a:solidFill>
-              <a:uFill>
-                <a:solidFill>
-                  <a:srgbClr val="ffffff"/>
-                </a:solidFill>
-              </a:uFill>
-              <a:latin typeface="Arial"/>
-            </a:endParaRPr>
-          </a:p>
-        </p:txBody>
-      </p:sp>
-    </p:spTree>
-  </p:cSld>
-</p:notes>
-</file>
-
-<file path=ppt/notesSlides/notesSlide39.xml><?xml version="1.0" encoding="utf-8"?>
-<p:notes xmlns:a="http://schemas.openxmlformats.org/drawingml/2006/main" xmlns:p="http://schemas.openxmlformats.org/presentationml/2006/main" xmlns:r="http://schemas.openxmlformats.org/officeDocument/2006/relationships" xmlns:p14="http://schemas.microsoft.com/office/powerpoint/2010/main" xmlns:p15="http://schemas.microsoft.com/office/powerpoint/2012/main" xmlns:mc="http://schemas.openxmlformats.org/markup-compatibility/2006">
-  <p:cSld>
-    <p:spTree>
-      <p:nvGrpSpPr>
-        <p:cNvPr id="1" name=""/>
-        <p:cNvGrpSpPr/>
-        <p:nvPr/>
-      </p:nvGrpSpPr>
-      <p:grpSpPr>
-        <a:xfrm>
-          <a:off x="0" y="0"/>
-          <a:ext cx="0" cy="0"/>
-          <a:chOff x="0" y="0"/>
-          <a:chExt cx="0" cy="0"/>
-        </a:xfrm>
-      </p:grpSpPr>
-      <p:sp>
-        <p:nvSpPr>
-          <p:cNvPr id="200" name="CustomShape 1"/>
-          <p:cNvSpPr/>
-          <p:nvPr/>
-        </p:nvSpPr>
-        <p:spPr>
-          <a:xfrm>
-            <a:off x="755640" y="5078520"/>
-            <a:ext cx="6045480" cy="4808880"/>
-          </a:xfrm>
-          <a:custGeom>
-            <a:avLst/>
-            <a:gdLst/>
-            <a:ahLst/>
-            <a:rect l="l" t="t" r="r" b="b"/>
-            <a:pathLst>
-              <a:path w="21600" h="21600">
-                <a:moveTo>
-                  <a:pt x="0" y="0"/>
-                </a:moveTo>
-                <a:lnTo>
-                  <a:pt x="21600" y="0"/>
-                </a:lnTo>
-                <a:lnTo>
-                  <a:pt x="21600" y="21600"/>
-                </a:lnTo>
-                <a:lnTo>
-                  <a:pt x="0" y="21600"/>
-                </a:lnTo>
-                <a:lnTo>
-                  <a:pt x="0" y="0"/>
-                </a:lnTo>
-                <a:close/>
-              </a:path>
-            </a:pathLst>
-          </a:custGeom>
-          <a:noFill/>
-          <a:ln>
-            <a:noFill/>
-          </a:ln>
-        </p:spPr>
-        <p:style>
-          <a:lnRef idx="0"/>
-          <a:fillRef idx="0"/>
-          <a:effectRef idx="0"/>
-          <a:fontRef idx="minor"/>
-        </p:style>
-      </p:sp>
-      <p:sp>
-        <p:nvSpPr>
-          <p:cNvPr id="201" name="PlaceHolder 2"/>
-          <p:cNvSpPr>
-            <a:spLocks noGrp="1"/>
-          </p:cNvSpPr>
-          <p:nvPr>
-            <p:ph type="body"/>
-          </p:nvPr>
-        </p:nvSpPr>
-        <p:spPr>
-          <a:xfrm>
-            <a:off x="756000" y="5078520"/>
-            <a:ext cx="6045840" cy="4809600"/>
-          </a:xfrm>
-          <a:prstGeom prst="rect">
-            <a:avLst/>
-          </a:prstGeom>
-        </p:spPr>
-        <p:txBody>
-          <a:bodyPr lIns="0" rIns="0" tIns="91440" bIns="91440"/>
-          <a:p>
-            <a:endParaRPr b="0" lang="en-US" sz="2000" spc="-1" strike="noStrike">
-              <a:solidFill>
-                <a:srgbClr val="000000"/>
-              </a:solidFill>
-              <a:uFill>
-                <a:solidFill>
-                  <a:srgbClr val="ffffff"/>
-                </a:solidFill>
-              </a:uFill>
-              <a:latin typeface="Arial"/>
-            </a:endParaRPr>
-          </a:p>
-        </p:txBody>
-      </p:sp>
-    </p:spTree>
-  </p:cSld>
-</p:notes>
-</file>
-
-<file path=ppt/notesSlides/notesSlide4.xml><?xml version="1.0" encoding="utf-8"?>
+<file path=ppt/notesSlides/notesSlide5.xml><?xml version="1.0" encoding="utf-8"?>
 <p:notes xmlns:a="http://schemas.openxmlformats.org/drawingml/2006/main" xmlns:p="http://schemas.openxmlformats.org/presentationml/2006/main" xmlns:r="http://schemas.openxmlformats.org/officeDocument/2006/relationships" xmlns:p14="http://schemas.microsoft.com/office/powerpoint/2010/main" xmlns:p15="http://schemas.microsoft.com/office/powerpoint/2012/main" xmlns:mc="http://schemas.openxmlformats.org/markup-compatibility/2006">
   <p:cSld>
     <p:spTree>
@@ -3966,7 +3965,7 @@
 </p:notes>
 </file>
 
-<file path=ppt/notesSlides/notesSlide5.xml><?xml version="1.0" encoding="utf-8"?>
+<file path=ppt/notesSlides/notesSlide6.xml><?xml version="1.0" encoding="utf-8"?>
 <p:notes xmlns:a="http://schemas.openxmlformats.org/drawingml/2006/main" xmlns:p="http://schemas.openxmlformats.org/presentationml/2006/main" xmlns:r="http://schemas.openxmlformats.org/officeDocument/2006/relationships" xmlns:p14="http://schemas.microsoft.com/office/powerpoint/2010/main" xmlns:p15="http://schemas.microsoft.com/office/powerpoint/2012/main" xmlns:mc="http://schemas.openxmlformats.org/markup-compatibility/2006">
   <p:cSld>
     <p:spTree>
@@ -4073,7 +4072,7 @@
 </p:notes>
 </file>
 
-<file path=ppt/notesSlides/notesSlide6.xml><?xml version="1.0" encoding="utf-8"?>
+<file path=ppt/notesSlides/notesSlide7.xml><?xml version="1.0" encoding="utf-8"?>
 <p:notes xmlns:a="http://schemas.openxmlformats.org/drawingml/2006/main" xmlns:p="http://schemas.openxmlformats.org/presentationml/2006/main" xmlns:r="http://schemas.openxmlformats.org/officeDocument/2006/relationships" xmlns:p14="http://schemas.microsoft.com/office/powerpoint/2010/main" xmlns:p15="http://schemas.microsoft.com/office/powerpoint/2012/main" xmlns:mc="http://schemas.openxmlformats.org/markup-compatibility/2006">
   <p:cSld>
     <p:spTree>
@@ -4180,7 +4179,7 @@
 </p:notes>
 </file>
 
-<file path=ppt/notesSlides/notesSlide7.xml><?xml version="1.0" encoding="utf-8"?>
+<file path=ppt/notesSlides/notesSlide8.xml><?xml version="1.0" encoding="utf-8"?>
 <p:notes xmlns:a="http://schemas.openxmlformats.org/drawingml/2006/main" xmlns:p="http://schemas.openxmlformats.org/presentationml/2006/main" xmlns:r="http://schemas.openxmlformats.org/officeDocument/2006/relationships" xmlns:p14="http://schemas.microsoft.com/office/powerpoint/2010/main" xmlns:p15="http://schemas.microsoft.com/office/powerpoint/2012/main" xmlns:mc="http://schemas.openxmlformats.org/markup-compatibility/2006">
   <p:cSld>
     <p:spTree>
@@ -4287,7 +4286,7 @@
 </p:notes>
 </file>
 
-<file path=ppt/notesSlides/notesSlide8.xml><?xml version="1.0" encoding="utf-8"?>
+<file path=ppt/notesSlides/notesSlide9.xml><?xml version="1.0" encoding="utf-8"?>
 <p:notes xmlns:a="http://schemas.openxmlformats.org/drawingml/2006/main" xmlns:p="http://schemas.openxmlformats.org/presentationml/2006/main" xmlns:r="http://schemas.openxmlformats.org/officeDocument/2006/relationships" xmlns:p14="http://schemas.microsoft.com/office/powerpoint/2010/main" xmlns:p15="http://schemas.microsoft.com/office/powerpoint/2012/main" xmlns:mc="http://schemas.openxmlformats.org/markup-compatibility/2006">
   <p:cSld>
     <p:spTree>
@@ -4356,113 +4355,6 @@
       <p:sp>
         <p:nvSpPr>
           <p:cNvPr id="139" name="PlaceHolder 2"/>
-          <p:cNvSpPr>
-            <a:spLocks noGrp="1"/>
-          </p:cNvSpPr>
-          <p:nvPr>
-            <p:ph type="body"/>
-          </p:nvPr>
-        </p:nvSpPr>
-        <p:spPr>
-          <a:xfrm>
-            <a:off x="756000" y="5078520"/>
-            <a:ext cx="6045840" cy="4809600"/>
-          </a:xfrm>
-          <a:prstGeom prst="rect">
-            <a:avLst/>
-          </a:prstGeom>
-        </p:spPr>
-        <p:txBody>
-          <a:bodyPr lIns="0" rIns="0" tIns="91440" bIns="91440"/>
-          <a:p>
-            <a:endParaRPr b="0" lang="en-US" sz="2000" spc="-1" strike="noStrike">
-              <a:solidFill>
-                <a:srgbClr val="000000"/>
-              </a:solidFill>
-              <a:uFill>
-                <a:solidFill>
-                  <a:srgbClr val="ffffff"/>
-                </a:solidFill>
-              </a:uFill>
-              <a:latin typeface="Arial"/>
-            </a:endParaRPr>
-          </a:p>
-        </p:txBody>
-      </p:sp>
-    </p:spTree>
-  </p:cSld>
-</p:notes>
-</file>
-
-<file path=ppt/notesSlides/notesSlide9.xml><?xml version="1.0" encoding="utf-8"?>
-<p:notes xmlns:a="http://schemas.openxmlformats.org/drawingml/2006/main" xmlns:p="http://schemas.openxmlformats.org/presentationml/2006/main" xmlns:r="http://schemas.openxmlformats.org/officeDocument/2006/relationships" xmlns:p14="http://schemas.microsoft.com/office/powerpoint/2010/main" xmlns:p15="http://schemas.microsoft.com/office/powerpoint/2012/main" xmlns:mc="http://schemas.openxmlformats.org/markup-compatibility/2006">
-  <p:cSld>
-    <p:spTree>
-      <p:nvGrpSpPr>
-        <p:cNvPr id="1" name=""/>
-        <p:cNvGrpSpPr/>
-        <p:nvPr/>
-      </p:nvGrpSpPr>
-      <p:grpSpPr>
-        <a:xfrm>
-          <a:off x="0" y="0"/>
-          <a:ext cx="0" cy="0"/>
-          <a:chOff x="0" y="0"/>
-          <a:chExt cx="0" cy="0"/>
-        </a:xfrm>
-      </p:grpSpPr>
-      <p:sp>
-        <p:nvSpPr>
-          <p:cNvPr id="140" name="CustomShape 1"/>
-          <p:cNvSpPr/>
-          <p:nvPr/>
-        </p:nvSpPr>
-        <p:spPr>
-          <a:xfrm>
-            <a:off x="755640" y="5078520"/>
-            <a:ext cx="6045480" cy="4808880"/>
-          </a:xfrm>
-          <a:custGeom>
-            <a:avLst/>
-            <a:gdLst/>
-            <a:ahLst/>
-            <a:rect l="l" t="t" r="r" b="b"/>
-            <a:pathLst>
-              <a:path w="21600" h="21600">
-                <a:moveTo>
-                  <a:pt x="0" y="0"/>
-                </a:moveTo>
-                <a:lnTo>
-                  <a:pt x="21600" y="0"/>
-                </a:lnTo>
-                <a:lnTo>
-                  <a:pt x="21600" y="21600"/>
-                </a:lnTo>
-                <a:lnTo>
-                  <a:pt x="0" y="21600"/>
-                </a:lnTo>
-                <a:lnTo>
-                  <a:pt x="0" y="0"/>
-                </a:lnTo>
-                <a:close/>
-              </a:path>
-            </a:pathLst>
-          </a:custGeom>
-          <a:noFill/>
-          <a:ln>
-            <a:noFill/>
-          </a:ln>
-        </p:spPr>
-        <p:style>
-          <a:lnRef idx="0"/>
-          <a:fillRef idx="0"/>
-          <a:effectRef idx="0"/>
-          <a:fontRef idx="minor"/>
-        </p:style>
-      </p:sp>
-      <p:sp>
-        <p:nvSpPr>
-          <p:cNvPr id="141" name="PlaceHolder 2"/>
           <p:cNvSpPr>
             <a:spLocks noGrp="1"/>
           </p:cNvSpPr>
@@ -9838,6 +9730,24 @@
                 <a:spcPct val="93000"/>
               </a:lnSpc>
             </a:pPr>
+            <a:endParaRPr b="0" lang="en-US" sz="1800" spc="-1" strike="noStrike">
+              <a:solidFill>
+                <a:srgbClr val="000000"/>
+              </a:solidFill>
+              <a:uFill>
+                <a:solidFill>
+                  <a:srgbClr val="ffffff"/>
+                </a:solidFill>
+              </a:uFill>
+              <a:latin typeface="Arial"/>
+            </a:endParaRPr>
+          </a:p>
+          <a:p>
+            <a:pPr>
+              <a:lnSpc>
+                <a:spcPct val="93000"/>
+              </a:lnSpc>
+            </a:pPr>
             <a:r>
               <a:rPr b="0" lang="en-US" sz="2200" spc="-1" strike="noStrike" u="sng">
                 <a:solidFill>
@@ -10008,54 +9918,6 @@
                 <a:ea typeface="Georgia"/>
               </a:rPr>
               <a:t> one-rupee note</a:t>
-            </a:r>
-            <a:endParaRPr b="0" lang="en-US" sz="1800" spc="-1" strike="noStrike">
-              <a:solidFill>
-                <a:srgbClr val="000000"/>
-              </a:solidFill>
-              <a:uFill>
-                <a:solidFill>
-                  <a:srgbClr val="ffffff"/>
-                </a:solidFill>
-              </a:uFill>
-              <a:latin typeface="Arial"/>
-            </a:endParaRPr>
-          </a:p>
-          <a:p>
-            <a:pPr>
-              <a:lnSpc>
-                <a:spcPct val="93000"/>
-              </a:lnSpc>
-            </a:pPr>
-            <a:r>
-              <a:rPr b="1" lang="en-US" sz="2200" spc="-1" strike="noStrike">
-                <a:solidFill>
-                  <a:srgbClr val="000000"/>
-                </a:solidFill>
-                <a:uFill>
-                  <a:solidFill>
-                    <a:srgbClr val="ffffff"/>
-                  </a:solidFill>
-                </a:uFill>
-                <a:latin typeface="Georgia"/>
-                <a:ea typeface="Georgia"/>
-              </a:rPr>
-              <a:t>a</a:t>
-            </a:r>
-            <a:r>
-              <a:rPr b="0" lang="en-US" sz="2200" spc="-1" strike="noStrike">
-                <a:solidFill>
-                  <a:srgbClr val="000000"/>
-                </a:solidFill>
-                <a:uFill>
-                  <a:solidFill>
-                    <a:srgbClr val="ffffff"/>
-                  </a:solidFill>
-                </a:uFill>
-                <a:latin typeface="Georgia"/>
-                <a:ea typeface="Georgia"/>
-              </a:rPr>
-              <a:t> used plate</a:t>
             </a:r>
             <a:endParaRPr b="0" lang="en-US" sz="1800" spc="-1" strike="noStrike">
               <a:solidFill>
@@ -13196,7 +13058,7 @@
                 <a:latin typeface="Georgia"/>
                 <a:ea typeface="Georgia"/>
               </a:rPr>
-              <a:t>Rule #3</a:t>
+              <a:t>Rule #4</a:t>
             </a:r>
             <a:r>
               <a:rPr b="0" lang="en-US" sz="1900" spc="-1" strike="noStrike">
@@ -13778,7 +13640,7 @@
                 <a:latin typeface="Georgia"/>
                 <a:ea typeface="Georgia"/>
               </a:rPr>
-              <a:t>Rule #4</a:t>
+              <a:t>Rule #5</a:t>
             </a:r>
             <a:endParaRPr b="0" lang="en-US" sz="1800" spc="-1" strike="noStrike">
               <a:solidFill>
@@ -19861,6 +19723,21 @@
               </a:lnSpc>
             </a:pPr>
             <a:r>
+              <a:rPr b="0" lang="en-US" sz="2000" spc="-1" strike="noStrike">
+                <a:solidFill>
+                  <a:srgbClr val="000000"/>
+                </a:solidFill>
+                <a:uFill>
+                  <a:solidFill>
+                    <a:srgbClr val="ffffff"/>
+                  </a:solidFill>
+                </a:uFill>
+                <a:latin typeface="Georgia"/>
+                <a:ea typeface="Georgia"/>
+              </a:rPr>
+              <a:t>We are going to get married this year</a:t>
+            </a:r>
+            <a:r>
               <a:rPr b="1" lang="en-US" sz="2000" spc="-1" strike="noStrike">
                 <a:solidFill>
                   <a:srgbClr val="000000"/>
@@ -19873,7 +19750,7 @@
                 <a:latin typeface="Georgia"/>
                 <a:ea typeface="Georgia"/>
               </a:rPr>
-              <a:t>We are going to get married this year (Plan: Future Simple)</a:t>
+              <a:t> (Plan: Future Simple)</a:t>
             </a:r>
             <a:endParaRPr b="0" lang="en-US" sz="1800" spc="-1" strike="noStrike">
               <a:solidFill>
@@ -21352,6 +21229,24 @@
                 <a:spcPct val="115000"/>
               </a:lnSpc>
             </a:pPr>
+            <a:endParaRPr b="0" lang="en-US" sz="1800" spc="-1" strike="noStrike">
+              <a:solidFill>
+                <a:srgbClr val="000000"/>
+              </a:solidFill>
+              <a:uFill>
+                <a:solidFill>
+                  <a:srgbClr val="ffffff"/>
+                </a:solidFill>
+              </a:uFill>
+              <a:latin typeface="Arial"/>
+            </a:endParaRPr>
+          </a:p>
+          <a:p>
+            <a:pPr>
+              <a:lnSpc>
+                <a:spcPct val="115000"/>
+              </a:lnSpc>
+            </a:pPr>
             <a:r>
               <a:rPr b="0" i="1" lang="en-US" sz="2000" spc="-1" strike="noStrike">
                 <a:solidFill>
@@ -21449,7 +21344,7 @@
                 <a:latin typeface="Georgia"/>
                 <a:ea typeface="Georgia"/>
               </a:rPr>
-              <a:t>I bought a house </a:t>
+              <a:t>I have bought a house </a:t>
             </a:r>
             <a:r>
               <a:rPr b="1" lang="en-US" sz="2000" spc="-1" strike="sngStrike">
@@ -21497,7 +21392,7 @@
                 <a:latin typeface="Georgia"/>
                 <a:ea typeface="Georgia"/>
               </a:rPr>
-              <a:t>I bought a house </a:t>
+              <a:t>I have bought a house </a:t>
             </a:r>
             <a:r>
               <a:rPr b="1" lang="en-US" sz="2000" spc="-1" strike="sngStrike">
@@ -21560,7 +21455,7 @@
                 <a:latin typeface="Georgia"/>
                 <a:ea typeface="Georgia"/>
               </a:rPr>
-              <a:t>I bought a house a </a:t>
+              <a:t>I have bought a house a </a:t>
             </a:r>
             <a:r>
               <a:rPr b="1" lang="en-US" sz="2000" spc="-1" strike="sngStrike">
@@ -21608,7 +21503,7 @@
                 <a:latin typeface="Georgia"/>
                 <a:ea typeface="Georgia"/>
               </a:rPr>
-              <a:t>I bought a house in </a:t>
+              <a:t>I have bought a house in </a:t>
             </a:r>
             <a:r>
               <a:rPr b="1" lang="en-US" sz="2000" spc="-1" strike="sngStrike">
@@ -21671,7 +21566,7 @@
                 <a:latin typeface="Georgia"/>
                 <a:ea typeface="Georgia"/>
               </a:rPr>
-              <a:t>I bought a house in </a:t>
+              <a:t>I have bought a house in </a:t>
             </a:r>
             <a:r>
               <a:rPr b="1" lang="en-US" sz="2000" spc="-1" strike="sngStrike">
@@ -25327,47 +25222,6 @@
         <p:txBody>
           <a:bodyPr lIns="90000" rIns="90000" tIns="45000" bIns="45000"/>
           <a:p>
-            <a:r>
-              <a:rPr b="0" lang="en-US" sz="1800" spc="-1" strike="noStrike">
-                <a:solidFill>
-                  <a:srgbClr val="000000"/>
-                </a:solidFill>
-                <a:uFill>
-                  <a:solidFill>
-                    <a:srgbClr val="ffffff"/>
-                  </a:solidFill>
-                </a:uFill>
-                <a:latin typeface="Georgia"/>
-              </a:rPr>
-              <a:t>When we got to the theater, the movie </a:t>
-            </a:r>
-            <a:r>
-              <a:rPr b="1" lang="en-US" sz="1800" spc="-1" strike="noStrike">
-                <a:solidFill>
-                  <a:srgbClr val="000000"/>
-                </a:solidFill>
-                <a:uFill>
-                  <a:solidFill>
-                    <a:srgbClr val="ffffff"/>
-                  </a:solidFill>
-                </a:uFill>
-                <a:latin typeface="Georgia"/>
-              </a:rPr>
-              <a:t>started.</a:t>
-            </a:r>
-            <a:endParaRPr b="0" lang="en-US" sz="1800" spc="-1" strike="noStrike">
-              <a:solidFill>
-                <a:srgbClr val="000000"/>
-              </a:solidFill>
-              <a:uFill>
-                <a:solidFill>
-                  <a:srgbClr val="ffffff"/>
-                </a:solidFill>
-              </a:uFill>
-              <a:latin typeface="Arial"/>
-            </a:endParaRPr>
-          </a:p>
-          <a:p>
             <a:endParaRPr b="0" lang="en-US" sz="1800" spc="-1" strike="noStrike">
               <a:solidFill>
                 <a:srgbClr val="000000"/>
@@ -25925,7 +25779,37 @@
                 <a:latin typeface="Georgia"/>
                 <a:ea typeface="Georgia"/>
               </a:rPr>
-              <a:t>The power went out when children were studying</a:t>
+              <a:t>The power went out when children </a:t>
+            </a:r>
+            <a:r>
+              <a:rPr b="1" lang="en-US" sz="2000" spc="-1" strike="noStrike">
+                <a:solidFill>
+                  <a:srgbClr val="000000"/>
+                </a:solidFill>
+                <a:uFill>
+                  <a:solidFill>
+                    <a:srgbClr val="ffffff"/>
+                  </a:solidFill>
+                </a:uFill>
+                <a:latin typeface="Georgia"/>
+                <a:ea typeface="Georgia"/>
+              </a:rPr>
+              <a:t>were studying</a:t>
+            </a:r>
+            <a:r>
+              <a:rPr b="0" lang="en-US" sz="2000" spc="-1" strike="noStrike">
+                <a:solidFill>
+                  <a:srgbClr val="000000"/>
+                </a:solidFill>
+                <a:uFill>
+                  <a:solidFill>
+                    <a:srgbClr val="ffffff"/>
+                  </a:solidFill>
+                </a:uFill>
+                <a:latin typeface="Georgia"/>
+                <a:ea typeface="Georgia"/>
+              </a:rPr>
+              <a:t>.</a:t>
             </a:r>
             <a:endParaRPr b="0" lang="en-US" sz="1800" spc="-1" strike="noStrike">
               <a:solidFill>
@@ -26449,7 +26333,7 @@
                 <a:latin typeface="Georgia"/>
                 <a:ea typeface="Georgia"/>
               </a:rPr>
-              <a:t>was having</a:t>
+              <a:t>was</a:t>
             </a:r>
             <a:r>
               <a:rPr b="0" lang="en-US" sz="2000" spc="-1" strike="noStrike">
@@ -26464,7 +26348,37 @@
                 <a:latin typeface="Georgia"/>
                 <a:ea typeface="Georgia"/>
               </a:rPr>
-              <a:t> dinner with my family when door bell rang.</a:t>
+              <a:t> sick because I </a:t>
+            </a:r>
+            <a:r>
+              <a:rPr b="1" lang="en-US" sz="2000" spc="-1" strike="noStrike">
+                <a:solidFill>
+                  <a:srgbClr val="000000"/>
+                </a:solidFill>
+                <a:uFill>
+                  <a:solidFill>
+                    <a:srgbClr val="ffffff"/>
+                  </a:solidFill>
+                </a:uFill>
+                <a:latin typeface="Georgia"/>
+                <a:ea typeface="Georgia"/>
+              </a:rPr>
+              <a:t>had eaten</a:t>
+            </a:r>
+            <a:r>
+              <a:rPr b="0" lang="en-US" sz="2000" spc="-1" strike="noStrike">
+                <a:solidFill>
+                  <a:srgbClr val="000000"/>
+                </a:solidFill>
+                <a:uFill>
+                  <a:solidFill>
+                    <a:srgbClr val="ffffff"/>
+                  </a:solidFill>
+                </a:uFill>
+                <a:latin typeface="Georgia"/>
+                <a:ea typeface="Georgia"/>
+              </a:rPr>
+              <a:t> too much the previous night.</a:t>
             </a:r>
             <a:endParaRPr b="0" lang="en-US" sz="1800" spc="-1" strike="noStrike">
               <a:solidFill>
@@ -26497,7 +26411,7 @@
                 <a:latin typeface="Georgia"/>
                 <a:ea typeface="Georgia"/>
               </a:rPr>
-              <a:t>It </a:t>
+              <a:t>The man </a:t>
             </a:r>
             <a:r>
               <a:rPr b="1" lang="en-US" sz="2000" spc="-1" strike="noStrike">
@@ -26512,7 +26426,7 @@
                 <a:latin typeface="Georgia"/>
                 <a:ea typeface="Georgia"/>
               </a:rPr>
-              <a:t>was raining</a:t>
+              <a:t>looked</a:t>
             </a:r>
             <a:r>
               <a:rPr b="0" lang="en-US" sz="2000" spc="-1" strike="noStrike">
@@ -26527,7 +26441,37 @@
                 <a:latin typeface="Georgia"/>
                 <a:ea typeface="Georgia"/>
               </a:rPr>
-              <a:t> when Julia left for work.</a:t>
+              <a:t> very familiar. I </a:t>
+            </a:r>
+            <a:r>
+              <a:rPr b="1" lang="en-US" sz="2000" spc="-1" strike="noStrike">
+                <a:solidFill>
+                  <a:srgbClr val="000000"/>
+                </a:solidFill>
+                <a:uFill>
+                  <a:solidFill>
+                    <a:srgbClr val="ffffff"/>
+                  </a:solidFill>
+                </a:uFill>
+                <a:latin typeface="Georgia"/>
+                <a:ea typeface="Georgia"/>
+              </a:rPr>
+              <a:t>had seen</a:t>
+            </a:r>
+            <a:r>
+              <a:rPr b="0" lang="en-US" sz="2000" spc="-1" strike="noStrike">
+                <a:solidFill>
+                  <a:srgbClr val="000000"/>
+                </a:solidFill>
+                <a:uFill>
+                  <a:solidFill>
+                    <a:srgbClr val="ffffff"/>
+                  </a:solidFill>
+                </a:uFill>
+                <a:latin typeface="Georgia"/>
+                <a:ea typeface="Georgia"/>
+              </a:rPr>
+              <a:t> him somewhere before.</a:t>
             </a:r>
             <a:endParaRPr b="0" lang="en-US" sz="1800" spc="-1" strike="noStrike">
               <a:solidFill>
@@ -26560,26 +26504,23 @@
                 <a:latin typeface="Georgia"/>
                 <a:ea typeface="Georgia"/>
               </a:rPr>
-              <a:t>The power went out when children were studying</a:t>
-            </a:r>
-            <a:endParaRPr b="0" lang="en-US" sz="1800" spc="-1" strike="noStrike">
-              <a:solidFill>
-                <a:srgbClr val="000000"/>
-              </a:solidFill>
-              <a:uFill>
-                <a:solidFill>
-                  <a:srgbClr val="ffffff"/>
-                </a:solidFill>
-              </a:uFill>
-              <a:latin typeface="Arial"/>
-            </a:endParaRPr>
-          </a:p>
-          <a:p>
-            <a:pPr>
-              <a:lnSpc>
-                <a:spcPct val="115000"/>
-              </a:lnSpc>
-            </a:pPr>
+              <a:t>The doctor </a:t>
+            </a:r>
+            <a:r>
+              <a:rPr b="1" lang="en-US" sz="2000" spc="-1" strike="noStrike">
+                <a:solidFill>
+                  <a:srgbClr val="000000"/>
+                </a:solidFill>
+                <a:uFill>
+                  <a:solidFill>
+                    <a:srgbClr val="ffffff"/>
+                  </a:solidFill>
+                </a:uFill>
+                <a:latin typeface="Georgia"/>
+                <a:ea typeface="Georgia"/>
+              </a:rPr>
+              <a:t>arrived,</a:t>
+            </a:r>
             <a:r>
               <a:rPr b="0" lang="en-US" sz="2000" spc="-1" strike="noStrike">
                 <a:solidFill>
@@ -26593,7 +26534,7 @@
                 <a:latin typeface="Georgia"/>
                 <a:ea typeface="Georgia"/>
               </a:rPr>
-              <a:t>While we </a:t>
+              <a:t> after the patient </a:t>
             </a:r>
             <a:r>
               <a:rPr b="1" lang="en-US" sz="2000" spc="-1" strike="noStrike">
@@ -26608,7 +26549,7 @@
                 <a:latin typeface="Georgia"/>
                 <a:ea typeface="Georgia"/>
               </a:rPr>
-              <a:t>were waiting</a:t>
+              <a:t>had died</a:t>
             </a:r>
             <a:r>
               <a:rPr b="0" lang="en-US" sz="2000" spc="-1" strike="noStrike">
@@ -26623,193 +26564,7 @@
                 <a:latin typeface="Georgia"/>
                 <a:ea typeface="Georgia"/>
               </a:rPr>
-              <a:t> at the bus stop, we saw a car accident.</a:t>
-            </a:r>
-            <a:endParaRPr b="0" lang="en-US" sz="1800" spc="-1" strike="noStrike">
-              <a:solidFill>
-                <a:srgbClr val="000000"/>
-              </a:solidFill>
-              <a:uFill>
-                <a:solidFill>
-                  <a:srgbClr val="ffffff"/>
-                </a:solidFill>
-              </a:uFill>
-              <a:latin typeface="Arial"/>
-            </a:endParaRPr>
-          </a:p>
-          <a:p>
-            <a:pPr>
-              <a:lnSpc>
-                <a:spcPct val="115000"/>
-              </a:lnSpc>
-            </a:pPr>
-            <a:r>
-              <a:rPr b="0" lang="en-US" sz="2000" spc="-1" strike="noStrike">
-                <a:solidFill>
-                  <a:srgbClr val="000000"/>
-                </a:solidFill>
-                <a:uFill>
-                  <a:solidFill>
-                    <a:srgbClr val="ffffff"/>
-                  </a:solidFill>
-                </a:uFill>
-                <a:latin typeface="Georgia"/>
-                <a:ea typeface="Georgia"/>
-              </a:rPr>
-              <a:t>I </a:t>
-            </a:r>
-            <a:r>
-              <a:rPr b="1" lang="en-US" sz="2000" spc="-1" strike="noStrike">
-                <a:solidFill>
-                  <a:srgbClr val="000000"/>
-                </a:solidFill>
-                <a:uFill>
-                  <a:solidFill>
-                    <a:srgbClr val="ffffff"/>
-                  </a:solidFill>
-                </a:uFill>
-                <a:latin typeface="Georgia"/>
-                <a:ea typeface="Georgia"/>
-              </a:rPr>
-              <a:t>was</a:t>
-            </a:r>
-            <a:r>
-              <a:rPr b="0" lang="en-US" sz="2000" spc="-1" strike="noStrike">
-                <a:solidFill>
-                  <a:srgbClr val="000000"/>
-                </a:solidFill>
-                <a:uFill>
-                  <a:solidFill>
-                    <a:srgbClr val="ffffff"/>
-                  </a:solidFill>
-                </a:uFill>
-                <a:latin typeface="Georgia"/>
-                <a:ea typeface="Georgia"/>
-              </a:rPr>
-              <a:t> sick because I </a:t>
-            </a:r>
-            <a:r>
-              <a:rPr b="1" lang="en-US" sz="2000" spc="-1" strike="noStrike">
-                <a:solidFill>
-                  <a:srgbClr val="000000"/>
-                </a:solidFill>
-                <a:uFill>
-                  <a:solidFill>
-                    <a:srgbClr val="ffffff"/>
-                  </a:solidFill>
-                </a:uFill>
-                <a:latin typeface="Georgia"/>
-                <a:ea typeface="Georgia"/>
-              </a:rPr>
-              <a:t>had eaten</a:t>
-            </a:r>
-            <a:r>
-              <a:rPr b="0" lang="en-US" sz="2000" spc="-1" strike="noStrike">
-                <a:solidFill>
-                  <a:srgbClr val="000000"/>
-                </a:solidFill>
-                <a:uFill>
-                  <a:solidFill>
-                    <a:srgbClr val="ffffff"/>
-                  </a:solidFill>
-                </a:uFill>
-                <a:latin typeface="Georgia"/>
-                <a:ea typeface="Georgia"/>
-              </a:rPr>
-              <a:t> too much the previous night.</a:t>
-            </a:r>
-            <a:endParaRPr b="0" lang="en-US" sz="1800" spc="-1" strike="noStrike">
-              <a:solidFill>
-                <a:srgbClr val="000000"/>
-              </a:solidFill>
-              <a:uFill>
-                <a:solidFill>
-                  <a:srgbClr val="ffffff"/>
-                </a:solidFill>
-              </a:uFill>
-              <a:latin typeface="Arial"/>
-            </a:endParaRPr>
-          </a:p>
-          <a:p>
-            <a:pPr>
-              <a:lnSpc>
-                <a:spcPct val="115000"/>
-              </a:lnSpc>
-            </a:pPr>
-            <a:r>
-              <a:rPr b="0" lang="en-US" sz="2000" spc="-1" strike="noStrike">
-                <a:solidFill>
-                  <a:srgbClr val="000000"/>
-                </a:solidFill>
-                <a:uFill>
-                  <a:solidFill>
-                    <a:srgbClr val="ffffff"/>
-                  </a:solidFill>
-                </a:uFill>
-                <a:latin typeface="Georgia"/>
-                <a:ea typeface="Georgia"/>
-              </a:rPr>
-              <a:t>The man </a:t>
-            </a:r>
-            <a:r>
-              <a:rPr b="1" lang="en-US" sz="2000" spc="-1" strike="noStrike">
-                <a:solidFill>
-                  <a:srgbClr val="000000"/>
-                </a:solidFill>
-                <a:uFill>
-                  <a:solidFill>
-                    <a:srgbClr val="ffffff"/>
-                  </a:solidFill>
-                </a:uFill>
-                <a:latin typeface="Georgia"/>
-                <a:ea typeface="Georgia"/>
-              </a:rPr>
-              <a:t>looked</a:t>
-            </a:r>
-            <a:r>
-              <a:rPr b="0" lang="en-US" sz="2000" spc="-1" strike="noStrike">
-                <a:solidFill>
-                  <a:srgbClr val="000000"/>
-                </a:solidFill>
-                <a:uFill>
-                  <a:solidFill>
-                    <a:srgbClr val="ffffff"/>
-                  </a:solidFill>
-                </a:uFill>
-                <a:latin typeface="Georgia"/>
-                <a:ea typeface="Georgia"/>
-              </a:rPr>
-              <a:t> very familiar. I </a:t>
-            </a:r>
-            <a:r>
-              <a:rPr b="1" lang="en-US" sz="2000" spc="-1" strike="noStrike">
-                <a:solidFill>
-                  <a:srgbClr val="000000"/>
-                </a:solidFill>
-                <a:uFill>
-                  <a:solidFill>
-                    <a:srgbClr val="ffffff"/>
-                  </a:solidFill>
-                </a:uFill>
-                <a:latin typeface="Georgia"/>
-                <a:ea typeface="Georgia"/>
-              </a:rPr>
-              <a:t>had seen</a:t>
-            </a:r>
-            <a:r>
-              <a:rPr b="0" lang="en-US" sz="2000" spc="-1" strike="noStrike">
-                <a:solidFill>
-                  <a:srgbClr val="000000"/>
-                </a:solidFill>
-                <a:uFill>
-                  <a:solidFill>
-                    <a:srgbClr val="ffffff"/>
-                  </a:solidFill>
-                </a:uFill>
-                <a:latin typeface="Georgia"/>
-                <a:ea typeface="Georgia"/>
-              </a:rPr>
-              <a:t> him somewhere before.</a:t>
+              <a:t>.</a:t>
             </a:r>
             <a:endParaRPr b="0" lang="en-US" sz="1800" spc="-1" strike="noStrike">
               <a:solidFill>
@@ -28588,7 +28343,7 @@
                 <a:latin typeface="Georgia"/>
                 <a:ea typeface="Georgia"/>
               </a:rPr>
-              <a:t>Past Perfect Continuous</a:t>
+              <a:t>Future Simple</a:t>
             </a:r>
             <a:endParaRPr b="0" lang="en-US" sz="1800" spc="-1" strike="noStrike">
               <a:solidFill>
@@ -28639,7 +28394,7 @@
                 <a:latin typeface="Georgia"/>
                 <a:ea typeface="Georgia"/>
               </a:rPr>
-              <a:t>Form: Subject + had been + verb (-ing)</a:t>
+              <a:t>Simple future has two different forms in English: "will" and "be going to." they often express two very different meanings. </a:t>
             </a:r>
             <a:endParaRPr b="0" lang="en-US" sz="1800" spc="-1" strike="noStrike">
               <a:solidFill>
@@ -28659,6 +28414,57 @@
                 <a:spcPct val="115000"/>
               </a:lnSpc>
             </a:pPr>
+            <a:endParaRPr b="0" lang="en-US" sz="1800" spc="-1" strike="noStrike">
+              <a:solidFill>
+                <a:srgbClr val="000000"/>
+              </a:solidFill>
+              <a:uFill>
+                <a:solidFill>
+                  <a:srgbClr val="ffffff"/>
+                </a:solidFill>
+              </a:uFill>
+              <a:latin typeface="Arial"/>
+            </a:endParaRPr>
+          </a:p>
+          <a:p>
+            <a:pPr>
+              <a:lnSpc>
+                <a:spcPct val="115000"/>
+              </a:lnSpc>
+            </a:pPr>
+            <a:r>
+              <a:rPr b="0" lang="en-US" sz="2000" spc="-1" strike="noStrike" u="sng">
+                <a:solidFill>
+                  <a:srgbClr val="000000"/>
+                </a:solidFill>
+                <a:uFill>
+                  <a:solidFill>
+                    <a:srgbClr val="ffffff"/>
+                  </a:solidFill>
+                </a:uFill>
+                <a:latin typeface="Georgia"/>
+                <a:ea typeface="Georgia"/>
+              </a:rPr>
+              <a:t>Structure</a:t>
+            </a:r>
+            <a:endParaRPr b="0" lang="en-US" sz="1800" spc="-1" strike="noStrike">
+              <a:solidFill>
+                <a:srgbClr val="000000"/>
+              </a:solidFill>
+              <a:uFill>
+                <a:solidFill>
+                  <a:srgbClr val="ffffff"/>
+                </a:solidFill>
+              </a:uFill>
+              <a:latin typeface="Arial"/>
+            </a:endParaRPr>
+          </a:p>
+          <a:p>
+            <a:pPr>
+              <a:lnSpc>
+                <a:spcPct val="115000"/>
+              </a:lnSpc>
+            </a:pPr>
             <a:r>
               <a:rPr b="0" lang="en-US" sz="2000" spc="-1" strike="noStrike">
                 <a:solidFill>
@@ -28672,7 +28478,7 @@
                 <a:latin typeface="Georgia"/>
                 <a:ea typeface="Georgia"/>
               </a:rPr>
-              <a:t>The first ( continuous ) past action</a:t>
+              <a:t>1. Subject + am/is/are + verb (base) </a:t>
             </a:r>
             <a:endParaRPr b="0" lang="en-US" sz="1800" spc="-1" strike="noStrike">
               <a:solidFill>
@@ -28692,6 +28498,21 @@
                 <a:spcPct val="115000"/>
               </a:lnSpc>
             </a:pPr>
+            <a:r>
+              <a:rPr b="0" lang="en-US" sz="2000" spc="-1" strike="noStrike">
+                <a:solidFill>
+                  <a:srgbClr val="000000"/>
+                </a:solidFill>
+                <a:uFill>
+                  <a:solidFill>
+                    <a:srgbClr val="ffffff"/>
+                  </a:solidFill>
+                </a:uFill>
+                <a:latin typeface="Georgia"/>
+                <a:ea typeface="Georgia"/>
+              </a:rPr>
+              <a:t>2. Subject + to be going to + verb (base) </a:t>
+            </a:r>
             <a:endParaRPr b="0" lang="en-US" sz="1800" spc="-1" strike="noStrike">
               <a:solidFill>
                 <a:srgbClr val="000000"/>
@@ -28723,7 +28544,244 @@
                 <a:latin typeface="Georgia"/>
                 <a:ea typeface="Georgia"/>
               </a:rPr>
-              <a:t>1. I </a:t>
+              <a:t>Going to — plans and Intentions</a:t>
+            </a:r>
+            <a:endParaRPr b="0" lang="en-US" sz="1800" spc="-1" strike="noStrike">
+              <a:solidFill>
+                <a:srgbClr val="000000"/>
+              </a:solidFill>
+              <a:uFill>
+                <a:solidFill>
+                  <a:srgbClr val="ffffff"/>
+                </a:solidFill>
+              </a:uFill>
+              <a:latin typeface="Arial"/>
+            </a:endParaRPr>
+          </a:p>
+          <a:p>
+            <a:pPr>
+              <a:lnSpc>
+                <a:spcPct val="115000"/>
+              </a:lnSpc>
+            </a:pPr>
+            <a:endParaRPr b="0" lang="en-US" sz="1800" spc="-1" strike="noStrike">
+              <a:solidFill>
+                <a:srgbClr val="000000"/>
+              </a:solidFill>
+              <a:uFill>
+                <a:solidFill>
+                  <a:srgbClr val="ffffff"/>
+                </a:solidFill>
+              </a:uFill>
+              <a:latin typeface="Arial"/>
+            </a:endParaRPr>
+          </a:p>
+          <a:p>
+            <a:pPr>
+              <a:lnSpc>
+                <a:spcPct val="115000"/>
+              </a:lnSpc>
+            </a:pPr>
+            <a:r>
+              <a:rPr b="0" lang="en-US" sz="2000" spc="-1" strike="noStrike">
+                <a:solidFill>
+                  <a:srgbClr val="000000"/>
+                </a:solidFill>
+                <a:uFill>
+                  <a:solidFill>
+                    <a:srgbClr val="ffffff"/>
+                  </a:solidFill>
+                </a:uFill>
+                <a:latin typeface="Georgia"/>
+                <a:ea typeface="Georgia"/>
+              </a:rPr>
+              <a:t>1. We are going to buy a new car. (plan)</a:t>
+            </a:r>
+            <a:endParaRPr b="0" lang="en-US" sz="1800" spc="-1" strike="noStrike">
+              <a:solidFill>
+                <a:srgbClr val="000000"/>
+              </a:solidFill>
+              <a:uFill>
+                <a:solidFill>
+                  <a:srgbClr val="ffffff"/>
+                </a:solidFill>
+              </a:uFill>
+              <a:latin typeface="Arial"/>
+            </a:endParaRPr>
+          </a:p>
+          <a:p>
+            <a:pPr>
+              <a:lnSpc>
+                <a:spcPct val="115000"/>
+              </a:lnSpc>
+            </a:pPr>
+            <a:r>
+              <a:rPr b="0" lang="en-US" sz="2000" spc="-1" strike="noStrike">
+                <a:solidFill>
+                  <a:srgbClr val="000000"/>
+                </a:solidFill>
+                <a:uFill>
+                  <a:solidFill>
+                    <a:srgbClr val="ffffff"/>
+                  </a:solidFill>
+                </a:uFill>
+                <a:latin typeface="Georgia"/>
+                <a:ea typeface="Georgia"/>
+              </a:rPr>
+              <a:t>2. Hasan is going to take a vacation from work. (plan)</a:t>
+            </a:r>
+            <a:endParaRPr b="0" lang="en-US" sz="1800" spc="-1" strike="noStrike">
+              <a:solidFill>
+                <a:srgbClr val="000000"/>
+              </a:solidFill>
+              <a:uFill>
+                <a:solidFill>
+                  <a:srgbClr val="ffffff"/>
+                </a:solidFill>
+              </a:uFill>
+              <a:latin typeface="Arial"/>
+            </a:endParaRPr>
+          </a:p>
+          <a:p>
+            <a:pPr>
+              <a:lnSpc>
+                <a:spcPct val="115000"/>
+              </a:lnSpc>
+            </a:pPr>
+            <a:r>
+              <a:rPr b="0" lang="en-US" sz="2000" spc="-1" strike="noStrike">
+                <a:solidFill>
+                  <a:srgbClr val="000000"/>
+                </a:solidFill>
+                <a:uFill>
+                  <a:solidFill>
+                    <a:srgbClr val="ffffff"/>
+                  </a:solidFill>
+                </a:uFill>
+                <a:latin typeface="Georgia"/>
+                <a:ea typeface="Georgia"/>
+              </a:rPr>
+              <a:t>3. You are going to meet Jane tonight.</a:t>
+            </a:r>
+            <a:endParaRPr b="0" lang="en-US" sz="1800" spc="-1" strike="noStrike">
+              <a:solidFill>
+                <a:srgbClr val="000000"/>
+              </a:solidFill>
+              <a:uFill>
+                <a:solidFill>
+                  <a:srgbClr val="ffffff"/>
+                </a:solidFill>
+              </a:uFill>
+              <a:latin typeface="Arial"/>
+            </a:endParaRPr>
+          </a:p>
+          <a:p>
+            <a:pPr>
+              <a:lnSpc>
+                <a:spcPct val="115000"/>
+              </a:lnSpc>
+            </a:pPr>
+            <a:endParaRPr b="0" lang="en-US" sz="1800" spc="-1" strike="noStrike">
+              <a:solidFill>
+                <a:srgbClr val="000000"/>
+              </a:solidFill>
+              <a:uFill>
+                <a:solidFill>
+                  <a:srgbClr val="ffffff"/>
+                </a:solidFill>
+              </a:uFill>
+              <a:latin typeface="Arial"/>
+            </a:endParaRPr>
+          </a:p>
+          <a:p>
+            <a:pPr>
+              <a:lnSpc>
+                <a:spcPct val="115000"/>
+              </a:lnSpc>
+            </a:pPr>
+            <a:endParaRPr b="0" lang="en-US" sz="1800" spc="-1" strike="noStrike">
+              <a:solidFill>
+                <a:srgbClr val="000000"/>
+              </a:solidFill>
+              <a:uFill>
+                <a:solidFill>
+                  <a:srgbClr val="ffffff"/>
+                </a:solidFill>
+              </a:uFill>
+              <a:latin typeface="Arial"/>
+            </a:endParaRPr>
+          </a:p>
+          <a:p>
+            <a:pPr algn="ctr">
+              <a:lnSpc>
+                <a:spcPct val="115000"/>
+              </a:lnSpc>
+            </a:pPr>
+            <a:r>
+              <a:rPr b="1" lang="en-US" sz="2000" spc="-1" strike="noStrike" u="sng">
+                <a:solidFill>
+                  <a:srgbClr val="000000"/>
+                </a:solidFill>
+                <a:uFill>
+                  <a:solidFill>
+                    <a:srgbClr val="ffffff"/>
+                  </a:solidFill>
+                </a:uFill>
+                <a:latin typeface="Georgia"/>
+                <a:ea typeface="Georgia"/>
+              </a:rPr>
+              <a:t>Going to vs Present continuous</a:t>
+            </a:r>
+            <a:endParaRPr b="0" lang="en-US" sz="1800" spc="-1" strike="noStrike">
+              <a:solidFill>
+                <a:srgbClr val="000000"/>
+              </a:solidFill>
+              <a:uFill>
+                <a:solidFill>
+                  <a:srgbClr val="ffffff"/>
+                </a:solidFill>
+              </a:uFill>
+              <a:latin typeface="Arial"/>
+            </a:endParaRPr>
+          </a:p>
+          <a:p>
+            <a:pPr>
+              <a:lnSpc>
+                <a:spcPct val="115000"/>
+              </a:lnSpc>
+            </a:pPr>
+            <a:endParaRPr b="0" lang="en-US" sz="1800" spc="-1" strike="noStrike">
+              <a:solidFill>
+                <a:srgbClr val="000000"/>
+              </a:solidFill>
+              <a:uFill>
+                <a:solidFill>
+                  <a:srgbClr val="ffffff"/>
+                </a:solidFill>
+              </a:uFill>
+              <a:latin typeface="Arial"/>
+            </a:endParaRPr>
+          </a:p>
+          <a:p>
+            <a:pPr>
+              <a:lnSpc>
+                <a:spcPct val="115000"/>
+              </a:lnSpc>
+            </a:pPr>
+            <a:r>
+              <a:rPr b="0" lang="en-US" sz="2000" spc="-1" strike="noStrike">
+                <a:solidFill>
+                  <a:srgbClr val="000000"/>
+                </a:solidFill>
+                <a:uFill>
+                  <a:solidFill>
+                    <a:srgbClr val="ffffff"/>
+                  </a:solidFill>
+                </a:uFill>
+                <a:latin typeface="Georgia"/>
+                <a:ea typeface="Georgia"/>
+              </a:rPr>
+              <a:t>We are going to get married this year. </a:t>
             </a:r>
             <a:r>
               <a:rPr b="1" lang="en-US" sz="2000" spc="-1" strike="noStrike">
@@ -28738,8 +28796,26 @@
                 <a:latin typeface="Georgia"/>
                 <a:ea typeface="Georgia"/>
               </a:rPr>
-              <a:t>felt</a:t>
-            </a:r>
+              <a:t>(Plan: Future Simple)</a:t>
+            </a:r>
+            <a:endParaRPr b="0" lang="en-US" sz="1800" spc="-1" strike="noStrike">
+              <a:solidFill>
+                <a:srgbClr val="000000"/>
+              </a:solidFill>
+              <a:uFill>
+                <a:solidFill>
+                  <a:srgbClr val="ffffff"/>
+                </a:solidFill>
+              </a:uFill>
+              <a:latin typeface="Arial"/>
+            </a:endParaRPr>
+          </a:p>
+          <a:p>
+            <a:pPr>
+              <a:lnSpc>
+                <a:spcPct val="115000"/>
+              </a:lnSpc>
+            </a:pPr>
             <a:r>
               <a:rPr b="0" lang="en-US" sz="2000" spc="-1" strike="noStrike">
                 <a:solidFill>
@@ -28753,7 +28829,37 @@
                 <a:latin typeface="Georgia"/>
                 <a:ea typeface="Georgia"/>
               </a:rPr>
-              <a:t> really tired because I </a:t>
+              <a:t>We are getting married on 20</a:t>
+            </a:r>
+            <a:r>
+              <a:rPr b="0" lang="en-US" sz="2000" spc="-1" strike="noStrike" baseline="101000">
+                <a:solidFill>
+                  <a:srgbClr val="000000"/>
+                </a:solidFill>
+                <a:uFill>
+                  <a:solidFill>
+                    <a:srgbClr val="ffffff"/>
+                  </a:solidFill>
+                </a:uFill>
+                <a:latin typeface="Georgia"/>
+                <a:ea typeface="Georgia"/>
+              </a:rPr>
+              <a:t>th</a:t>
+            </a:r>
+            <a:r>
+              <a:rPr b="0" lang="en-US" sz="2000" spc="-1" strike="noStrike">
+                <a:solidFill>
+                  <a:srgbClr val="000000"/>
+                </a:solidFill>
+                <a:uFill>
+                  <a:solidFill>
+                    <a:srgbClr val="ffffff"/>
+                  </a:solidFill>
+                </a:uFill>
+                <a:latin typeface="Georgia"/>
+                <a:ea typeface="Georgia"/>
+              </a:rPr>
+              <a:t> April. </a:t>
             </a:r>
             <a:r>
               <a:rPr b="1" lang="en-US" sz="2000" spc="-1" strike="noStrike">
@@ -28768,167 +28874,8 @@
                 <a:latin typeface="Georgia"/>
                 <a:ea typeface="Georgia"/>
               </a:rPr>
-              <a:t>had been driving</a:t>
-            </a:r>
-            <a:r>
-              <a:rPr b="0" lang="en-US" sz="2000" spc="-1" strike="noStrike">
-                <a:solidFill>
-                  <a:srgbClr val="000000"/>
-                </a:solidFill>
-                <a:uFill>
-                  <a:solidFill>
-                    <a:srgbClr val="ffffff"/>
-                  </a:solidFill>
-                </a:uFill>
-                <a:latin typeface="Georgia"/>
-                <a:ea typeface="Georgia"/>
-              </a:rPr>
-              <a:t> all day.</a:t>
-            </a:r>
-            <a:endParaRPr b="0" lang="en-US" sz="1800" spc="-1" strike="noStrike">
-              <a:solidFill>
-                <a:srgbClr val="000000"/>
-              </a:solidFill>
-              <a:uFill>
-                <a:solidFill>
-                  <a:srgbClr val="ffffff"/>
-                </a:solidFill>
-              </a:uFill>
-              <a:latin typeface="Arial"/>
-            </a:endParaRPr>
-          </a:p>
-          <a:p>
-            <a:pPr>
-              <a:lnSpc>
-                <a:spcPct val="115000"/>
-              </a:lnSpc>
-            </a:pPr>
-            <a:r>
-              <a:rPr b="0" lang="en-US" sz="2000" spc="-1" strike="noStrike">
-                <a:solidFill>
-                  <a:srgbClr val="000000"/>
-                </a:solidFill>
-                <a:uFill>
-                  <a:solidFill>
-                    <a:srgbClr val="ffffff"/>
-                  </a:solidFill>
-                </a:uFill>
-                <a:latin typeface="Georgia"/>
-                <a:ea typeface="Georgia"/>
-              </a:rPr>
-              <a:t>2. She had been waiting for two hours when doctor finally arrived.</a:t>
-            </a:r>
-            <a:endParaRPr b="0" lang="en-US" sz="1800" spc="-1" strike="noStrike">
-              <a:solidFill>
-                <a:srgbClr val="000000"/>
-              </a:solidFill>
-              <a:uFill>
-                <a:solidFill>
-                  <a:srgbClr val="ffffff"/>
-                </a:solidFill>
-              </a:uFill>
-              <a:latin typeface="Arial"/>
-            </a:endParaRPr>
-          </a:p>
-          <a:p>
-            <a:pPr>
-              <a:lnSpc>
-                <a:spcPct val="115000"/>
-              </a:lnSpc>
-            </a:pPr>
-            <a:r>
-              <a:rPr b="0" lang="en-US" sz="2000" spc="-1" strike="noStrike">
-                <a:solidFill>
-                  <a:srgbClr val="000000"/>
-                </a:solidFill>
-                <a:uFill>
-                  <a:solidFill>
-                    <a:srgbClr val="ffffff"/>
-                  </a:solidFill>
-                </a:uFill>
-                <a:latin typeface="Georgia"/>
-                <a:ea typeface="Georgia"/>
-              </a:rPr>
-              <a:t>3. When the phone </a:t>
-            </a:r>
-            <a:r>
-              <a:rPr b="1" lang="en-US" sz="2000" spc="-1" strike="noStrike">
-                <a:solidFill>
-                  <a:srgbClr val="000000"/>
-                </a:solidFill>
-                <a:uFill>
-                  <a:solidFill>
-                    <a:srgbClr val="ffffff"/>
-                  </a:solidFill>
-                </a:uFill>
-                <a:latin typeface="Georgia"/>
-                <a:ea typeface="Georgia"/>
-              </a:rPr>
-              <a:t>rang</a:t>
-            </a:r>
-            <a:r>
-              <a:rPr b="0" lang="en-US" sz="2000" spc="-1" strike="noStrike">
-                <a:solidFill>
-                  <a:srgbClr val="000000"/>
-                </a:solidFill>
-                <a:uFill>
-                  <a:solidFill>
-                    <a:srgbClr val="ffffff"/>
-                  </a:solidFill>
-                </a:uFill>
-                <a:latin typeface="Georgia"/>
-                <a:ea typeface="Georgia"/>
-              </a:rPr>
-              <a:t>, I </a:t>
-            </a:r>
-            <a:r>
-              <a:rPr b="1" lang="en-US" sz="2000" spc="-1" strike="noStrike">
-                <a:solidFill>
-                  <a:srgbClr val="000000"/>
-                </a:solidFill>
-                <a:uFill>
-                  <a:solidFill>
-                    <a:srgbClr val="ffffff"/>
-                  </a:solidFill>
-                </a:uFill>
-                <a:latin typeface="Georgia"/>
-                <a:ea typeface="Georgia"/>
-              </a:rPr>
-              <a:t>had been washing </a:t>
-            </a:r>
-            <a:r>
-              <a:rPr b="0" lang="en-US" sz="2000" spc="-1" strike="noStrike">
-                <a:solidFill>
-                  <a:srgbClr val="000000"/>
-                </a:solidFill>
-                <a:uFill>
-                  <a:solidFill>
-                    <a:srgbClr val="ffffff"/>
-                  </a:solidFill>
-                </a:uFill>
-                <a:latin typeface="Georgia"/>
-                <a:ea typeface="Georgia"/>
-              </a:rPr>
-              <a:t>the dishes for half an hour.  </a:t>
-            </a:r>
-            <a:endParaRPr b="0" lang="en-US" sz="1800" spc="-1" strike="noStrike">
-              <a:solidFill>
-                <a:srgbClr val="000000"/>
-              </a:solidFill>
-              <a:uFill>
-                <a:solidFill>
-                  <a:srgbClr val="ffffff"/>
-                </a:solidFill>
-              </a:uFill>
-              <a:latin typeface="Arial"/>
-            </a:endParaRPr>
-          </a:p>
-          <a:p>
-            <a:pPr>
-              <a:lnSpc>
-                <a:spcPct val="115000"/>
-              </a:lnSpc>
-            </a:pPr>
+              <a:t>(Fixed arrangement : present continuous)</a:t>
+            </a:r>
             <a:endParaRPr b="0" lang="en-US" sz="1800" spc="-1" strike="noStrike">
               <a:solidFill>
                 <a:srgbClr val="000000"/>
@@ -29253,26 +29200,11 @@
         <p:txBody>
           <a:bodyPr lIns="0" rIns="0" tIns="7200" bIns="0"/>
           <a:p>
-            <a:pPr algn="ctr">
+            <a:pPr>
               <a:lnSpc>
                 <a:spcPct val="115000"/>
               </a:lnSpc>
             </a:pPr>
-            <a:r>
-              <a:rPr b="0" lang="en-US" sz="2200" spc="-1" strike="noStrike" u="sng">
-                <a:solidFill>
-                  <a:srgbClr val="000000"/>
-                </a:solidFill>
-                <a:uFill>
-                  <a:solidFill>
-                    <a:srgbClr val="ffffff"/>
-                  </a:solidFill>
-                </a:uFill>
-                <a:latin typeface="Georgia"/>
-                <a:ea typeface="Georgia"/>
-              </a:rPr>
-              <a:t>Future Simple</a:t>
-            </a:r>
             <a:endParaRPr b="0" lang="en-US" sz="1800" spc="-1" strike="noStrike">
               <a:solidFill>
                 <a:srgbClr val="000000"/>
@@ -29309,6 +29241,24 @@
                 <a:spcPct val="115000"/>
               </a:lnSpc>
             </a:pPr>
+            <a:endParaRPr b="0" lang="en-US" sz="1800" spc="-1" strike="noStrike">
+              <a:solidFill>
+                <a:srgbClr val="000000"/>
+              </a:solidFill>
+              <a:uFill>
+                <a:solidFill>
+                  <a:srgbClr val="ffffff"/>
+                </a:solidFill>
+              </a:uFill>
+              <a:latin typeface="Arial"/>
+            </a:endParaRPr>
+          </a:p>
+          <a:p>
+            <a:pPr>
+              <a:lnSpc>
+                <a:spcPct val="115000"/>
+              </a:lnSpc>
+            </a:pPr>
             <a:r>
               <a:rPr b="0" lang="en-US" sz="2000" spc="-1" strike="noStrike">
                 <a:solidFill>
@@ -29322,7 +29272,7 @@
                 <a:latin typeface="Georgia"/>
                 <a:ea typeface="Georgia"/>
               </a:rPr>
-              <a:t>Simple future has two different forms in English: "will" and "be going to." they often express two very different meanings. </a:t>
+              <a:t>Shall/Will  ---------------  Offer, Promise, Instant decisions, Make predictions</a:t>
             </a:r>
             <a:endParaRPr b="0" lang="en-US" sz="1800" spc="-1" strike="noStrike">
               <a:solidFill>
@@ -29361,19 +29311,19 @@
               </a:lnSpc>
             </a:pPr>
             <a:r>
-              <a:rPr b="0" lang="en-US" sz="2000" spc="-1" strike="noStrike" u="sng">
-                <a:solidFill>
-                  <a:srgbClr val="000000"/>
-                </a:solidFill>
-                <a:uFill>
-                  <a:solidFill>
-                    <a:srgbClr val="ffffff"/>
-                  </a:solidFill>
-                </a:uFill>
-                <a:latin typeface="Georgia"/>
-                <a:ea typeface="Georgia"/>
-              </a:rPr>
-              <a:t>Structure</a:t>
+              <a:rPr b="0" lang="en-US" sz="2000" spc="-1" strike="noStrike">
+                <a:solidFill>
+                  <a:srgbClr val="000000"/>
+                </a:solidFill>
+                <a:uFill>
+                  <a:solidFill>
+                    <a:srgbClr val="ffffff"/>
+                  </a:solidFill>
+                </a:uFill>
+                <a:latin typeface="Georgia"/>
+                <a:ea typeface="Georgia"/>
+              </a:rPr>
+              <a:t>I think Spain will win the 2022 World Cup.</a:t>
             </a:r>
             <a:endParaRPr b="0" lang="en-US" sz="1800" spc="-1" strike="noStrike">
               <a:solidFill>
@@ -29406,7 +29356,7 @@
                 <a:latin typeface="Georgia"/>
                 <a:ea typeface="Georgia"/>
               </a:rPr>
-              <a:t>1. Subject + am/is/are + verb (base) </a:t>
+              <a:t>It will rain tomorrow.</a:t>
             </a:r>
             <a:endParaRPr b="0" lang="en-US" sz="1800" spc="-1" strike="noStrike">
               <a:solidFill>
@@ -29439,7 +29389,7 @@
                 <a:latin typeface="Georgia"/>
                 <a:ea typeface="Georgia"/>
               </a:rPr>
-              <a:t>2. Subject + to be going to + verb (base) </a:t>
+              <a:t>I'll pay for the tickets by credit card.</a:t>
             </a:r>
             <a:endParaRPr b="0" lang="en-US" sz="1800" spc="-1" strike="noStrike">
               <a:solidFill>
@@ -29472,337 +29422,7 @@
                 <a:latin typeface="Georgia"/>
                 <a:ea typeface="Georgia"/>
               </a:rPr>
-              <a:t>Going to — plans and Intentions</a:t>
-            </a:r>
-            <a:endParaRPr b="0" lang="en-US" sz="1800" spc="-1" strike="noStrike">
-              <a:solidFill>
-                <a:srgbClr val="000000"/>
-              </a:solidFill>
-              <a:uFill>
-                <a:solidFill>
-                  <a:srgbClr val="ffffff"/>
-                </a:solidFill>
-              </a:uFill>
-              <a:latin typeface="Arial"/>
-            </a:endParaRPr>
-          </a:p>
-          <a:p>
-            <a:pPr>
-              <a:lnSpc>
-                <a:spcPct val="115000"/>
-              </a:lnSpc>
-            </a:pPr>
-            <a:endParaRPr b="0" lang="en-US" sz="1800" spc="-1" strike="noStrike">
-              <a:solidFill>
-                <a:srgbClr val="000000"/>
-              </a:solidFill>
-              <a:uFill>
-                <a:solidFill>
-                  <a:srgbClr val="ffffff"/>
-                </a:solidFill>
-              </a:uFill>
-              <a:latin typeface="Arial"/>
-            </a:endParaRPr>
-          </a:p>
-          <a:p>
-            <a:pPr>
-              <a:lnSpc>
-                <a:spcPct val="115000"/>
-              </a:lnSpc>
-            </a:pPr>
-            <a:r>
-              <a:rPr b="0" lang="en-US" sz="2000" spc="-1" strike="noStrike">
-                <a:solidFill>
-                  <a:srgbClr val="000000"/>
-                </a:solidFill>
-                <a:uFill>
-                  <a:solidFill>
-                    <a:srgbClr val="ffffff"/>
-                  </a:solidFill>
-                </a:uFill>
-                <a:latin typeface="Georgia"/>
-                <a:ea typeface="Georgia"/>
-              </a:rPr>
-              <a:t>1. We are going to buy a new car. (plan)</a:t>
-            </a:r>
-            <a:endParaRPr b="0" lang="en-US" sz="1800" spc="-1" strike="noStrike">
-              <a:solidFill>
-                <a:srgbClr val="000000"/>
-              </a:solidFill>
-              <a:uFill>
-                <a:solidFill>
-                  <a:srgbClr val="ffffff"/>
-                </a:solidFill>
-              </a:uFill>
-              <a:latin typeface="Arial"/>
-            </a:endParaRPr>
-          </a:p>
-          <a:p>
-            <a:pPr>
-              <a:lnSpc>
-                <a:spcPct val="115000"/>
-              </a:lnSpc>
-            </a:pPr>
-            <a:r>
-              <a:rPr b="0" lang="en-US" sz="2000" spc="-1" strike="noStrike">
-                <a:solidFill>
-                  <a:srgbClr val="000000"/>
-                </a:solidFill>
-                <a:uFill>
-                  <a:solidFill>
-                    <a:srgbClr val="ffffff"/>
-                  </a:solidFill>
-                </a:uFill>
-                <a:latin typeface="Georgia"/>
-                <a:ea typeface="Georgia"/>
-              </a:rPr>
-              <a:t>2. Hasan is going to take a vacation from work. (plan)</a:t>
-            </a:r>
-            <a:endParaRPr b="0" lang="en-US" sz="1800" spc="-1" strike="noStrike">
-              <a:solidFill>
-                <a:srgbClr val="000000"/>
-              </a:solidFill>
-              <a:uFill>
-                <a:solidFill>
-                  <a:srgbClr val="ffffff"/>
-                </a:solidFill>
-              </a:uFill>
-              <a:latin typeface="Arial"/>
-            </a:endParaRPr>
-          </a:p>
-          <a:p>
-            <a:pPr>
-              <a:lnSpc>
-                <a:spcPct val="115000"/>
-              </a:lnSpc>
-            </a:pPr>
-            <a:r>
-              <a:rPr b="0" lang="en-US" sz="2000" spc="-1" strike="noStrike">
-                <a:solidFill>
-                  <a:srgbClr val="000000"/>
-                </a:solidFill>
-                <a:uFill>
-                  <a:solidFill>
-                    <a:srgbClr val="ffffff"/>
-                  </a:solidFill>
-                </a:uFill>
-                <a:latin typeface="Georgia"/>
-                <a:ea typeface="Georgia"/>
-              </a:rPr>
-              <a:t>3. You are going to meet Jane tonight.</a:t>
-            </a:r>
-            <a:endParaRPr b="0" lang="en-US" sz="1800" spc="-1" strike="noStrike">
-              <a:solidFill>
-                <a:srgbClr val="000000"/>
-              </a:solidFill>
-              <a:uFill>
-                <a:solidFill>
-                  <a:srgbClr val="ffffff"/>
-                </a:solidFill>
-              </a:uFill>
-              <a:latin typeface="Arial"/>
-            </a:endParaRPr>
-          </a:p>
-          <a:p>
-            <a:pPr>
-              <a:lnSpc>
-                <a:spcPct val="115000"/>
-              </a:lnSpc>
-            </a:pPr>
-            <a:endParaRPr b="0" lang="en-US" sz="1800" spc="-1" strike="noStrike">
-              <a:solidFill>
-                <a:srgbClr val="000000"/>
-              </a:solidFill>
-              <a:uFill>
-                <a:solidFill>
-                  <a:srgbClr val="ffffff"/>
-                </a:solidFill>
-              </a:uFill>
-              <a:latin typeface="Arial"/>
-            </a:endParaRPr>
-          </a:p>
-          <a:p>
-            <a:pPr>
-              <a:lnSpc>
-                <a:spcPct val="115000"/>
-              </a:lnSpc>
-            </a:pPr>
-            <a:endParaRPr b="0" lang="en-US" sz="1800" spc="-1" strike="noStrike">
-              <a:solidFill>
-                <a:srgbClr val="000000"/>
-              </a:solidFill>
-              <a:uFill>
-                <a:solidFill>
-                  <a:srgbClr val="ffffff"/>
-                </a:solidFill>
-              </a:uFill>
-              <a:latin typeface="Arial"/>
-            </a:endParaRPr>
-          </a:p>
-          <a:p>
-            <a:pPr algn="ctr">
-              <a:lnSpc>
-                <a:spcPct val="115000"/>
-              </a:lnSpc>
-            </a:pPr>
-            <a:r>
-              <a:rPr b="1" lang="en-US" sz="2000" spc="-1" strike="noStrike" u="sng">
-                <a:solidFill>
-                  <a:srgbClr val="000000"/>
-                </a:solidFill>
-                <a:uFill>
-                  <a:solidFill>
-                    <a:srgbClr val="ffffff"/>
-                  </a:solidFill>
-                </a:uFill>
-                <a:latin typeface="Georgia"/>
-                <a:ea typeface="Georgia"/>
-              </a:rPr>
-              <a:t>Going to vs Present continuous</a:t>
-            </a:r>
-            <a:endParaRPr b="0" lang="en-US" sz="1800" spc="-1" strike="noStrike">
-              <a:solidFill>
-                <a:srgbClr val="000000"/>
-              </a:solidFill>
-              <a:uFill>
-                <a:solidFill>
-                  <a:srgbClr val="ffffff"/>
-                </a:solidFill>
-              </a:uFill>
-              <a:latin typeface="Arial"/>
-            </a:endParaRPr>
-          </a:p>
-          <a:p>
-            <a:pPr>
-              <a:lnSpc>
-                <a:spcPct val="115000"/>
-              </a:lnSpc>
-            </a:pPr>
-            <a:endParaRPr b="0" lang="en-US" sz="1800" spc="-1" strike="noStrike">
-              <a:solidFill>
-                <a:srgbClr val="000000"/>
-              </a:solidFill>
-              <a:uFill>
-                <a:solidFill>
-                  <a:srgbClr val="ffffff"/>
-                </a:solidFill>
-              </a:uFill>
-              <a:latin typeface="Arial"/>
-            </a:endParaRPr>
-          </a:p>
-          <a:p>
-            <a:pPr>
-              <a:lnSpc>
-                <a:spcPct val="115000"/>
-              </a:lnSpc>
-            </a:pPr>
-            <a:r>
-              <a:rPr b="0" lang="en-US" sz="2000" spc="-1" strike="noStrike">
-                <a:solidFill>
-                  <a:srgbClr val="000000"/>
-                </a:solidFill>
-                <a:uFill>
-                  <a:solidFill>
-                    <a:srgbClr val="ffffff"/>
-                  </a:solidFill>
-                </a:uFill>
-                <a:latin typeface="Georgia"/>
-                <a:ea typeface="Georgia"/>
-              </a:rPr>
-              <a:t>We are going to get married this year. </a:t>
-            </a:r>
-            <a:r>
-              <a:rPr b="1" lang="en-US" sz="2000" spc="-1" strike="noStrike">
-                <a:solidFill>
-                  <a:srgbClr val="000000"/>
-                </a:solidFill>
-                <a:uFill>
-                  <a:solidFill>
-                    <a:srgbClr val="ffffff"/>
-                  </a:solidFill>
-                </a:uFill>
-                <a:latin typeface="Georgia"/>
-                <a:ea typeface="Georgia"/>
-              </a:rPr>
-              <a:t>(Plan: Future Simple)</a:t>
-            </a:r>
-            <a:endParaRPr b="0" lang="en-US" sz="1800" spc="-1" strike="noStrike">
-              <a:solidFill>
-                <a:srgbClr val="000000"/>
-              </a:solidFill>
-              <a:uFill>
-                <a:solidFill>
-                  <a:srgbClr val="ffffff"/>
-                </a:solidFill>
-              </a:uFill>
-              <a:latin typeface="Arial"/>
-            </a:endParaRPr>
-          </a:p>
-          <a:p>
-            <a:pPr>
-              <a:lnSpc>
-                <a:spcPct val="115000"/>
-              </a:lnSpc>
-            </a:pPr>
-            <a:r>
-              <a:rPr b="0" lang="en-US" sz="2000" spc="-1" strike="noStrike">
-                <a:solidFill>
-                  <a:srgbClr val="000000"/>
-                </a:solidFill>
-                <a:uFill>
-                  <a:solidFill>
-                    <a:srgbClr val="ffffff"/>
-                  </a:solidFill>
-                </a:uFill>
-                <a:latin typeface="Georgia"/>
-                <a:ea typeface="Georgia"/>
-              </a:rPr>
-              <a:t>We are getting married on 20</a:t>
-            </a:r>
-            <a:r>
-              <a:rPr b="0" lang="en-US" sz="2000" spc="-1" strike="noStrike" baseline="101000">
-                <a:solidFill>
-                  <a:srgbClr val="000000"/>
-                </a:solidFill>
-                <a:uFill>
-                  <a:solidFill>
-                    <a:srgbClr val="ffffff"/>
-                  </a:solidFill>
-                </a:uFill>
-                <a:latin typeface="Georgia"/>
-                <a:ea typeface="Georgia"/>
-              </a:rPr>
-              <a:t>th</a:t>
-            </a:r>
-            <a:r>
-              <a:rPr b="0" lang="en-US" sz="2000" spc="-1" strike="noStrike">
-                <a:solidFill>
-                  <a:srgbClr val="000000"/>
-                </a:solidFill>
-                <a:uFill>
-                  <a:solidFill>
-                    <a:srgbClr val="ffffff"/>
-                  </a:solidFill>
-                </a:uFill>
-                <a:latin typeface="Georgia"/>
-                <a:ea typeface="Georgia"/>
-              </a:rPr>
-              <a:t> April. </a:t>
-            </a:r>
-            <a:r>
-              <a:rPr b="1" lang="en-US" sz="2000" spc="-1" strike="noStrike">
-                <a:solidFill>
-                  <a:srgbClr val="000000"/>
-                </a:solidFill>
-                <a:uFill>
-                  <a:solidFill>
-                    <a:srgbClr val="ffffff"/>
-                  </a:solidFill>
-                </a:uFill>
-                <a:latin typeface="Georgia"/>
-                <a:ea typeface="Georgia"/>
-              </a:rPr>
-              <a:t>(Fixed arrangement : present continuous)</a:t>
+              <a:t>You will do exactly as I say.</a:t>
             </a:r>
             <a:endParaRPr b="0" lang="en-US" sz="1800" spc="-1" strike="noStrike">
               <a:solidFill>
@@ -30128,11 +29748,26 @@
         <p:txBody>
           <a:bodyPr lIns="0" rIns="0" tIns="7200" bIns="0"/>
           <a:p>
-            <a:pPr>
+            <a:pPr algn="ctr">
               <a:lnSpc>
                 <a:spcPct val="115000"/>
               </a:lnSpc>
             </a:pPr>
+            <a:r>
+              <a:rPr b="0" lang="en-US" sz="2200" spc="-1" strike="noStrike" u="sng">
+                <a:solidFill>
+                  <a:srgbClr val="000000"/>
+                </a:solidFill>
+                <a:uFill>
+                  <a:solidFill>
+                    <a:srgbClr val="ffffff"/>
+                  </a:solidFill>
+                </a:uFill>
+                <a:latin typeface="Georgia"/>
+                <a:ea typeface="Georgia"/>
+              </a:rPr>
+              <a:t>Future Continuous</a:t>
+            </a:r>
             <a:endParaRPr b="0" lang="en-US" sz="1800" spc="-1" strike="noStrike">
               <a:solidFill>
                 <a:srgbClr val="000000"/>
@@ -30169,6 +29804,21 @@
                 <a:spcPct val="115000"/>
               </a:lnSpc>
             </a:pPr>
+            <a:r>
+              <a:rPr b="0" lang="en-US" sz="2000" spc="-1" strike="noStrike" u="sng">
+                <a:solidFill>
+                  <a:srgbClr val="000000"/>
+                </a:solidFill>
+                <a:uFill>
+                  <a:solidFill>
+                    <a:srgbClr val="ffffff"/>
+                  </a:solidFill>
+                </a:uFill>
+                <a:latin typeface="Georgia"/>
+                <a:ea typeface="Georgia"/>
+              </a:rPr>
+              <a:t>Structure</a:t>
+            </a:r>
             <a:endParaRPr b="0" lang="en-US" sz="1800" spc="-1" strike="noStrike">
               <a:solidFill>
                 <a:srgbClr val="000000"/>
@@ -30200,7 +29850,7 @@
                 <a:latin typeface="Georgia"/>
                 <a:ea typeface="Georgia"/>
               </a:rPr>
-              <a:t>Shall/Will  ---------------  Offer, Promise, Instant decisions, Make predictions</a:t>
+              <a:t>1. Subject + shall-will + be + verb (-ing) </a:t>
             </a:r>
             <a:endParaRPr b="0" lang="en-US" sz="1800" spc="-1" strike="noStrike">
               <a:solidFill>
@@ -30251,7 +29901,7 @@
                 <a:latin typeface="Georgia"/>
                 <a:ea typeface="Georgia"/>
               </a:rPr>
-              <a:t>I think Spain will win the 2022 World Cup.</a:t>
+              <a:t>Ongoing actions in the future</a:t>
             </a:r>
             <a:endParaRPr b="0" lang="en-US" sz="1800" spc="-1" strike="noStrike">
               <a:solidFill>
@@ -30284,7 +29934,7 @@
                 <a:latin typeface="Georgia"/>
                 <a:ea typeface="Georgia"/>
               </a:rPr>
-              <a:t>It will rain tomorrow.</a:t>
+              <a:t>1. At 11:00 a.m tomorrow, I shall be driving to Portland.</a:t>
             </a:r>
             <a:endParaRPr b="0" lang="en-US" sz="1800" spc="-1" strike="noStrike">
               <a:solidFill>
@@ -30317,40 +29967,7 @@
                 <a:latin typeface="Georgia"/>
                 <a:ea typeface="Georgia"/>
               </a:rPr>
-              <a:t>I'll pay for the tickets by credit card.</a:t>
-            </a:r>
-            <a:endParaRPr b="0" lang="en-US" sz="1800" spc="-1" strike="noStrike">
-              <a:solidFill>
-                <a:srgbClr val="000000"/>
-              </a:solidFill>
-              <a:uFill>
-                <a:solidFill>
-                  <a:srgbClr val="ffffff"/>
-                </a:solidFill>
-              </a:uFill>
-              <a:latin typeface="Arial"/>
-            </a:endParaRPr>
-          </a:p>
-          <a:p>
-            <a:pPr>
-              <a:lnSpc>
-                <a:spcPct val="115000"/>
-              </a:lnSpc>
-            </a:pPr>
-            <a:r>
-              <a:rPr b="0" lang="en-US" sz="2000" spc="-1" strike="noStrike">
-                <a:solidFill>
-                  <a:srgbClr val="000000"/>
-                </a:solidFill>
-                <a:uFill>
-                  <a:solidFill>
-                    <a:srgbClr val="ffffff"/>
-                  </a:solidFill>
-                </a:uFill>
-                <a:latin typeface="Georgia"/>
-                <a:ea typeface="Georgia"/>
-              </a:rPr>
-              <a:t>You will do exactly as I say.</a:t>
+              <a:t>2. I will be staying at the hotel in Portland.</a:t>
             </a:r>
             <a:endParaRPr b="0" lang="en-US" sz="1800" spc="-1" strike="noStrike">
               <a:solidFill>
@@ -30628,551 +30245,6 @@
       <p:sp>
         <p:nvSpPr>
           <p:cNvPr id="121" name="CustomShape 2"/>
-          <p:cNvSpPr/>
-          <p:nvPr/>
-        </p:nvSpPr>
-        <p:spPr>
-          <a:xfrm>
-            <a:off x="437760" y="194400"/>
-            <a:ext cx="9066960" cy="6752880"/>
-          </a:xfrm>
-          <a:custGeom>
-            <a:avLst/>
-            <a:gdLst/>
-            <a:ahLst/>
-            <a:rect l="l" t="t" r="r" b="b"/>
-            <a:pathLst>
-              <a:path w="21600" h="21600">
-                <a:moveTo>
-                  <a:pt x="0" y="0"/>
-                </a:moveTo>
-                <a:lnTo>
-                  <a:pt x="21600" y="0"/>
-                </a:lnTo>
-                <a:lnTo>
-                  <a:pt x="21600" y="21600"/>
-                </a:lnTo>
-                <a:lnTo>
-                  <a:pt x="0" y="21600"/>
-                </a:lnTo>
-                <a:lnTo>
-                  <a:pt x="0" y="0"/>
-                </a:lnTo>
-                <a:close/>
-              </a:path>
-            </a:pathLst>
-          </a:custGeom>
-          <a:noFill/>
-          <a:ln>
-            <a:noFill/>
-          </a:ln>
-        </p:spPr>
-        <p:style>
-          <a:lnRef idx="0"/>
-          <a:fillRef idx="0"/>
-          <a:effectRef idx="0"/>
-          <a:fontRef idx="minor"/>
-        </p:style>
-        <p:txBody>
-          <a:bodyPr lIns="0" rIns="0" tIns="7200" bIns="0"/>
-          <a:p>
-            <a:pPr algn="ctr">
-              <a:lnSpc>
-                <a:spcPct val="115000"/>
-              </a:lnSpc>
-            </a:pPr>
-            <a:r>
-              <a:rPr b="0" lang="en-US" sz="2200" spc="-1" strike="noStrike" u="sng">
-                <a:solidFill>
-                  <a:srgbClr val="000000"/>
-                </a:solidFill>
-                <a:uFill>
-                  <a:solidFill>
-                    <a:srgbClr val="ffffff"/>
-                  </a:solidFill>
-                </a:uFill>
-                <a:latin typeface="Georgia"/>
-                <a:ea typeface="Georgia"/>
-              </a:rPr>
-              <a:t>Future Continuous</a:t>
-            </a:r>
-            <a:endParaRPr b="0" lang="en-US" sz="1800" spc="-1" strike="noStrike">
-              <a:solidFill>
-                <a:srgbClr val="000000"/>
-              </a:solidFill>
-              <a:uFill>
-                <a:solidFill>
-                  <a:srgbClr val="ffffff"/>
-                </a:solidFill>
-              </a:uFill>
-              <a:latin typeface="Arial"/>
-            </a:endParaRPr>
-          </a:p>
-          <a:p>
-            <a:pPr>
-              <a:lnSpc>
-                <a:spcPct val="115000"/>
-              </a:lnSpc>
-            </a:pPr>
-            <a:endParaRPr b="0" lang="en-US" sz="1800" spc="-1" strike="noStrike">
-              <a:solidFill>
-                <a:srgbClr val="000000"/>
-              </a:solidFill>
-              <a:uFill>
-                <a:solidFill>
-                  <a:srgbClr val="ffffff"/>
-                </a:solidFill>
-              </a:uFill>
-              <a:latin typeface="Arial"/>
-            </a:endParaRPr>
-          </a:p>
-          <a:p>
-            <a:pPr>
-              <a:lnSpc>
-                <a:spcPct val="115000"/>
-              </a:lnSpc>
-            </a:pPr>
-            <a:r>
-              <a:rPr b="0" lang="en-US" sz="2000" spc="-1" strike="noStrike" u="sng">
-                <a:solidFill>
-                  <a:srgbClr val="000000"/>
-                </a:solidFill>
-                <a:uFill>
-                  <a:solidFill>
-                    <a:srgbClr val="ffffff"/>
-                  </a:solidFill>
-                </a:uFill>
-                <a:latin typeface="Georgia"/>
-                <a:ea typeface="Georgia"/>
-              </a:rPr>
-              <a:t>Structure</a:t>
-            </a:r>
-            <a:endParaRPr b="0" lang="en-US" sz="1800" spc="-1" strike="noStrike">
-              <a:solidFill>
-                <a:srgbClr val="000000"/>
-              </a:solidFill>
-              <a:uFill>
-                <a:solidFill>
-                  <a:srgbClr val="ffffff"/>
-                </a:solidFill>
-              </a:uFill>
-              <a:latin typeface="Arial"/>
-            </a:endParaRPr>
-          </a:p>
-          <a:p>
-            <a:pPr>
-              <a:lnSpc>
-                <a:spcPct val="115000"/>
-              </a:lnSpc>
-            </a:pPr>
-            <a:r>
-              <a:rPr b="0" lang="en-US" sz="2000" spc="-1" strike="noStrike">
-                <a:solidFill>
-                  <a:srgbClr val="000000"/>
-                </a:solidFill>
-                <a:uFill>
-                  <a:solidFill>
-                    <a:srgbClr val="ffffff"/>
-                  </a:solidFill>
-                </a:uFill>
-                <a:latin typeface="Georgia"/>
-                <a:ea typeface="Georgia"/>
-              </a:rPr>
-              <a:t>1. Subject + shall-will + be + verb (-ing) </a:t>
-            </a:r>
-            <a:endParaRPr b="0" lang="en-US" sz="1800" spc="-1" strike="noStrike">
-              <a:solidFill>
-                <a:srgbClr val="000000"/>
-              </a:solidFill>
-              <a:uFill>
-                <a:solidFill>
-                  <a:srgbClr val="ffffff"/>
-                </a:solidFill>
-              </a:uFill>
-              <a:latin typeface="Arial"/>
-            </a:endParaRPr>
-          </a:p>
-          <a:p>
-            <a:pPr>
-              <a:lnSpc>
-                <a:spcPct val="115000"/>
-              </a:lnSpc>
-            </a:pPr>
-            <a:endParaRPr b="0" lang="en-US" sz="1800" spc="-1" strike="noStrike">
-              <a:solidFill>
-                <a:srgbClr val="000000"/>
-              </a:solidFill>
-              <a:uFill>
-                <a:solidFill>
-                  <a:srgbClr val="ffffff"/>
-                </a:solidFill>
-              </a:uFill>
-              <a:latin typeface="Arial"/>
-            </a:endParaRPr>
-          </a:p>
-          <a:p>
-            <a:pPr>
-              <a:lnSpc>
-                <a:spcPct val="115000"/>
-              </a:lnSpc>
-            </a:pPr>
-            <a:r>
-              <a:rPr b="0" lang="en-US" sz="2000" spc="-1" strike="noStrike">
-                <a:solidFill>
-                  <a:srgbClr val="000000"/>
-                </a:solidFill>
-                <a:uFill>
-                  <a:solidFill>
-                    <a:srgbClr val="ffffff"/>
-                  </a:solidFill>
-                </a:uFill>
-                <a:latin typeface="Georgia"/>
-                <a:ea typeface="Georgia"/>
-              </a:rPr>
-              <a:t>Ongoing actions in the future</a:t>
-            </a:r>
-            <a:endParaRPr b="0" lang="en-US" sz="1800" spc="-1" strike="noStrike">
-              <a:solidFill>
-                <a:srgbClr val="000000"/>
-              </a:solidFill>
-              <a:uFill>
-                <a:solidFill>
-                  <a:srgbClr val="ffffff"/>
-                </a:solidFill>
-              </a:uFill>
-              <a:latin typeface="Arial"/>
-            </a:endParaRPr>
-          </a:p>
-          <a:p>
-            <a:pPr>
-              <a:lnSpc>
-                <a:spcPct val="115000"/>
-              </a:lnSpc>
-            </a:pPr>
-            <a:r>
-              <a:rPr b="0" lang="en-US" sz="2000" spc="-1" strike="noStrike">
-                <a:solidFill>
-                  <a:srgbClr val="000000"/>
-                </a:solidFill>
-                <a:uFill>
-                  <a:solidFill>
-                    <a:srgbClr val="ffffff"/>
-                  </a:solidFill>
-                </a:uFill>
-                <a:latin typeface="Georgia"/>
-                <a:ea typeface="Georgia"/>
-              </a:rPr>
-              <a:t>1. At 11:00 a.m tomorrow, I shall be driving to Portland.</a:t>
-            </a:r>
-            <a:endParaRPr b="0" lang="en-US" sz="1800" spc="-1" strike="noStrike">
-              <a:solidFill>
-                <a:srgbClr val="000000"/>
-              </a:solidFill>
-              <a:uFill>
-                <a:solidFill>
-                  <a:srgbClr val="ffffff"/>
-                </a:solidFill>
-              </a:uFill>
-              <a:latin typeface="Arial"/>
-            </a:endParaRPr>
-          </a:p>
-          <a:p>
-            <a:pPr>
-              <a:lnSpc>
-                <a:spcPct val="115000"/>
-              </a:lnSpc>
-            </a:pPr>
-            <a:r>
-              <a:rPr b="0" lang="en-US" sz="2000" spc="-1" strike="noStrike">
-                <a:solidFill>
-                  <a:srgbClr val="000000"/>
-                </a:solidFill>
-                <a:uFill>
-                  <a:solidFill>
-                    <a:srgbClr val="ffffff"/>
-                  </a:solidFill>
-                </a:uFill>
-                <a:latin typeface="Georgia"/>
-                <a:ea typeface="Georgia"/>
-              </a:rPr>
-              <a:t>2. I will be staying at the hotel in Portland.</a:t>
-            </a:r>
-            <a:endParaRPr b="0" lang="en-US" sz="1800" spc="-1" strike="noStrike">
-              <a:solidFill>
-                <a:srgbClr val="000000"/>
-              </a:solidFill>
-              <a:uFill>
-                <a:solidFill>
-                  <a:srgbClr val="ffffff"/>
-                </a:solidFill>
-              </a:uFill>
-              <a:latin typeface="Arial"/>
-            </a:endParaRPr>
-          </a:p>
-          <a:p>
-            <a:pPr>
-              <a:lnSpc>
-                <a:spcPct val="115000"/>
-              </a:lnSpc>
-            </a:pPr>
-            <a:endParaRPr b="0" lang="en-US" sz="1800" spc="-1" strike="noStrike">
-              <a:solidFill>
-                <a:srgbClr val="000000"/>
-              </a:solidFill>
-              <a:uFill>
-                <a:solidFill>
-                  <a:srgbClr val="ffffff"/>
-                </a:solidFill>
-              </a:uFill>
-              <a:latin typeface="Arial"/>
-            </a:endParaRPr>
-          </a:p>
-          <a:p>
-            <a:pPr>
-              <a:lnSpc>
-                <a:spcPct val="115000"/>
-              </a:lnSpc>
-            </a:pPr>
-            <a:endParaRPr b="0" lang="en-US" sz="1800" spc="-1" strike="noStrike">
-              <a:solidFill>
-                <a:srgbClr val="000000"/>
-              </a:solidFill>
-              <a:uFill>
-                <a:solidFill>
-                  <a:srgbClr val="ffffff"/>
-                </a:solidFill>
-              </a:uFill>
-              <a:latin typeface="Arial"/>
-            </a:endParaRPr>
-          </a:p>
-        </p:txBody>
-      </p:sp>
-    </p:spTree>
-  </p:cSld>
-</p:sld>
-</file>
-
-<file path=ppt/slides/slide39.xml><?xml version="1.0" encoding="utf-8"?>
-<p:sld xmlns:a="http://schemas.openxmlformats.org/drawingml/2006/main" xmlns:p="http://schemas.openxmlformats.org/presentationml/2006/main" xmlns:r="http://schemas.openxmlformats.org/officeDocument/2006/relationships" xmlns:p14="http://schemas.microsoft.com/office/powerpoint/2010/main" xmlns:p15="http://schemas.microsoft.com/office/powerpoint/2012/main" xmlns:mc="http://schemas.openxmlformats.org/markup-compatibility/2006">
-  <p:cSld>
-    <p:bg>
-      <p:bgPr>
-        <a:solidFill>
-          <a:srgbClr val="ffffff"/>
-        </a:solidFill>
-      </p:bgPr>
-    </p:bg>
-    <p:spTree>
-      <p:nvGrpSpPr>
-        <p:cNvPr id="1" name=""/>
-        <p:cNvGrpSpPr/>
-        <p:nvPr/>
-      </p:nvGrpSpPr>
-      <p:grpSpPr>
-        <a:xfrm>
-          <a:off x="0" y="0"/>
-          <a:ext cx="0" cy="0"/>
-          <a:chOff x="0" y="0"/>
-          <a:chExt cx="0" cy="0"/>
-        </a:xfrm>
-      </p:grpSpPr>
-      <p:sp>
-        <p:nvSpPr>
-          <p:cNvPr id="122" name="CustomShape 1"/>
-          <p:cNvSpPr/>
-          <p:nvPr/>
-        </p:nvSpPr>
-        <p:spPr>
-          <a:xfrm>
-            <a:off x="456480" y="1188720"/>
-            <a:ext cx="9066960" cy="6215400"/>
-          </a:xfrm>
-          <a:prstGeom prst="rect">
-            <a:avLst/>
-          </a:prstGeom>
-          <a:noFill/>
-          <a:ln>
-            <a:noFill/>
-          </a:ln>
-        </p:spPr>
-        <p:style>
-          <a:lnRef idx="0"/>
-          <a:fillRef idx="0"/>
-          <a:effectRef idx="0"/>
-          <a:fontRef idx="minor"/>
-        </p:style>
-        <p:txBody>
-          <a:bodyPr lIns="0" rIns="0" tIns="7200" bIns="0"/>
-          <a:p>
-            <a:pPr>
-              <a:lnSpc>
-                <a:spcPct val="98000"/>
-              </a:lnSpc>
-            </a:pPr>
-            <a:r>
-              <a:rPr b="0" lang="en-US" sz="2800" spc="-1" strike="noStrike">
-                <a:solidFill>
-                  <a:srgbClr val="000000"/>
-                </a:solidFill>
-                <a:uFill>
-                  <a:solidFill>
-                    <a:srgbClr val="ffffff"/>
-                  </a:solidFill>
-                </a:uFill>
-                <a:latin typeface="Georgia"/>
-                <a:ea typeface="Georgia"/>
-              </a:rPr>
-              <a:t> </a:t>
-            </a:r>
-            <a:endParaRPr b="0" lang="en-US" sz="1800" spc="-1" strike="noStrike">
-              <a:solidFill>
-                <a:srgbClr val="000000"/>
-              </a:solidFill>
-              <a:uFill>
-                <a:solidFill>
-                  <a:srgbClr val="ffffff"/>
-                </a:solidFill>
-              </a:uFill>
-              <a:latin typeface="Arial"/>
-            </a:endParaRPr>
-          </a:p>
-          <a:p>
-            <a:pPr>
-              <a:lnSpc>
-                <a:spcPct val="98000"/>
-              </a:lnSpc>
-            </a:pPr>
-            <a:r>
-              <a:rPr b="0" lang="en-US" sz="2800" spc="-1" strike="noStrike">
-                <a:solidFill>
-                  <a:srgbClr val="000000"/>
-                </a:solidFill>
-                <a:uFill>
-                  <a:solidFill>
-                    <a:srgbClr val="ffffff"/>
-                  </a:solidFill>
-                </a:uFill>
-                <a:latin typeface="Georgia"/>
-                <a:ea typeface="Georgia"/>
-              </a:rPr>
-              <a:t> </a:t>
-            </a:r>
-            <a:endParaRPr b="0" lang="en-US" sz="1800" spc="-1" strike="noStrike">
-              <a:solidFill>
-                <a:srgbClr val="000000"/>
-              </a:solidFill>
-              <a:uFill>
-                <a:solidFill>
-                  <a:srgbClr val="ffffff"/>
-                </a:solidFill>
-              </a:uFill>
-              <a:latin typeface="Arial"/>
-            </a:endParaRPr>
-          </a:p>
-          <a:p>
-            <a:pPr marL="215640" indent="-206280">
-              <a:lnSpc>
-                <a:spcPct val="98000"/>
-              </a:lnSpc>
-            </a:pPr>
-            <a:r>
-              <a:rPr b="0" lang="en-US" sz="2800" spc="-1" strike="noStrike">
-                <a:solidFill>
-                  <a:srgbClr val="000000"/>
-                </a:solidFill>
-                <a:uFill>
-                  <a:solidFill>
-                    <a:srgbClr val="ffffff"/>
-                  </a:solidFill>
-                </a:uFill>
-                <a:latin typeface="Georgia"/>
-                <a:ea typeface="Georgia"/>
-              </a:rPr>
-              <a:t> </a:t>
-            </a:r>
-            <a:endParaRPr b="0" lang="en-US" sz="1800" spc="-1" strike="noStrike">
-              <a:solidFill>
-                <a:srgbClr val="000000"/>
-              </a:solidFill>
-              <a:uFill>
-                <a:solidFill>
-                  <a:srgbClr val="ffffff"/>
-                </a:solidFill>
-              </a:uFill>
-              <a:latin typeface="Arial"/>
-            </a:endParaRPr>
-          </a:p>
-          <a:p>
-            <a:pPr marL="215640" indent="-206280">
-              <a:lnSpc>
-                <a:spcPct val="98000"/>
-              </a:lnSpc>
-            </a:pPr>
-            <a:r>
-              <a:rPr b="0" lang="en-US" sz="2800" spc="-1" strike="noStrike">
-                <a:solidFill>
-                  <a:srgbClr val="000000"/>
-                </a:solidFill>
-                <a:uFill>
-                  <a:solidFill>
-                    <a:srgbClr val="ffffff"/>
-                  </a:solidFill>
-                </a:uFill>
-                <a:latin typeface="Georgia"/>
-                <a:ea typeface="Georgia"/>
-              </a:rPr>
-              <a:t> </a:t>
-            </a:r>
-            <a:endParaRPr b="0" lang="en-US" sz="1800" spc="-1" strike="noStrike">
-              <a:solidFill>
-                <a:srgbClr val="000000"/>
-              </a:solidFill>
-              <a:uFill>
-                <a:solidFill>
-                  <a:srgbClr val="ffffff"/>
-                </a:solidFill>
-              </a:uFill>
-              <a:latin typeface="Arial"/>
-            </a:endParaRPr>
-          </a:p>
-          <a:p>
-            <a:pPr marL="215640" indent="-206280">
-              <a:lnSpc>
-                <a:spcPct val="98000"/>
-              </a:lnSpc>
-            </a:pPr>
-            <a:r>
-              <a:rPr b="0" lang="en-US" sz="2800" spc="-1" strike="noStrike">
-                <a:solidFill>
-                  <a:srgbClr val="000000"/>
-                </a:solidFill>
-                <a:uFill>
-                  <a:solidFill>
-                    <a:srgbClr val="ffffff"/>
-                  </a:solidFill>
-                </a:uFill>
-                <a:latin typeface="Georgia"/>
-                <a:ea typeface="Georgia"/>
-              </a:rPr>
-              <a:t> </a:t>
-            </a:r>
-            <a:endParaRPr b="0" lang="en-US" sz="1800" spc="-1" strike="noStrike">
-              <a:solidFill>
-                <a:srgbClr val="000000"/>
-              </a:solidFill>
-              <a:uFill>
-                <a:solidFill>
-                  <a:srgbClr val="ffffff"/>
-                </a:solidFill>
-              </a:uFill>
-              <a:latin typeface="Arial"/>
-            </a:endParaRPr>
-          </a:p>
-        </p:txBody>
-      </p:sp>
-      <p:sp>
-        <p:nvSpPr>
-          <p:cNvPr id="123" name="CustomShape 2"/>
           <p:cNvSpPr/>
           <p:nvPr/>
         </p:nvSpPr>
